--- a/04_IOCP_ChatServer/IOCP_ChatServer/싱글스레드채팅서버_설계.pptx
+++ b/04_IOCP_ChatServer/IOCP_ChatServer/싱글스레드채팅서버_설계.pptx
@@ -5,11 +5,16 @@
     <p:sldMasterId id="2147483648" r:id="rId1"/>
   </p:sldMasterIdLst>
   <p:sldIdLst>
-    <p:sldId id="258" r:id="rId2"/>
-    <p:sldId id="259" r:id="rId3"/>
-    <p:sldId id="260" r:id="rId4"/>
+    <p:sldId id="261" r:id="rId2"/>
+    <p:sldId id="258" r:id="rId3"/>
+    <p:sldId id="262" r:id="rId4"/>
     <p:sldId id="256" r:id="rId5"/>
     <p:sldId id="257" r:id="rId6"/>
+    <p:sldId id="263" r:id="rId7"/>
+    <p:sldId id="259" r:id="rId8"/>
+    <p:sldId id="260" r:id="rId9"/>
+    <p:sldId id="264" r:id="rId10"/>
+    <p:sldId id="265" r:id="rId11"/>
   </p:sldIdLst>
   <p:sldSz cx="12192000" cy="6858000"/>
   <p:notesSz cx="6858000" cy="9144000"/>
@@ -108,6 +113,11 @@
       </a:defRPr>
     </a:lvl9pPr>
   </p:defaultTextStyle>
+  <p:extLst>
+    <p:ext uri="{EFAFB233-063F-42B5-8137-9DF3F51BA10A}">
+      <p15:sldGuideLst xmlns:p15="http://schemas.microsoft.com/office/powerpoint/2012/main"/>
+    </p:ext>
+  </p:extLst>
 </p:presentation>
 </file>
 
@@ -258,7 +268,7 @@
           <a:p>
             <a:fld id="{6E913530-8DE3-4119-BB1A-7924D7F6E651}" type="datetimeFigureOut">
               <a:rPr lang="ko-KR" altLang="en-US" smtClean="0"/>
-              <a:t>2025-01-08</a:t>
+              <a:t>2025-01-10</a:t>
             </a:fld>
             <a:endParaRPr lang="ko-KR" altLang="en-US"/>
           </a:p>
@@ -456,7 +466,7 @@
           <a:p>
             <a:fld id="{6E913530-8DE3-4119-BB1A-7924D7F6E651}" type="datetimeFigureOut">
               <a:rPr lang="ko-KR" altLang="en-US" smtClean="0"/>
-              <a:t>2025-01-08</a:t>
+              <a:t>2025-01-10</a:t>
             </a:fld>
             <a:endParaRPr lang="ko-KR" altLang="en-US"/>
           </a:p>
@@ -664,7 +674,7 @@
           <a:p>
             <a:fld id="{6E913530-8DE3-4119-BB1A-7924D7F6E651}" type="datetimeFigureOut">
               <a:rPr lang="ko-KR" altLang="en-US" smtClean="0"/>
-              <a:t>2025-01-08</a:t>
+              <a:t>2025-01-10</a:t>
             </a:fld>
             <a:endParaRPr lang="ko-KR" altLang="en-US"/>
           </a:p>
@@ -862,7 +872,7 @@
           <a:p>
             <a:fld id="{6E913530-8DE3-4119-BB1A-7924D7F6E651}" type="datetimeFigureOut">
               <a:rPr lang="ko-KR" altLang="en-US" smtClean="0"/>
-              <a:t>2025-01-08</a:t>
+              <a:t>2025-01-10</a:t>
             </a:fld>
             <a:endParaRPr lang="ko-KR" altLang="en-US"/>
           </a:p>
@@ -1137,7 +1147,7 @@
           <a:p>
             <a:fld id="{6E913530-8DE3-4119-BB1A-7924D7F6E651}" type="datetimeFigureOut">
               <a:rPr lang="ko-KR" altLang="en-US" smtClean="0"/>
-              <a:t>2025-01-08</a:t>
+              <a:t>2025-01-10</a:t>
             </a:fld>
             <a:endParaRPr lang="ko-KR" altLang="en-US"/>
           </a:p>
@@ -1402,7 +1412,7 @@
           <a:p>
             <a:fld id="{6E913530-8DE3-4119-BB1A-7924D7F6E651}" type="datetimeFigureOut">
               <a:rPr lang="ko-KR" altLang="en-US" smtClean="0"/>
-              <a:t>2025-01-08</a:t>
+              <a:t>2025-01-10</a:t>
             </a:fld>
             <a:endParaRPr lang="ko-KR" altLang="en-US"/>
           </a:p>
@@ -1814,7 +1824,7 @@
           <a:p>
             <a:fld id="{6E913530-8DE3-4119-BB1A-7924D7F6E651}" type="datetimeFigureOut">
               <a:rPr lang="ko-KR" altLang="en-US" smtClean="0"/>
-              <a:t>2025-01-08</a:t>
+              <a:t>2025-01-10</a:t>
             </a:fld>
             <a:endParaRPr lang="ko-KR" altLang="en-US"/>
           </a:p>
@@ -1955,7 +1965,7 @@
           <a:p>
             <a:fld id="{6E913530-8DE3-4119-BB1A-7924D7F6E651}" type="datetimeFigureOut">
               <a:rPr lang="ko-KR" altLang="en-US" smtClean="0"/>
-              <a:t>2025-01-08</a:t>
+              <a:t>2025-01-10</a:t>
             </a:fld>
             <a:endParaRPr lang="ko-KR" altLang="en-US"/>
           </a:p>
@@ -2068,7 +2078,7 @@
           <a:p>
             <a:fld id="{6E913530-8DE3-4119-BB1A-7924D7F6E651}" type="datetimeFigureOut">
               <a:rPr lang="ko-KR" altLang="en-US" smtClean="0"/>
-              <a:t>2025-01-08</a:t>
+              <a:t>2025-01-10</a:t>
             </a:fld>
             <a:endParaRPr lang="ko-KR" altLang="en-US"/>
           </a:p>
@@ -2379,7 +2389,7 @@
           <a:p>
             <a:fld id="{6E913530-8DE3-4119-BB1A-7924D7F6E651}" type="datetimeFigureOut">
               <a:rPr lang="ko-KR" altLang="en-US" smtClean="0"/>
-              <a:t>2025-01-08</a:t>
+              <a:t>2025-01-10</a:t>
             </a:fld>
             <a:endParaRPr lang="ko-KR" altLang="en-US"/>
           </a:p>
@@ -2667,7 +2677,7 @@
           <a:p>
             <a:fld id="{6E913530-8DE3-4119-BB1A-7924D7F6E651}" type="datetimeFigureOut">
               <a:rPr lang="ko-KR" altLang="en-US" smtClean="0"/>
-              <a:t>2025-01-08</a:t>
+              <a:t>2025-01-10</a:t>
             </a:fld>
             <a:endParaRPr lang="ko-KR" altLang="en-US"/>
           </a:p>
@@ -2908,7 +2918,7 @@
           <a:p>
             <a:fld id="{6E913530-8DE3-4119-BB1A-7924D7F6E651}" type="datetimeFigureOut">
               <a:rPr lang="ko-KR" altLang="en-US" smtClean="0"/>
-              <a:t>2025-01-08</a:t>
+              <a:t>2025-01-10</a:t>
             </a:fld>
             <a:endParaRPr lang="ko-KR" altLang="en-US"/>
           </a:p>
@@ -3316,6 +3326,1932 @@
         <p:cNvPr id="1" name="">
           <a:extLst>
             <a:ext uri="{FF2B5EF4-FFF2-40B4-BE49-F238E27FC236}">
+              <a16:creationId xmlns:a16="http://schemas.microsoft.com/office/drawing/2014/main" id="{B22B733A-1D17-4D3A-79B3-178F39C58E06}"/>
+            </a:ext>
+          </a:extLst>
+        </p:cNvPr>
+        <p:cNvGrpSpPr/>
+        <p:nvPr/>
+      </p:nvGrpSpPr>
+      <p:grpSpPr>
+        <a:xfrm>
+          <a:off x="0" y="0"/>
+          <a:ext cx="0" cy="0"/>
+          <a:chOff x="0" y="0"/>
+          <a:chExt cx="0" cy="0"/>
+        </a:xfrm>
+      </p:grpSpPr>
+      <p:sp>
+        <p:nvSpPr>
+          <p:cNvPr id="2" name="제목 1">
+            <a:extLst>
+              <a:ext uri="{FF2B5EF4-FFF2-40B4-BE49-F238E27FC236}">
+                <a16:creationId xmlns:a16="http://schemas.microsoft.com/office/drawing/2014/main" id="{DC15F4B1-E82A-98C7-832C-9DDEEAAB734C}"/>
+              </a:ext>
+            </a:extLst>
+          </p:cNvPr>
+          <p:cNvSpPr>
+            <a:spLocks noGrp="1"/>
+          </p:cNvSpPr>
+          <p:nvPr>
+            <p:ph type="ctrTitle"/>
+          </p:nvPr>
+        </p:nvSpPr>
+        <p:spPr>
+          <a:xfrm>
+            <a:off x="247650" y="610063"/>
+            <a:ext cx="9144000" cy="658812"/>
+          </a:xfrm>
+        </p:spPr>
+        <p:txBody>
+          <a:bodyPr>
+            <a:normAutofit/>
+          </a:bodyPr>
+          <a:lstStyle/>
+          <a:p>
+            <a:pPr algn="l"/>
+            <a:r>
+              <a:rPr lang="en-US" altLang="ko-KR" sz="3600" dirty="0"/>
+              <a:t>1. </a:t>
+            </a:r>
+            <a:r>
+              <a:rPr lang="ko-KR" altLang="en-US" sz="3600" dirty="0"/>
+              <a:t>채팅서버 구조</a:t>
+            </a:r>
+          </a:p>
+        </p:txBody>
+      </p:sp>
+      <p:grpSp>
+        <p:nvGrpSpPr>
+          <p:cNvPr id="57" name="그룹 56">
+            <a:extLst>
+              <a:ext uri="{FF2B5EF4-FFF2-40B4-BE49-F238E27FC236}">
+                <a16:creationId xmlns:a16="http://schemas.microsoft.com/office/drawing/2014/main" id="{0F9B7E52-80C4-C3C3-DBF7-D119AD9FE260}"/>
+              </a:ext>
+            </a:extLst>
+          </p:cNvPr>
+          <p:cNvGrpSpPr/>
+          <p:nvPr/>
+        </p:nvGrpSpPr>
+        <p:grpSpPr>
+          <a:xfrm>
+            <a:off x="247650" y="1413099"/>
+            <a:ext cx="11299326" cy="3588589"/>
+            <a:chOff x="247650" y="2064949"/>
+            <a:chExt cx="11299326" cy="3588589"/>
+          </a:xfrm>
+        </p:grpSpPr>
+        <p:grpSp>
+          <p:nvGrpSpPr>
+            <p:cNvPr id="43" name="그룹 42">
+              <a:extLst>
+                <a:ext uri="{FF2B5EF4-FFF2-40B4-BE49-F238E27FC236}">
+                  <a16:creationId xmlns:a16="http://schemas.microsoft.com/office/drawing/2014/main" id="{0844DC32-A66D-133C-3460-695AC059A580}"/>
+                </a:ext>
+              </a:extLst>
+            </p:cNvPr>
+            <p:cNvGrpSpPr/>
+            <p:nvPr/>
+          </p:nvGrpSpPr>
+          <p:grpSpPr>
+            <a:xfrm>
+              <a:off x="247650" y="2107749"/>
+              <a:ext cx="8637880" cy="3268483"/>
+              <a:chOff x="747664" y="1754663"/>
+              <a:chExt cx="9601044" cy="3268483"/>
+            </a:xfrm>
+          </p:grpSpPr>
+          <p:grpSp>
+            <p:nvGrpSpPr>
+              <p:cNvPr id="15" name="그룹 14">
+                <a:extLst>
+                  <a:ext uri="{FF2B5EF4-FFF2-40B4-BE49-F238E27FC236}">
+                    <a16:creationId xmlns:a16="http://schemas.microsoft.com/office/drawing/2014/main" id="{A636E837-E55E-B605-3524-E4347F5A51D1}"/>
+                  </a:ext>
+                </a:extLst>
+              </p:cNvPr>
+              <p:cNvGrpSpPr/>
+              <p:nvPr/>
+            </p:nvGrpSpPr>
+            <p:grpSpPr>
+              <a:xfrm>
+                <a:off x="1013987" y="2587027"/>
+                <a:ext cx="2186412" cy="2068717"/>
+                <a:chOff x="832919" y="1817483"/>
+                <a:chExt cx="2186412" cy="2068717"/>
+              </a:xfrm>
+            </p:grpSpPr>
+            <p:sp>
+              <p:nvSpPr>
+                <p:cNvPr id="4" name="직사각형 3">
+                  <a:extLst>
+                    <a:ext uri="{FF2B5EF4-FFF2-40B4-BE49-F238E27FC236}">
+                      <a16:creationId xmlns:a16="http://schemas.microsoft.com/office/drawing/2014/main" id="{5FD0FE2C-E964-79CB-30B9-800B45863EE7}"/>
+                    </a:ext>
+                  </a:extLst>
+                </p:cNvPr>
+                <p:cNvSpPr/>
+                <p:nvPr/>
+              </p:nvSpPr>
+              <p:spPr>
+                <a:xfrm>
+                  <a:off x="832919" y="1817483"/>
+                  <a:ext cx="1729212" cy="1611517"/>
+                </a:xfrm>
+                <a:prstGeom prst="rect">
+                  <a:avLst/>
+                </a:prstGeom>
+                <a:solidFill>
+                  <a:schemeClr val="accent4">
+                    <a:lumMod val="60000"/>
+                    <a:lumOff val="40000"/>
+                  </a:schemeClr>
+                </a:solidFill>
+              </p:spPr>
+              <p:style>
+                <a:lnRef idx="2">
+                  <a:schemeClr val="accent1">
+                    <a:shade val="15000"/>
+                  </a:schemeClr>
+                </a:lnRef>
+                <a:fillRef idx="1">
+                  <a:schemeClr val="accent1"/>
+                </a:fillRef>
+                <a:effectRef idx="0">
+                  <a:schemeClr val="accent1"/>
+                </a:effectRef>
+                <a:fontRef idx="minor">
+                  <a:schemeClr val="lt1"/>
+                </a:fontRef>
+              </p:style>
+              <p:txBody>
+                <a:bodyPr rtlCol="0" anchor="ctr"/>
+                <a:lstStyle/>
+                <a:p>
+                  <a:pPr algn="ctr"/>
+                  <a:endParaRPr lang="ko-KR" altLang="en-US"/>
+                </a:p>
+              </p:txBody>
+            </p:sp>
+            <p:sp>
+              <p:nvSpPr>
+                <p:cNvPr id="12" name="직사각형 11">
+                  <a:extLst>
+                    <a:ext uri="{FF2B5EF4-FFF2-40B4-BE49-F238E27FC236}">
+                      <a16:creationId xmlns:a16="http://schemas.microsoft.com/office/drawing/2014/main" id="{BCE435F6-6D0B-79BB-A63F-18D8BD6E2785}"/>
+                    </a:ext>
+                  </a:extLst>
+                </p:cNvPr>
+                <p:cNvSpPr/>
+                <p:nvPr/>
+              </p:nvSpPr>
+              <p:spPr>
+                <a:xfrm>
+                  <a:off x="985319" y="1969883"/>
+                  <a:ext cx="1729212" cy="1611517"/>
+                </a:xfrm>
+                <a:prstGeom prst="rect">
+                  <a:avLst/>
+                </a:prstGeom>
+                <a:solidFill>
+                  <a:schemeClr val="accent4">
+                    <a:lumMod val="60000"/>
+                    <a:lumOff val="40000"/>
+                  </a:schemeClr>
+                </a:solidFill>
+              </p:spPr>
+              <p:style>
+                <a:lnRef idx="2">
+                  <a:schemeClr val="accent1">
+                    <a:shade val="15000"/>
+                  </a:schemeClr>
+                </a:lnRef>
+                <a:fillRef idx="1">
+                  <a:schemeClr val="accent1"/>
+                </a:fillRef>
+                <a:effectRef idx="0">
+                  <a:schemeClr val="accent1"/>
+                </a:effectRef>
+                <a:fontRef idx="minor">
+                  <a:schemeClr val="lt1"/>
+                </a:fontRef>
+              </p:style>
+              <p:txBody>
+                <a:bodyPr rtlCol="0" anchor="ctr"/>
+                <a:lstStyle/>
+                <a:p>
+                  <a:pPr algn="ctr"/>
+                  <a:endParaRPr lang="ko-KR" altLang="en-US"/>
+                </a:p>
+              </p:txBody>
+            </p:sp>
+            <p:sp>
+              <p:nvSpPr>
+                <p:cNvPr id="13" name="직사각형 12">
+                  <a:extLst>
+                    <a:ext uri="{FF2B5EF4-FFF2-40B4-BE49-F238E27FC236}">
+                      <a16:creationId xmlns:a16="http://schemas.microsoft.com/office/drawing/2014/main" id="{B81F41A0-4EF9-0EF7-FD2C-D8CE337C4AAF}"/>
+                    </a:ext>
+                  </a:extLst>
+                </p:cNvPr>
+                <p:cNvSpPr/>
+                <p:nvPr/>
+              </p:nvSpPr>
+              <p:spPr>
+                <a:xfrm>
+                  <a:off x="1137719" y="2122283"/>
+                  <a:ext cx="1729212" cy="1611517"/>
+                </a:xfrm>
+                <a:prstGeom prst="rect">
+                  <a:avLst/>
+                </a:prstGeom>
+                <a:solidFill>
+                  <a:schemeClr val="accent4">
+                    <a:lumMod val="60000"/>
+                    <a:lumOff val="40000"/>
+                  </a:schemeClr>
+                </a:solidFill>
+              </p:spPr>
+              <p:style>
+                <a:lnRef idx="2">
+                  <a:schemeClr val="accent1">
+                    <a:shade val="15000"/>
+                  </a:schemeClr>
+                </a:lnRef>
+                <a:fillRef idx="1">
+                  <a:schemeClr val="accent1"/>
+                </a:fillRef>
+                <a:effectRef idx="0">
+                  <a:schemeClr val="accent1"/>
+                </a:effectRef>
+                <a:fontRef idx="minor">
+                  <a:schemeClr val="lt1"/>
+                </a:fontRef>
+              </p:style>
+              <p:txBody>
+                <a:bodyPr rtlCol="0" anchor="ctr"/>
+                <a:lstStyle/>
+                <a:p>
+                  <a:pPr algn="ctr"/>
+                  <a:endParaRPr lang="ko-KR" altLang="en-US"/>
+                </a:p>
+              </p:txBody>
+            </p:sp>
+            <p:sp>
+              <p:nvSpPr>
+                <p:cNvPr id="14" name="직사각형 13">
+                  <a:extLst>
+                    <a:ext uri="{FF2B5EF4-FFF2-40B4-BE49-F238E27FC236}">
+                      <a16:creationId xmlns:a16="http://schemas.microsoft.com/office/drawing/2014/main" id="{65D332DD-9402-3717-DCEB-2D663E97BD37}"/>
+                    </a:ext>
+                  </a:extLst>
+                </p:cNvPr>
+                <p:cNvSpPr/>
+                <p:nvPr/>
+              </p:nvSpPr>
+              <p:spPr>
+                <a:xfrm>
+                  <a:off x="1290119" y="2274683"/>
+                  <a:ext cx="1729212" cy="1611517"/>
+                </a:xfrm>
+                <a:prstGeom prst="rect">
+                  <a:avLst/>
+                </a:prstGeom>
+                <a:solidFill>
+                  <a:schemeClr val="accent4">
+                    <a:lumMod val="60000"/>
+                    <a:lumOff val="40000"/>
+                  </a:schemeClr>
+                </a:solidFill>
+              </p:spPr>
+              <p:style>
+                <a:lnRef idx="2">
+                  <a:schemeClr val="accent1">
+                    <a:shade val="15000"/>
+                  </a:schemeClr>
+                </a:lnRef>
+                <a:fillRef idx="1">
+                  <a:schemeClr val="accent1"/>
+                </a:fillRef>
+                <a:effectRef idx="0">
+                  <a:schemeClr val="accent1"/>
+                </a:effectRef>
+                <a:fontRef idx="minor">
+                  <a:schemeClr val="lt1"/>
+                </a:fontRef>
+              </p:style>
+              <p:txBody>
+                <a:bodyPr rtlCol="0" anchor="ctr"/>
+                <a:lstStyle/>
+                <a:p>
+                  <a:pPr algn="ctr"/>
+                  <a:endParaRPr lang="ko-KR" altLang="en-US"/>
+                </a:p>
+              </p:txBody>
+            </p:sp>
+          </p:grpSp>
+          <p:sp>
+            <p:nvSpPr>
+              <p:cNvPr id="16" name="TextBox 15">
+                <a:extLst>
+                  <a:ext uri="{FF2B5EF4-FFF2-40B4-BE49-F238E27FC236}">
+                    <a16:creationId xmlns:a16="http://schemas.microsoft.com/office/drawing/2014/main" id="{CDE27C9D-11F8-6725-2B1B-9160F446D09F}"/>
+                  </a:ext>
+                </a:extLst>
+              </p:cNvPr>
+              <p:cNvSpPr txBox="1"/>
+              <p:nvPr/>
+            </p:nvSpPr>
+            <p:spPr>
+              <a:xfrm>
+                <a:off x="747664" y="1754663"/>
+                <a:ext cx="3248686" cy="615553"/>
+              </a:xfrm>
+              <a:prstGeom prst="rect">
+                <a:avLst/>
+              </a:prstGeom>
+              <a:noFill/>
+            </p:spPr>
+            <p:txBody>
+              <a:bodyPr wrap="square" rtlCol="0">
+                <a:spAutoFit/>
+              </a:bodyPr>
+              <a:lstStyle/>
+              <a:p>
+                <a:r>
+                  <a:rPr lang="en-US" altLang="ko-KR" dirty="0" err="1"/>
+                  <a:t>CNetServer</a:t>
+                </a:r>
+                <a:endParaRPr lang="en-US" altLang="ko-KR" dirty="0"/>
+              </a:p>
+              <a:p>
+                <a:pPr marL="285750" indent="-285750">
+                  <a:buFont typeface="Arial" panose="020B0604020202020204" pitchFamily="34" charset="0"/>
+                  <a:buChar char="•"/>
+                </a:pPr>
+                <a:r>
+                  <a:rPr lang="en-US" altLang="ko-KR" sz="1600" dirty="0"/>
+                  <a:t>IOCP </a:t>
+                </a:r>
+                <a:r>
+                  <a:rPr lang="en-US" altLang="ko-KR" sz="1600" dirty="0" err="1"/>
+                  <a:t>WorkerThread</a:t>
+                </a:r>
+                <a:r>
+                  <a:rPr lang="en-US" altLang="ko-KR" sz="1600" dirty="0"/>
+                  <a:t> * N</a:t>
+                </a:r>
+                <a:endParaRPr lang="ko-KR" altLang="en-US" sz="1600" dirty="0"/>
+              </a:p>
+            </p:txBody>
+          </p:sp>
+          <p:cxnSp>
+            <p:nvCxnSpPr>
+              <p:cNvPr id="20" name="직선 화살표 연결선 19">
+                <a:extLst>
+                  <a:ext uri="{FF2B5EF4-FFF2-40B4-BE49-F238E27FC236}">
+                    <a16:creationId xmlns:a16="http://schemas.microsoft.com/office/drawing/2014/main" id="{9465658D-4875-D6B5-5A0A-DFFD421B9C7B}"/>
+                  </a:ext>
+                </a:extLst>
+              </p:cNvPr>
+              <p:cNvCxnSpPr>
+                <a:cxnSpLocks/>
+              </p:cNvCxnSpPr>
+              <p:nvPr/>
+            </p:nvCxnSpPr>
+            <p:spPr>
+              <a:xfrm flipV="1">
+                <a:off x="3368642" y="2886782"/>
+                <a:ext cx="656941" cy="417733"/>
+              </a:xfrm>
+              <a:prstGeom prst="straightConnector1">
+                <a:avLst/>
+              </a:prstGeom>
+              <a:ln>
+                <a:solidFill>
+                  <a:srgbClr val="FF0000"/>
+                </a:solidFill>
+                <a:tailEnd type="triangle"/>
+              </a:ln>
+            </p:spPr>
+            <p:style>
+              <a:lnRef idx="2">
+                <a:schemeClr val="accent1"/>
+              </a:lnRef>
+              <a:fillRef idx="0">
+                <a:schemeClr val="accent1"/>
+              </a:fillRef>
+              <a:effectRef idx="1">
+                <a:schemeClr val="accent1"/>
+              </a:effectRef>
+              <a:fontRef idx="minor">
+                <a:schemeClr val="tx1"/>
+              </a:fontRef>
+            </p:style>
+          </p:cxnSp>
+          <p:cxnSp>
+            <p:nvCxnSpPr>
+              <p:cNvPr id="22" name="직선 화살표 연결선 21">
+                <a:extLst>
+                  <a:ext uri="{FF2B5EF4-FFF2-40B4-BE49-F238E27FC236}">
+                    <a16:creationId xmlns:a16="http://schemas.microsoft.com/office/drawing/2014/main" id="{75CB2992-46D6-04AC-D07E-6904F4B1CFAF}"/>
+                  </a:ext>
+                </a:extLst>
+              </p:cNvPr>
+              <p:cNvCxnSpPr>
+                <a:cxnSpLocks/>
+              </p:cNvCxnSpPr>
+              <p:nvPr/>
+            </p:nvCxnSpPr>
+            <p:spPr>
+              <a:xfrm>
+                <a:off x="3352799" y="3998613"/>
+                <a:ext cx="672784" cy="458394"/>
+              </a:xfrm>
+              <a:prstGeom prst="straightConnector1">
+                <a:avLst/>
+              </a:prstGeom>
+              <a:ln>
+                <a:solidFill>
+                  <a:srgbClr val="FF0000"/>
+                </a:solidFill>
+                <a:tailEnd type="triangle"/>
+              </a:ln>
+            </p:spPr>
+            <p:style>
+              <a:lnRef idx="2">
+                <a:schemeClr val="accent1"/>
+              </a:lnRef>
+              <a:fillRef idx="0">
+                <a:schemeClr val="accent1"/>
+              </a:fillRef>
+              <a:effectRef idx="1">
+                <a:schemeClr val="accent1"/>
+              </a:effectRef>
+              <a:fontRef idx="minor">
+                <a:schemeClr val="tx1"/>
+              </a:fontRef>
+            </p:style>
+          </p:cxnSp>
+          <p:sp>
+            <p:nvSpPr>
+              <p:cNvPr id="23" name="직사각형 22">
+                <a:extLst>
+                  <a:ext uri="{FF2B5EF4-FFF2-40B4-BE49-F238E27FC236}">
+                    <a16:creationId xmlns:a16="http://schemas.microsoft.com/office/drawing/2014/main" id="{171C7BDA-D52E-1C6E-AB0E-A8DF2D1968F5}"/>
+                  </a:ext>
+                </a:extLst>
+              </p:cNvPr>
+              <p:cNvSpPr/>
+              <p:nvPr/>
+            </p:nvSpPr>
+            <p:spPr>
+              <a:xfrm>
+                <a:off x="7343478" y="2767546"/>
+                <a:ext cx="2104097" cy="1477224"/>
+              </a:xfrm>
+              <a:prstGeom prst="rect">
+                <a:avLst/>
+              </a:prstGeom>
+              <a:solidFill>
+                <a:schemeClr val="accent4">
+                  <a:lumMod val="60000"/>
+                  <a:lumOff val="40000"/>
+                </a:schemeClr>
+              </a:solidFill>
+            </p:spPr>
+            <p:style>
+              <a:lnRef idx="2">
+                <a:schemeClr val="accent1">
+                  <a:shade val="15000"/>
+                </a:schemeClr>
+              </a:lnRef>
+              <a:fillRef idx="1">
+                <a:schemeClr val="accent1"/>
+              </a:fillRef>
+              <a:effectRef idx="0">
+                <a:schemeClr val="accent1"/>
+              </a:effectRef>
+              <a:fontRef idx="minor">
+                <a:schemeClr val="lt1"/>
+              </a:fontRef>
+            </p:style>
+            <p:txBody>
+              <a:bodyPr rtlCol="0" anchor="ctr"/>
+              <a:lstStyle/>
+              <a:p>
+                <a:r>
+                  <a:rPr lang="en-US" altLang="ko-KR" dirty="0">
+                    <a:solidFill>
+                      <a:schemeClr val="tx1"/>
+                    </a:solidFill>
+                  </a:rPr>
+                  <a:t>Loop FPS : 25</a:t>
+                </a:r>
+              </a:p>
+              <a:p>
+                <a:pPr marL="285750" indent="-285750">
+                  <a:buFont typeface="Arial" panose="020B0604020202020204" pitchFamily="34" charset="0"/>
+                  <a:buChar char="•"/>
+                </a:pPr>
+                <a:r>
+                  <a:rPr lang="en-US" altLang="ko-KR" sz="1600" dirty="0" err="1">
+                    <a:solidFill>
+                      <a:schemeClr val="tx1"/>
+                    </a:solidFill>
+                  </a:rPr>
+                  <a:t>OnUpdate</a:t>
+                </a:r>
+                <a:endParaRPr lang="en-US" altLang="ko-KR" sz="1600" dirty="0">
+                  <a:solidFill>
+                    <a:schemeClr val="tx1"/>
+                  </a:solidFill>
+                </a:endParaRPr>
+              </a:p>
+              <a:p>
+                <a:pPr marL="285750" indent="-285750">
+                  <a:buFont typeface="Arial" panose="020B0604020202020204" pitchFamily="34" charset="0"/>
+                  <a:buChar char="•"/>
+                </a:pPr>
+                <a:r>
+                  <a:rPr lang="en-US" altLang="ko-KR" sz="1600" dirty="0" err="1">
+                    <a:solidFill>
+                      <a:schemeClr val="tx1"/>
+                    </a:solidFill>
+                  </a:rPr>
+                  <a:t>OnHeartBeat</a:t>
+                </a:r>
+                <a:endParaRPr lang="en-US" altLang="ko-KR" sz="1600" dirty="0">
+                  <a:solidFill>
+                    <a:schemeClr val="tx1"/>
+                  </a:solidFill>
+                </a:endParaRPr>
+              </a:p>
+              <a:p>
+                <a:pPr marL="285750" indent="-285750">
+                  <a:buFont typeface="Arial" panose="020B0604020202020204" pitchFamily="34" charset="0"/>
+                  <a:buChar char="•"/>
+                </a:pPr>
+                <a:r>
+                  <a:rPr lang="en-US" altLang="ko-KR" sz="1600" dirty="0" err="1">
+                    <a:solidFill>
+                      <a:schemeClr val="tx1"/>
+                    </a:solidFill>
+                  </a:rPr>
+                  <a:t>SleepEx</a:t>
+                </a:r>
+                <a:endParaRPr lang="ko-KR" altLang="en-US" sz="1600" dirty="0">
+                  <a:solidFill>
+                    <a:schemeClr val="tx1"/>
+                  </a:solidFill>
+                </a:endParaRPr>
+              </a:p>
+            </p:txBody>
+          </p:sp>
+          <p:grpSp>
+            <p:nvGrpSpPr>
+              <p:cNvPr id="35" name="그룹 34">
+                <a:extLst>
+                  <a:ext uri="{FF2B5EF4-FFF2-40B4-BE49-F238E27FC236}">
+                    <a16:creationId xmlns:a16="http://schemas.microsoft.com/office/drawing/2014/main" id="{CA8C710C-C64D-F776-370D-9D85BB80F554}"/>
+                  </a:ext>
+                </a:extLst>
+              </p:cNvPr>
+              <p:cNvGrpSpPr/>
+              <p:nvPr/>
+            </p:nvGrpSpPr>
+            <p:grpSpPr>
+              <a:xfrm>
+                <a:off x="4182699" y="1989299"/>
+                <a:ext cx="2358619" cy="1283732"/>
+                <a:chOff x="4177983" y="3783186"/>
+                <a:chExt cx="2358619" cy="1283732"/>
+              </a:xfrm>
+            </p:grpSpPr>
+            <p:sp>
+              <p:nvSpPr>
+                <p:cNvPr id="18" name="사각형: 둥근 모서리 17">
+                  <a:extLst>
+                    <a:ext uri="{FF2B5EF4-FFF2-40B4-BE49-F238E27FC236}">
+                      <a16:creationId xmlns:a16="http://schemas.microsoft.com/office/drawing/2014/main" id="{70C3DF6D-362A-7B16-2C80-BF36DEEA5490}"/>
+                    </a:ext>
+                  </a:extLst>
+                </p:cNvPr>
+                <p:cNvSpPr/>
+                <p:nvPr/>
+              </p:nvSpPr>
+              <p:spPr>
+                <a:xfrm>
+                  <a:off x="4242871" y="4152518"/>
+                  <a:ext cx="2293731" cy="914400"/>
+                </a:xfrm>
+                <a:prstGeom prst="roundRect">
+                  <a:avLst/>
+                </a:prstGeom>
+                <a:solidFill>
+                  <a:schemeClr val="bg1">
+                    <a:lumMod val="95000"/>
+                  </a:schemeClr>
+                </a:solidFill>
+              </p:spPr>
+              <p:style>
+                <a:lnRef idx="2">
+                  <a:schemeClr val="accent1">
+                    <a:shade val="15000"/>
+                  </a:schemeClr>
+                </a:lnRef>
+                <a:fillRef idx="1">
+                  <a:schemeClr val="accent1"/>
+                </a:fillRef>
+                <a:effectRef idx="0">
+                  <a:schemeClr val="accent1"/>
+                </a:effectRef>
+                <a:fontRef idx="minor">
+                  <a:schemeClr val="lt1"/>
+                </a:fontRef>
+              </p:style>
+              <p:txBody>
+                <a:bodyPr rtlCol="0" anchor="ctr"/>
+                <a:lstStyle/>
+                <a:p>
+                  <a:r>
+                    <a:rPr lang="en-US" altLang="ko-KR" dirty="0">
+                      <a:solidFill>
+                        <a:schemeClr val="tx1"/>
+                      </a:solidFill>
+                    </a:rPr>
+                    <a:t>Job Queue</a:t>
+                  </a:r>
+                </a:p>
+                <a:p>
+                  <a:pPr marL="285750" indent="-285750">
+                    <a:buFont typeface="Arial" panose="020B0604020202020204" pitchFamily="34" charset="0"/>
+                    <a:buChar char="•"/>
+                  </a:pPr>
+                  <a:r>
+                    <a:rPr lang="en-US" altLang="ko-KR" sz="1600" dirty="0" err="1">
+                      <a:solidFill>
+                        <a:schemeClr val="tx1"/>
+                      </a:solidFill>
+                    </a:rPr>
+                    <a:t>OnRecv</a:t>
+                  </a:r>
+                  <a:endParaRPr lang="ko-KR" altLang="en-US" sz="1600" dirty="0">
+                    <a:solidFill>
+                      <a:schemeClr val="tx1"/>
+                    </a:solidFill>
+                  </a:endParaRPr>
+                </a:p>
+              </p:txBody>
+            </p:sp>
+            <p:sp>
+              <p:nvSpPr>
+                <p:cNvPr id="26" name="TextBox 25">
+                  <a:extLst>
+                    <a:ext uri="{FF2B5EF4-FFF2-40B4-BE49-F238E27FC236}">
+                      <a16:creationId xmlns:a16="http://schemas.microsoft.com/office/drawing/2014/main" id="{7CDD4B85-2F34-B51F-6A89-4431C6116C26}"/>
+                    </a:ext>
+                  </a:extLst>
+                </p:cNvPr>
+                <p:cNvSpPr txBox="1"/>
+                <p:nvPr/>
+              </p:nvSpPr>
+              <p:spPr>
+                <a:xfrm>
+                  <a:off x="4177983" y="3783186"/>
+                  <a:ext cx="1459310" cy="369332"/>
+                </a:xfrm>
+                <a:prstGeom prst="rect">
+                  <a:avLst/>
+                </a:prstGeom>
+                <a:noFill/>
+              </p:spPr>
+              <p:txBody>
+                <a:bodyPr wrap="none" rtlCol="0">
+                  <a:spAutoFit/>
+                </a:bodyPr>
+                <a:lstStyle/>
+                <a:p>
+                  <a:r>
+                    <a:rPr lang="en-US" altLang="ko-KR" dirty="0" err="1"/>
+                    <a:t>CChatServer</a:t>
+                  </a:r>
+                  <a:endParaRPr lang="ko-KR" altLang="en-US" dirty="0"/>
+                </a:p>
+              </p:txBody>
+            </p:sp>
+          </p:grpSp>
+          <p:grpSp>
+            <p:nvGrpSpPr>
+              <p:cNvPr id="36" name="그룹 35">
+                <a:extLst>
+                  <a:ext uri="{FF2B5EF4-FFF2-40B4-BE49-F238E27FC236}">
+                    <a16:creationId xmlns:a16="http://schemas.microsoft.com/office/drawing/2014/main" id="{54BDC1C1-E5E4-FCA9-2B6E-BDDAB6DF48D5}"/>
+                  </a:ext>
+                </a:extLst>
+              </p:cNvPr>
+              <p:cNvGrpSpPr/>
+              <p:nvPr/>
+            </p:nvGrpSpPr>
+            <p:grpSpPr>
+              <a:xfrm>
+                <a:off x="4177983" y="3432474"/>
+                <a:ext cx="2359484" cy="1590672"/>
+                <a:chOff x="4177119" y="1867748"/>
+                <a:chExt cx="2359484" cy="1590672"/>
+              </a:xfrm>
+            </p:grpSpPr>
+            <p:sp>
+              <p:nvSpPr>
+                <p:cNvPr id="17" name="사각형: 둥근 모서리 16">
+                  <a:extLst>
+                    <a:ext uri="{FF2B5EF4-FFF2-40B4-BE49-F238E27FC236}">
+                      <a16:creationId xmlns:a16="http://schemas.microsoft.com/office/drawing/2014/main" id="{755DFBE7-5D4D-DB7C-D938-48B2F8449C93}"/>
+                    </a:ext>
+                  </a:extLst>
+                </p:cNvPr>
+                <p:cNvSpPr/>
+                <p:nvPr/>
+              </p:nvSpPr>
+              <p:spPr>
+                <a:xfrm>
+                  <a:off x="4237102" y="2253712"/>
+                  <a:ext cx="2299501" cy="1204708"/>
+                </a:xfrm>
+                <a:prstGeom prst="roundRect">
+                  <a:avLst/>
+                </a:prstGeom>
+                <a:solidFill>
+                  <a:schemeClr val="bg1">
+                    <a:lumMod val="95000"/>
+                  </a:schemeClr>
+                </a:solidFill>
+              </p:spPr>
+              <p:style>
+                <a:lnRef idx="2">
+                  <a:schemeClr val="accent1">
+                    <a:shade val="15000"/>
+                  </a:schemeClr>
+                </a:lnRef>
+                <a:fillRef idx="1">
+                  <a:schemeClr val="accent1"/>
+                </a:fillRef>
+                <a:effectRef idx="0">
+                  <a:schemeClr val="accent1"/>
+                </a:effectRef>
+                <a:fontRef idx="minor">
+                  <a:schemeClr val="lt1"/>
+                </a:fontRef>
+              </p:style>
+              <p:txBody>
+                <a:bodyPr rtlCol="0" anchor="ctr"/>
+                <a:lstStyle/>
+                <a:p>
+                  <a:r>
+                    <a:rPr lang="en-US" altLang="ko-KR" dirty="0">
+                      <a:solidFill>
+                        <a:schemeClr val="tx1"/>
+                      </a:solidFill>
+                    </a:rPr>
+                    <a:t>APC Queue</a:t>
+                  </a:r>
+                </a:p>
+                <a:p>
+                  <a:pPr marL="285750" indent="-285750">
+                    <a:buFont typeface="Arial" panose="020B0604020202020204" pitchFamily="34" charset="0"/>
+                    <a:buChar char="•"/>
+                  </a:pPr>
+                  <a:r>
+                    <a:rPr lang="en-US" altLang="ko-KR" sz="1600" dirty="0" err="1">
+                      <a:solidFill>
+                        <a:schemeClr val="tx1"/>
+                      </a:solidFill>
+                    </a:rPr>
+                    <a:t>AcceptEx</a:t>
+                  </a:r>
+                  <a:endParaRPr lang="en-US" altLang="ko-KR" sz="1600" dirty="0">
+                    <a:solidFill>
+                      <a:schemeClr val="tx1"/>
+                    </a:solidFill>
+                  </a:endParaRPr>
+                </a:p>
+                <a:p>
+                  <a:pPr marL="285750" indent="-285750">
+                    <a:buFont typeface="Arial" panose="020B0604020202020204" pitchFamily="34" charset="0"/>
+                    <a:buChar char="•"/>
+                  </a:pPr>
+                  <a:r>
+                    <a:rPr lang="en-US" altLang="ko-KR" sz="1600" dirty="0" err="1">
+                      <a:solidFill>
+                        <a:schemeClr val="tx1"/>
+                      </a:solidFill>
+                    </a:rPr>
+                    <a:t>OnAccept</a:t>
+                  </a:r>
+                  <a:endParaRPr lang="en-US" altLang="ko-KR" sz="1600" dirty="0">
+                    <a:solidFill>
+                      <a:schemeClr val="tx1"/>
+                    </a:solidFill>
+                  </a:endParaRPr>
+                </a:p>
+                <a:p>
+                  <a:pPr marL="285750" indent="-285750">
+                    <a:buFont typeface="Arial" panose="020B0604020202020204" pitchFamily="34" charset="0"/>
+                    <a:buChar char="•"/>
+                  </a:pPr>
+                  <a:r>
+                    <a:rPr lang="en-US" altLang="ko-KR" sz="1600" dirty="0" err="1">
+                      <a:solidFill>
+                        <a:schemeClr val="tx1"/>
+                      </a:solidFill>
+                    </a:rPr>
+                    <a:t>OnClientLeave</a:t>
+                  </a:r>
+                  <a:endParaRPr lang="ko-KR" altLang="en-US" sz="1600" dirty="0">
+                    <a:solidFill>
+                      <a:schemeClr val="tx1"/>
+                    </a:solidFill>
+                  </a:endParaRPr>
+                </a:p>
+              </p:txBody>
+            </p:sp>
+            <p:sp>
+              <p:nvSpPr>
+                <p:cNvPr id="27" name="TextBox 26">
+                  <a:extLst>
+                    <a:ext uri="{FF2B5EF4-FFF2-40B4-BE49-F238E27FC236}">
+                      <a16:creationId xmlns:a16="http://schemas.microsoft.com/office/drawing/2014/main" id="{0F359C9B-968F-73EA-222C-F0104C7A9046}"/>
+                    </a:ext>
+                  </a:extLst>
+                </p:cNvPr>
+                <p:cNvSpPr txBox="1"/>
+                <p:nvPr/>
+              </p:nvSpPr>
+              <p:spPr>
+                <a:xfrm>
+                  <a:off x="4177119" y="1867748"/>
+                  <a:ext cx="1258269" cy="369332"/>
+                </a:xfrm>
+                <a:prstGeom prst="rect">
+                  <a:avLst/>
+                </a:prstGeom>
+                <a:noFill/>
+              </p:spPr>
+              <p:txBody>
+                <a:bodyPr wrap="none" rtlCol="0">
+                  <a:spAutoFit/>
+                </a:bodyPr>
+                <a:lstStyle/>
+                <a:p>
+                  <a:r>
+                    <a:rPr lang="en-US" altLang="ko-KR" dirty="0"/>
+                    <a:t>User </a:t>
+                  </a:r>
+                  <a:r>
+                    <a:rPr lang="en-US" altLang="ko-KR" dirty="0" err="1"/>
+                    <a:t>Apc</a:t>
+                  </a:r>
+                  <a:endParaRPr lang="ko-KR" altLang="en-US" dirty="0"/>
+                </a:p>
+              </p:txBody>
+            </p:sp>
+          </p:grpSp>
+          <p:sp>
+            <p:nvSpPr>
+              <p:cNvPr id="29" name="TextBox 28">
+                <a:extLst>
+                  <a:ext uri="{FF2B5EF4-FFF2-40B4-BE49-F238E27FC236}">
+                    <a16:creationId xmlns:a16="http://schemas.microsoft.com/office/drawing/2014/main" id="{28F7087F-4BAC-63E7-DEE4-8FD80C78AD91}"/>
+                  </a:ext>
+                </a:extLst>
+              </p:cNvPr>
+              <p:cNvSpPr txBox="1"/>
+              <p:nvPr/>
+            </p:nvSpPr>
+            <p:spPr>
+              <a:xfrm>
+                <a:off x="7100022" y="2035465"/>
+                <a:ext cx="3248686" cy="615553"/>
+              </a:xfrm>
+              <a:prstGeom prst="rect">
+                <a:avLst/>
+              </a:prstGeom>
+              <a:noFill/>
+            </p:spPr>
+            <p:txBody>
+              <a:bodyPr wrap="square" rtlCol="0">
+                <a:spAutoFit/>
+              </a:bodyPr>
+              <a:lstStyle/>
+              <a:p>
+                <a:r>
+                  <a:rPr lang="en-US" altLang="ko-KR" dirty="0" err="1"/>
+                  <a:t>CNetServer</a:t>
+                </a:r>
+                <a:endParaRPr lang="en-US" altLang="ko-KR" dirty="0"/>
+              </a:p>
+              <a:p>
+                <a:pPr marL="285750" indent="-285750">
+                  <a:buFont typeface="Arial" panose="020B0604020202020204" pitchFamily="34" charset="0"/>
+                  <a:buChar char="•"/>
+                </a:pPr>
+                <a:r>
+                  <a:rPr lang="en-US" altLang="ko-KR" sz="1600" dirty="0" err="1"/>
+                  <a:t>ServerFrameThread</a:t>
+                </a:r>
+                <a:r>
+                  <a:rPr lang="en-US" altLang="ko-KR" sz="1600" dirty="0"/>
+                  <a:t> * 1</a:t>
+                </a:r>
+                <a:endParaRPr lang="ko-KR" altLang="en-US" sz="1600" dirty="0"/>
+              </a:p>
+            </p:txBody>
+          </p:sp>
+          <p:cxnSp>
+            <p:nvCxnSpPr>
+              <p:cNvPr id="39" name="직선 화살표 연결선 38">
+                <a:extLst>
+                  <a:ext uri="{FF2B5EF4-FFF2-40B4-BE49-F238E27FC236}">
+                    <a16:creationId xmlns:a16="http://schemas.microsoft.com/office/drawing/2014/main" id="{F878DEB0-9296-E45A-1D5F-BD3EE9608B75}"/>
+                  </a:ext>
+                </a:extLst>
+              </p:cNvPr>
+              <p:cNvCxnSpPr>
+                <a:cxnSpLocks/>
+              </p:cNvCxnSpPr>
+              <p:nvPr/>
+            </p:nvCxnSpPr>
+            <p:spPr>
+              <a:xfrm>
+                <a:off x="6631178" y="2782292"/>
+                <a:ext cx="1109727" cy="522223"/>
+              </a:xfrm>
+              <a:prstGeom prst="straightConnector1">
+                <a:avLst/>
+              </a:prstGeom>
+              <a:ln>
+                <a:solidFill>
+                  <a:srgbClr val="FF0000"/>
+                </a:solidFill>
+                <a:tailEnd type="triangle"/>
+              </a:ln>
+            </p:spPr>
+            <p:style>
+              <a:lnRef idx="2">
+                <a:schemeClr val="accent1"/>
+              </a:lnRef>
+              <a:fillRef idx="0">
+                <a:schemeClr val="accent1"/>
+              </a:fillRef>
+              <a:effectRef idx="1">
+                <a:schemeClr val="accent1"/>
+              </a:effectRef>
+              <a:fontRef idx="minor">
+                <a:schemeClr val="tx1"/>
+              </a:fontRef>
+            </p:style>
+          </p:cxnSp>
+          <p:cxnSp>
+            <p:nvCxnSpPr>
+              <p:cNvPr id="41" name="직선 화살표 연결선 40">
+                <a:extLst>
+                  <a:ext uri="{FF2B5EF4-FFF2-40B4-BE49-F238E27FC236}">
+                    <a16:creationId xmlns:a16="http://schemas.microsoft.com/office/drawing/2014/main" id="{770F67CF-7204-90E2-8F01-478DB7F007C1}"/>
+                  </a:ext>
+                </a:extLst>
+              </p:cNvPr>
+              <p:cNvCxnSpPr>
+                <a:cxnSpLocks/>
+              </p:cNvCxnSpPr>
+              <p:nvPr/>
+            </p:nvCxnSpPr>
+            <p:spPr>
+              <a:xfrm flipV="1">
+                <a:off x="6631178" y="3998613"/>
+                <a:ext cx="1129984" cy="334224"/>
+              </a:xfrm>
+              <a:prstGeom prst="straightConnector1">
+                <a:avLst/>
+              </a:prstGeom>
+              <a:ln>
+                <a:solidFill>
+                  <a:srgbClr val="FF0000"/>
+                </a:solidFill>
+                <a:tailEnd type="triangle"/>
+              </a:ln>
+            </p:spPr>
+            <p:style>
+              <a:lnRef idx="2">
+                <a:schemeClr val="accent1"/>
+              </a:lnRef>
+              <a:fillRef idx="0">
+                <a:schemeClr val="accent1"/>
+              </a:fillRef>
+              <a:effectRef idx="1">
+                <a:schemeClr val="accent1"/>
+              </a:effectRef>
+              <a:fontRef idx="minor">
+                <a:schemeClr val="tx1"/>
+              </a:fontRef>
+            </p:style>
+          </p:cxnSp>
+        </p:grpSp>
+        <p:grpSp>
+          <p:nvGrpSpPr>
+            <p:cNvPr id="49" name="그룹 48">
+              <a:extLst>
+                <a:ext uri="{FF2B5EF4-FFF2-40B4-BE49-F238E27FC236}">
+                  <a16:creationId xmlns:a16="http://schemas.microsoft.com/office/drawing/2014/main" id="{38E84EF2-FB49-4F16-236E-5CD0CEED3096}"/>
+                </a:ext>
+              </a:extLst>
+            </p:cNvPr>
+            <p:cNvGrpSpPr/>
+            <p:nvPr/>
+          </p:nvGrpSpPr>
+          <p:grpSpPr>
+            <a:xfrm>
+              <a:off x="8813207" y="2064949"/>
+              <a:ext cx="2733769" cy="3588589"/>
+              <a:chOff x="9210581" y="2096987"/>
+              <a:chExt cx="2733769" cy="3588589"/>
+            </a:xfrm>
+          </p:grpSpPr>
+          <p:sp>
+            <p:nvSpPr>
+              <p:cNvPr id="45" name="직사각형 44">
+                <a:extLst>
+                  <a:ext uri="{FF2B5EF4-FFF2-40B4-BE49-F238E27FC236}">
+                    <a16:creationId xmlns:a16="http://schemas.microsoft.com/office/drawing/2014/main" id="{7D518867-4DAE-B28B-6CEB-9194E01DF922}"/>
+                  </a:ext>
+                </a:extLst>
+              </p:cNvPr>
+              <p:cNvSpPr/>
+              <p:nvPr/>
+            </p:nvSpPr>
+            <p:spPr>
+              <a:xfrm>
+                <a:off x="9391650" y="2527051"/>
+                <a:ext cx="2552700" cy="3158525"/>
+              </a:xfrm>
+              <a:prstGeom prst="rect">
+                <a:avLst/>
+              </a:prstGeom>
+              <a:solidFill>
+                <a:schemeClr val="accent6">
+                  <a:lumMod val="40000"/>
+                  <a:lumOff val="60000"/>
+                </a:schemeClr>
+              </a:solidFill>
+            </p:spPr>
+            <p:style>
+              <a:lnRef idx="2">
+                <a:schemeClr val="accent1">
+                  <a:shade val="15000"/>
+                </a:schemeClr>
+              </a:lnRef>
+              <a:fillRef idx="1">
+                <a:schemeClr val="accent1"/>
+              </a:fillRef>
+              <a:effectRef idx="0">
+                <a:schemeClr val="accent1"/>
+              </a:effectRef>
+              <a:fontRef idx="minor">
+                <a:schemeClr val="lt1"/>
+              </a:fontRef>
+            </p:style>
+            <p:txBody>
+              <a:bodyPr rtlCol="0" anchor="ctr"/>
+              <a:lstStyle/>
+              <a:p>
+                <a:r>
+                  <a:rPr lang="en-US" altLang="ko-KR" dirty="0">
+                    <a:solidFill>
+                      <a:schemeClr val="tx1"/>
+                    </a:solidFill>
+                  </a:rPr>
+                  <a:t>Update</a:t>
+                </a:r>
+              </a:p>
+              <a:p>
+                <a:pPr marL="285750" indent="-285750">
+                  <a:buFont typeface="Arial" panose="020B0604020202020204" pitchFamily="34" charset="0"/>
+                  <a:buChar char="•"/>
+                </a:pPr>
+                <a:r>
+                  <a:rPr lang="en-US" altLang="ko-KR" sz="1600" dirty="0" err="1">
+                    <a:solidFill>
+                      <a:schemeClr val="tx1"/>
+                    </a:solidFill>
+                  </a:rPr>
+                  <a:t>CProcessPacket</a:t>
+                </a:r>
+                <a:endParaRPr lang="en-US" altLang="ko-KR" sz="1600" dirty="0">
+                  <a:solidFill>
+                    <a:schemeClr val="tx1"/>
+                  </a:solidFill>
+                </a:endParaRPr>
+              </a:p>
+              <a:p>
+                <a:pPr marL="742950" lvl="1" indent="-285750">
+                  <a:buFont typeface="Arial" panose="020B0604020202020204" pitchFamily="34" charset="0"/>
+                  <a:buChar char="•"/>
+                </a:pPr>
+                <a:r>
+                  <a:rPr lang="en-US" altLang="ko-KR" sz="1400" dirty="0" err="1">
+                    <a:solidFill>
+                      <a:schemeClr val="tx1"/>
+                    </a:solidFill>
+                  </a:rPr>
+                  <a:t>ConsumPacket</a:t>
+                </a:r>
+                <a:endParaRPr lang="en-US" altLang="ko-KR" sz="1400" dirty="0">
+                  <a:solidFill>
+                    <a:schemeClr val="tx1"/>
+                  </a:solidFill>
+                </a:endParaRPr>
+              </a:p>
+              <a:p>
+                <a:pPr marL="742950" lvl="1" indent="-285750">
+                  <a:buFont typeface="Arial" panose="020B0604020202020204" pitchFamily="34" charset="0"/>
+                  <a:buChar char="•"/>
+                </a:pPr>
+                <a:r>
+                  <a:rPr lang="en-US" altLang="ko-KR" sz="1400" dirty="0" err="1">
+                    <a:solidFill>
+                      <a:schemeClr val="tx1"/>
+                    </a:solidFill>
+                  </a:rPr>
+                  <a:t>PacketProc</a:t>
+                </a:r>
+                <a:endParaRPr lang="en-US" altLang="ko-KR" sz="1400" dirty="0">
+                  <a:solidFill>
+                    <a:schemeClr val="tx1"/>
+                  </a:solidFill>
+                </a:endParaRPr>
+              </a:p>
+              <a:p>
+                <a:pPr marL="742950" lvl="1" indent="-285750">
+                  <a:buFont typeface="Arial" panose="020B0604020202020204" pitchFamily="34" charset="0"/>
+                  <a:buChar char="•"/>
+                </a:pPr>
+                <a:endParaRPr lang="en-US" altLang="ko-KR" dirty="0">
+                  <a:solidFill>
+                    <a:schemeClr val="tx1"/>
+                  </a:solidFill>
+                </a:endParaRPr>
+              </a:p>
+              <a:p>
+                <a:r>
+                  <a:rPr lang="en-US" altLang="ko-KR" dirty="0" err="1">
+                    <a:solidFill>
+                      <a:schemeClr val="tx1"/>
+                    </a:solidFill>
+                  </a:rPr>
+                  <a:t>HeartBeat</a:t>
+                </a:r>
+                <a:endParaRPr lang="en-US" altLang="ko-KR" dirty="0">
+                  <a:solidFill>
+                    <a:schemeClr val="tx1"/>
+                  </a:solidFill>
+                </a:endParaRPr>
+              </a:p>
+              <a:p>
+                <a:pPr marL="285750" indent="-285750">
+                  <a:buFont typeface="Arial" panose="020B0604020202020204" pitchFamily="34" charset="0"/>
+                  <a:buChar char="•"/>
+                </a:pPr>
+                <a:r>
+                  <a:rPr lang="en-US" altLang="ko-KR" sz="1600" dirty="0" err="1">
+                    <a:solidFill>
+                      <a:schemeClr val="tx1"/>
+                    </a:solidFill>
+                  </a:rPr>
+                  <a:t>NonLogin</a:t>
+                </a:r>
+                <a:r>
+                  <a:rPr lang="en-US" altLang="ko-KR" sz="1600" dirty="0">
+                    <a:solidFill>
+                      <a:schemeClr val="tx1"/>
+                    </a:solidFill>
+                  </a:rPr>
+                  <a:t>(2s)</a:t>
+                </a:r>
+              </a:p>
+              <a:p>
+                <a:pPr marL="285750" indent="-285750">
+                  <a:buFont typeface="Arial" panose="020B0604020202020204" pitchFamily="34" charset="0"/>
+                  <a:buChar char="•"/>
+                </a:pPr>
+                <a:r>
+                  <a:rPr lang="en-US" altLang="ko-KR" sz="1600" dirty="0">
+                    <a:solidFill>
+                      <a:schemeClr val="tx1"/>
+                    </a:solidFill>
+                  </a:rPr>
+                  <a:t>Login(40s)</a:t>
+                </a:r>
+              </a:p>
+              <a:p>
+                <a:pPr marL="285750" indent="-285750">
+                  <a:buFont typeface="Arial" panose="020B0604020202020204" pitchFamily="34" charset="0"/>
+                  <a:buChar char="•"/>
+                </a:pPr>
+                <a:endParaRPr lang="en-US" altLang="ko-KR" sz="1600" dirty="0">
+                  <a:solidFill>
+                    <a:schemeClr val="tx1"/>
+                  </a:solidFill>
+                </a:endParaRPr>
+              </a:p>
+              <a:p>
+                <a:r>
+                  <a:rPr lang="en-US" altLang="ko-KR" dirty="0" err="1">
+                    <a:solidFill>
+                      <a:schemeClr val="tx1"/>
+                    </a:solidFill>
+                  </a:rPr>
+                  <a:t>Alertable</a:t>
+                </a:r>
+                <a:r>
+                  <a:rPr lang="en-US" altLang="ko-KR" dirty="0">
+                    <a:solidFill>
+                      <a:schemeClr val="tx1"/>
+                    </a:solidFill>
+                  </a:rPr>
+                  <a:t> Wait</a:t>
+                </a:r>
+              </a:p>
+              <a:p>
+                <a:pPr marL="285750" indent="-285750">
+                  <a:buFont typeface="Arial" panose="020B0604020202020204" pitchFamily="34" charset="0"/>
+                  <a:buChar char="•"/>
+                </a:pPr>
+                <a:r>
+                  <a:rPr lang="en-US" altLang="ko-KR" sz="1600" dirty="0" err="1">
+                    <a:solidFill>
+                      <a:schemeClr val="tx1"/>
+                    </a:solidFill>
+                  </a:rPr>
+                  <a:t>OnAccept</a:t>
+                </a:r>
+                <a:endParaRPr lang="en-US" altLang="ko-KR" sz="1600" dirty="0">
+                  <a:solidFill>
+                    <a:schemeClr val="tx1"/>
+                  </a:solidFill>
+                </a:endParaRPr>
+              </a:p>
+              <a:p>
+                <a:pPr marL="285750" indent="-285750">
+                  <a:buFont typeface="Arial" panose="020B0604020202020204" pitchFamily="34" charset="0"/>
+                  <a:buChar char="•"/>
+                </a:pPr>
+                <a:r>
+                  <a:rPr lang="en-US" altLang="ko-KR" sz="1600" dirty="0" err="1">
+                    <a:solidFill>
+                      <a:schemeClr val="tx1"/>
+                    </a:solidFill>
+                  </a:rPr>
+                  <a:t>OnClientLeave</a:t>
+                </a:r>
+                <a:endParaRPr lang="en-US" altLang="ko-KR" sz="1600" dirty="0">
+                  <a:solidFill>
+                    <a:schemeClr val="tx1"/>
+                  </a:solidFill>
+                </a:endParaRPr>
+              </a:p>
+            </p:txBody>
+          </p:sp>
+          <p:sp>
+            <p:nvSpPr>
+              <p:cNvPr id="46" name="TextBox 45">
+                <a:extLst>
+                  <a:ext uri="{FF2B5EF4-FFF2-40B4-BE49-F238E27FC236}">
+                    <a16:creationId xmlns:a16="http://schemas.microsoft.com/office/drawing/2014/main" id="{AA1AD411-E5A4-5F63-0A50-7CFD6B3BB85F}"/>
+                  </a:ext>
+                </a:extLst>
+              </p:cNvPr>
+              <p:cNvSpPr txBox="1"/>
+              <p:nvPr/>
+            </p:nvSpPr>
+            <p:spPr>
+              <a:xfrm>
+                <a:off x="9210581" y="2096987"/>
+                <a:ext cx="1459310" cy="369332"/>
+              </a:xfrm>
+              <a:prstGeom prst="rect">
+                <a:avLst/>
+              </a:prstGeom>
+              <a:noFill/>
+            </p:spPr>
+            <p:txBody>
+              <a:bodyPr wrap="none" rtlCol="0">
+                <a:spAutoFit/>
+              </a:bodyPr>
+              <a:lstStyle/>
+              <a:p>
+                <a:r>
+                  <a:rPr lang="en-US" altLang="ko-KR" dirty="0" err="1"/>
+                  <a:t>CChatServer</a:t>
+                </a:r>
+                <a:endParaRPr lang="ko-KR" altLang="en-US" dirty="0"/>
+              </a:p>
+            </p:txBody>
+          </p:sp>
+        </p:grpSp>
+        <p:cxnSp>
+          <p:nvCxnSpPr>
+            <p:cNvPr id="48" name="직선 화살표 연결선 47">
+              <a:extLst>
+                <a:ext uri="{FF2B5EF4-FFF2-40B4-BE49-F238E27FC236}">
+                  <a16:creationId xmlns:a16="http://schemas.microsoft.com/office/drawing/2014/main" id="{D79E330B-9F1C-B6DE-84BA-CD06795CEF91}"/>
+                </a:ext>
+              </a:extLst>
+            </p:cNvPr>
+            <p:cNvCxnSpPr>
+              <a:cxnSpLocks/>
+            </p:cNvCxnSpPr>
+            <p:nvPr/>
+          </p:nvCxnSpPr>
+          <p:spPr>
+            <a:xfrm flipV="1">
+              <a:off x="7650178" y="2723302"/>
+              <a:ext cx="1386694" cy="1062258"/>
+            </a:xfrm>
+            <a:prstGeom prst="straightConnector1">
+              <a:avLst/>
+            </a:prstGeom>
+            <a:ln>
+              <a:solidFill>
+                <a:srgbClr val="FF0000"/>
+              </a:solidFill>
+              <a:tailEnd type="triangle"/>
+            </a:ln>
+          </p:spPr>
+          <p:style>
+            <a:lnRef idx="2">
+              <a:schemeClr val="accent1"/>
+            </a:lnRef>
+            <a:fillRef idx="0">
+              <a:schemeClr val="accent1"/>
+            </a:fillRef>
+            <a:effectRef idx="1">
+              <a:schemeClr val="accent1"/>
+            </a:effectRef>
+            <a:fontRef idx="minor">
+              <a:schemeClr val="tx1"/>
+            </a:fontRef>
+          </p:style>
+        </p:cxnSp>
+        <p:cxnSp>
+          <p:nvCxnSpPr>
+            <p:cNvPr id="52" name="직선 화살표 연결선 51">
+              <a:extLst>
+                <a:ext uri="{FF2B5EF4-FFF2-40B4-BE49-F238E27FC236}">
+                  <a16:creationId xmlns:a16="http://schemas.microsoft.com/office/drawing/2014/main" id="{877742AA-11AD-5E0F-A9E9-20354D295DDF}"/>
+                </a:ext>
+              </a:extLst>
+            </p:cNvPr>
+            <p:cNvCxnSpPr>
+              <a:cxnSpLocks/>
+            </p:cNvCxnSpPr>
+            <p:nvPr/>
+          </p:nvCxnSpPr>
+          <p:spPr>
+            <a:xfrm flipV="1">
+              <a:off x="7804297" y="3970226"/>
+              <a:ext cx="1232575" cy="80445"/>
+            </a:xfrm>
+            <a:prstGeom prst="straightConnector1">
+              <a:avLst/>
+            </a:prstGeom>
+            <a:ln>
+              <a:solidFill>
+                <a:srgbClr val="FF0000"/>
+              </a:solidFill>
+              <a:tailEnd type="triangle"/>
+            </a:ln>
+          </p:spPr>
+          <p:style>
+            <a:lnRef idx="2">
+              <a:schemeClr val="accent1"/>
+            </a:lnRef>
+            <a:fillRef idx="0">
+              <a:schemeClr val="accent1"/>
+            </a:fillRef>
+            <a:effectRef idx="1">
+              <a:schemeClr val="accent1"/>
+            </a:effectRef>
+            <a:fontRef idx="minor">
+              <a:schemeClr val="tx1"/>
+            </a:fontRef>
+          </p:style>
+        </p:cxnSp>
+        <p:cxnSp>
+          <p:nvCxnSpPr>
+            <p:cNvPr id="55" name="직선 화살표 연결선 54">
+              <a:extLst>
+                <a:ext uri="{FF2B5EF4-FFF2-40B4-BE49-F238E27FC236}">
+                  <a16:creationId xmlns:a16="http://schemas.microsoft.com/office/drawing/2014/main" id="{D0937D71-54D8-C615-2A13-68D2BAEA61DD}"/>
+                </a:ext>
+              </a:extLst>
+            </p:cNvPr>
+            <p:cNvCxnSpPr/>
+            <p:nvPr/>
+          </p:nvCxnSpPr>
+          <p:spPr>
+            <a:xfrm>
+              <a:off x="7315200" y="4351699"/>
+              <a:ext cx="1721672" cy="582440"/>
+            </a:xfrm>
+            <a:prstGeom prst="straightConnector1">
+              <a:avLst/>
+            </a:prstGeom>
+            <a:ln>
+              <a:solidFill>
+                <a:srgbClr val="FF0000"/>
+              </a:solidFill>
+              <a:tailEnd type="triangle"/>
+            </a:ln>
+          </p:spPr>
+          <p:style>
+            <a:lnRef idx="2">
+              <a:schemeClr val="accent1"/>
+            </a:lnRef>
+            <a:fillRef idx="0">
+              <a:schemeClr val="accent1"/>
+            </a:fillRef>
+            <a:effectRef idx="1">
+              <a:schemeClr val="accent1"/>
+            </a:effectRef>
+            <a:fontRef idx="minor">
+              <a:schemeClr val="tx1"/>
+            </a:fontRef>
+          </p:style>
+        </p:cxnSp>
+      </p:grpSp>
+      <p:pic>
+        <p:nvPicPr>
+          <p:cNvPr id="59" name="그림 58">
+            <a:extLst>
+              <a:ext uri="{FF2B5EF4-FFF2-40B4-BE49-F238E27FC236}">
+                <a16:creationId xmlns:a16="http://schemas.microsoft.com/office/drawing/2014/main" id="{34D0FD93-40BD-E14A-F54B-3BC27832DA40}"/>
+              </a:ext>
+            </a:extLst>
+          </p:cNvPr>
+          <p:cNvPicPr>
+            <a:picLocks noChangeAspect="1"/>
+          </p:cNvPicPr>
+          <p:nvPr/>
+        </p:nvPicPr>
+        <p:blipFill>
+          <a:blip r:embed="rId2"/>
+          <a:stretch>
+            <a:fillRect/>
+          </a:stretch>
+        </p:blipFill>
+        <p:spPr>
+          <a:xfrm>
+            <a:off x="6612932" y="4408456"/>
+            <a:ext cx="2200275" cy="2209800"/>
+          </a:xfrm>
+          <a:prstGeom prst="rect">
+            <a:avLst/>
+          </a:prstGeom>
+        </p:spPr>
+      </p:pic>
+    </p:spTree>
+    <p:extLst>
+      <p:ext uri="{BB962C8B-B14F-4D97-AF65-F5344CB8AC3E}">
+        <p14:creationId xmlns:p14="http://schemas.microsoft.com/office/powerpoint/2010/main" val="2530327373"/>
+      </p:ext>
+    </p:extLst>
+  </p:cSld>
+  <p:clrMapOvr>
+    <a:masterClrMapping/>
+  </p:clrMapOvr>
+</p:sld>
+</file>
+
+<file path=ppt/slides/slide10.xml><?xml version="1.0" encoding="utf-8"?>
+<p:sld xmlns:a="http://schemas.openxmlformats.org/drawingml/2006/main" xmlns:r="http://schemas.openxmlformats.org/officeDocument/2006/relationships" xmlns:p="http://schemas.openxmlformats.org/presentationml/2006/main">
+  <p:cSld>
+    <p:spTree>
+      <p:nvGrpSpPr>
+        <p:cNvPr id="1" name="">
+          <a:extLst>
+            <a:ext uri="{FF2B5EF4-FFF2-40B4-BE49-F238E27FC236}">
+              <a16:creationId xmlns:a16="http://schemas.microsoft.com/office/drawing/2014/main" id="{353B5083-3A2B-D073-FE40-5D71997BA294}"/>
+            </a:ext>
+          </a:extLst>
+        </p:cNvPr>
+        <p:cNvGrpSpPr/>
+        <p:nvPr/>
+      </p:nvGrpSpPr>
+      <p:grpSpPr>
+        <a:xfrm>
+          <a:off x="0" y="0"/>
+          <a:ext cx="0" cy="0"/>
+          <a:chOff x="0" y="0"/>
+          <a:chExt cx="0" cy="0"/>
+        </a:xfrm>
+      </p:grpSpPr>
+      <p:sp>
+        <p:nvSpPr>
+          <p:cNvPr id="2" name="제목 1">
+            <a:extLst>
+              <a:ext uri="{FF2B5EF4-FFF2-40B4-BE49-F238E27FC236}">
+                <a16:creationId xmlns:a16="http://schemas.microsoft.com/office/drawing/2014/main" id="{1751D059-25C9-2854-8239-8386A97F69DC}"/>
+              </a:ext>
+            </a:extLst>
+          </p:cNvPr>
+          <p:cNvSpPr>
+            <a:spLocks noGrp="1"/>
+          </p:cNvSpPr>
+          <p:nvPr>
+            <p:ph type="ctrTitle"/>
+          </p:nvPr>
+        </p:nvSpPr>
+        <p:spPr>
+          <a:xfrm>
+            <a:off x="247650" y="610063"/>
+            <a:ext cx="9144000" cy="658812"/>
+          </a:xfrm>
+        </p:spPr>
+        <p:txBody>
+          <a:bodyPr>
+            <a:normAutofit/>
+          </a:bodyPr>
+          <a:lstStyle/>
+          <a:p>
+            <a:pPr algn="l"/>
+            <a:r>
+              <a:rPr lang="en-US" altLang="ko-KR" sz="3600" dirty="0"/>
+              <a:t>10. </a:t>
+            </a:r>
+            <a:r>
+              <a:rPr lang="ko-KR" altLang="en-US" sz="3600" dirty="0"/>
+              <a:t>섹터 지연 처리</a:t>
+            </a:r>
+          </a:p>
+        </p:txBody>
+      </p:sp>
+      <p:sp>
+        <p:nvSpPr>
+          <p:cNvPr id="3" name="부제목 2">
+            <a:extLst>
+              <a:ext uri="{FF2B5EF4-FFF2-40B4-BE49-F238E27FC236}">
+                <a16:creationId xmlns:a16="http://schemas.microsoft.com/office/drawing/2014/main" id="{422DB3E4-3B87-B12C-26FE-C3A7E6724CFE}"/>
+              </a:ext>
+            </a:extLst>
+          </p:cNvPr>
+          <p:cNvSpPr>
+            <a:spLocks noGrp="1"/>
+          </p:cNvSpPr>
+          <p:nvPr>
+            <p:ph type="subTitle" idx="1"/>
+          </p:nvPr>
+        </p:nvSpPr>
+        <p:spPr>
+          <a:xfrm>
+            <a:off x="452149" y="1521121"/>
+            <a:ext cx="9322054" cy="4955021"/>
+          </a:xfrm>
+        </p:spPr>
+        <p:txBody>
+          <a:bodyPr>
+            <a:normAutofit/>
+          </a:bodyPr>
+          <a:lstStyle/>
+          <a:p>
+            <a:pPr algn="l"/>
+            <a:r>
+              <a:rPr lang="ko-KR" altLang="en-US" sz="2000" dirty="0"/>
+              <a:t>현재 방식은 </a:t>
+            </a:r>
+            <a:r>
+              <a:rPr lang="en-US" altLang="ko-KR" sz="2000" dirty="0" err="1"/>
+              <a:t>PacketProc</a:t>
+            </a:r>
+            <a:r>
+              <a:rPr lang="ko-KR" altLang="en-US" sz="2000" dirty="0"/>
+              <a:t>에서 즉시 처리하는 방식</a:t>
+            </a:r>
+            <a:endParaRPr lang="en-US" altLang="ko-KR" sz="2000" dirty="0"/>
+          </a:p>
+          <a:p>
+            <a:pPr marL="342900" indent="-342900" algn="l">
+              <a:buFont typeface="Arial" panose="020B0604020202020204" pitchFamily="34" charset="0"/>
+              <a:buChar char="•"/>
+            </a:pPr>
+            <a:r>
+              <a:rPr lang="ko-KR" altLang="en-US" sz="2000" dirty="0"/>
+              <a:t>매번 섹터 순회가 발생함</a:t>
+            </a:r>
+            <a:endParaRPr lang="en-US" altLang="ko-KR" sz="2000" dirty="0"/>
+          </a:p>
+          <a:p>
+            <a:pPr algn="l"/>
+            <a:endParaRPr lang="en-US" altLang="ko-KR" sz="2000" dirty="0"/>
+          </a:p>
+          <a:p>
+            <a:pPr algn="l"/>
+            <a:r>
+              <a:rPr lang="ko-KR" altLang="en-US" sz="2000" dirty="0"/>
+              <a:t>구조를 살짝 바꿔서 섹터 구조체에 </a:t>
+            </a:r>
+            <a:r>
+              <a:rPr lang="en-US" altLang="ko-KR" sz="2000" dirty="0"/>
+              <a:t>Send Msg Queue</a:t>
+            </a:r>
+            <a:r>
+              <a:rPr lang="ko-KR" altLang="en-US" sz="2000" dirty="0"/>
+              <a:t>를 추가</a:t>
+            </a:r>
+            <a:endParaRPr lang="en-US" altLang="ko-KR" sz="2000" dirty="0"/>
+          </a:p>
+          <a:p>
+            <a:pPr marL="342900" indent="-342900" algn="l">
+              <a:buFont typeface="Arial" panose="020B0604020202020204" pitchFamily="34" charset="0"/>
+              <a:buChar char="•"/>
+            </a:pPr>
+            <a:r>
+              <a:rPr lang="en-US" altLang="ko-KR" sz="2000" dirty="0" err="1"/>
+              <a:t>SendSector</a:t>
+            </a:r>
+            <a:r>
+              <a:rPr lang="ko-KR" altLang="en-US" sz="2000" dirty="0"/>
+              <a:t>를 호출해야 하는 상황에 </a:t>
+            </a:r>
+            <a:r>
+              <a:rPr lang="en-US" altLang="ko-KR" sz="2000" dirty="0"/>
+              <a:t>Enqueue</a:t>
+            </a:r>
+          </a:p>
+          <a:p>
+            <a:pPr marL="342900" indent="-342900" algn="l">
+              <a:buFont typeface="Arial" panose="020B0604020202020204" pitchFamily="34" charset="0"/>
+              <a:buChar char="•"/>
+            </a:pPr>
+            <a:endParaRPr lang="en-US" altLang="ko-KR" sz="2000" dirty="0"/>
+          </a:p>
+          <a:p>
+            <a:pPr algn="l"/>
+            <a:endParaRPr lang="en-US" altLang="ko-KR" sz="2000" dirty="0"/>
+          </a:p>
+          <a:p>
+            <a:pPr algn="l"/>
+            <a:endParaRPr lang="en-US" altLang="ko-KR" sz="2000" dirty="0"/>
+          </a:p>
+          <a:p>
+            <a:pPr algn="l"/>
+            <a:endParaRPr lang="en-US" altLang="ko-KR" sz="2000" dirty="0"/>
+          </a:p>
+        </p:txBody>
+      </p:sp>
+      <p:pic>
+        <p:nvPicPr>
+          <p:cNvPr id="5" name="그림 4">
+            <a:extLst>
+              <a:ext uri="{FF2B5EF4-FFF2-40B4-BE49-F238E27FC236}">
+                <a16:creationId xmlns:a16="http://schemas.microsoft.com/office/drawing/2014/main" id="{870D6ECF-D4C1-B5C8-2B91-22E93DF81526}"/>
+              </a:ext>
+            </a:extLst>
+          </p:cNvPr>
+          <p:cNvPicPr>
+            <a:picLocks noChangeAspect="1"/>
+          </p:cNvPicPr>
+          <p:nvPr/>
+        </p:nvPicPr>
+        <p:blipFill>
+          <a:blip r:embed="rId2"/>
+          <a:stretch>
+            <a:fillRect/>
+          </a:stretch>
+        </p:blipFill>
+        <p:spPr>
+          <a:xfrm>
+            <a:off x="7791874" y="2825388"/>
+            <a:ext cx="3724275" cy="428625"/>
+          </a:xfrm>
+          <a:prstGeom prst="rect">
+            <a:avLst/>
+          </a:prstGeom>
+        </p:spPr>
+      </p:pic>
+      <p:pic>
+        <p:nvPicPr>
+          <p:cNvPr id="7" name="그림 6">
+            <a:extLst>
+              <a:ext uri="{FF2B5EF4-FFF2-40B4-BE49-F238E27FC236}">
+                <a16:creationId xmlns:a16="http://schemas.microsoft.com/office/drawing/2014/main" id="{9449D1D2-7646-6796-81C9-0EAE0DCA53CE}"/>
+              </a:ext>
+            </a:extLst>
+          </p:cNvPr>
+          <p:cNvPicPr>
+            <a:picLocks noChangeAspect="1"/>
+          </p:cNvPicPr>
+          <p:nvPr/>
+        </p:nvPicPr>
+        <p:blipFill>
+          <a:blip r:embed="rId3"/>
+          <a:stretch>
+            <a:fillRect/>
+          </a:stretch>
+        </p:blipFill>
+        <p:spPr>
+          <a:xfrm>
+            <a:off x="550897" y="3675176"/>
+            <a:ext cx="3733800" cy="2800966"/>
+          </a:xfrm>
+          <a:prstGeom prst="rect">
+            <a:avLst/>
+          </a:prstGeom>
+        </p:spPr>
+      </p:pic>
+      <p:sp>
+        <p:nvSpPr>
+          <p:cNvPr id="8" name="TextBox 7">
+            <a:extLst>
+              <a:ext uri="{FF2B5EF4-FFF2-40B4-BE49-F238E27FC236}">
+                <a16:creationId xmlns:a16="http://schemas.microsoft.com/office/drawing/2014/main" id="{C28CF6BE-2896-B2D7-D8C3-AC59758CECDC}"/>
+              </a:ext>
+            </a:extLst>
+          </p:cNvPr>
+          <p:cNvSpPr txBox="1"/>
+          <p:nvPr/>
+        </p:nvSpPr>
+        <p:spPr>
+          <a:xfrm>
+            <a:off x="4608214" y="3603988"/>
+            <a:ext cx="7405734" cy="3231654"/>
+          </a:xfrm>
+          <a:prstGeom prst="rect">
+            <a:avLst/>
+          </a:prstGeom>
+          <a:noFill/>
+        </p:spPr>
+        <p:txBody>
+          <a:bodyPr wrap="square" rtlCol="0">
+            <a:spAutoFit/>
+          </a:bodyPr>
+          <a:lstStyle/>
+          <a:p>
+            <a:r>
+              <a:rPr lang="ko-KR" altLang="en-US" dirty="0"/>
+              <a:t>읽은 </a:t>
+            </a:r>
+            <a:r>
+              <a:rPr lang="en-US" altLang="ko-KR" dirty="0"/>
+              <a:t>Job</a:t>
+            </a:r>
+            <a:r>
+              <a:rPr lang="ko-KR" altLang="en-US" dirty="0"/>
+              <a:t>의 개수만큼 모두 처리를 끝낸 후</a:t>
+            </a:r>
+            <a:endParaRPr lang="en-US" altLang="ko-KR" dirty="0"/>
+          </a:p>
+          <a:p>
+            <a:r>
+              <a:rPr lang="en-US" altLang="ko-KR" dirty="0"/>
+              <a:t>Sector</a:t>
+            </a:r>
+            <a:r>
+              <a:rPr lang="ko-KR" altLang="en-US" dirty="0"/>
+              <a:t>의 주변 섹터를 </a:t>
+            </a:r>
+            <a:r>
+              <a:rPr lang="en-US" altLang="ko-KR" dirty="0"/>
+              <a:t>1</a:t>
+            </a:r>
+            <a:r>
+              <a:rPr lang="ko-KR" altLang="en-US" dirty="0"/>
+              <a:t>회 순회하며</a:t>
+            </a:r>
+            <a:r>
+              <a:rPr lang="en-US" altLang="ko-KR" dirty="0"/>
+              <a:t> </a:t>
+            </a:r>
+            <a:r>
+              <a:rPr lang="en-US" altLang="ko-KR" dirty="0" err="1"/>
+              <a:t>sendMsgQ</a:t>
+            </a:r>
+            <a:r>
+              <a:rPr lang="ko-KR" altLang="en-US" dirty="0"/>
+              <a:t>에 있는 것을 모두 전송</a:t>
+            </a:r>
+            <a:endParaRPr lang="en-US" altLang="ko-KR" dirty="0"/>
+          </a:p>
+          <a:p>
+            <a:endParaRPr lang="en-US" altLang="ko-KR" dirty="0"/>
+          </a:p>
+          <a:p>
+            <a:r>
+              <a:rPr lang="ko-KR" altLang="en-US" dirty="0"/>
+              <a:t>장점</a:t>
+            </a:r>
+            <a:endParaRPr lang="en-US" altLang="ko-KR" dirty="0"/>
+          </a:p>
+          <a:p>
+            <a:pPr marL="285750" indent="-285750">
+              <a:buFont typeface="Arial" panose="020B0604020202020204" pitchFamily="34" charset="0"/>
+              <a:buChar char="•"/>
+            </a:pPr>
+            <a:r>
+              <a:rPr lang="ko-KR" altLang="en-US" sz="1600" dirty="0"/>
+              <a:t>섹터 순회 횟수가 줄어듦</a:t>
+            </a:r>
+            <a:endParaRPr lang="en-US" altLang="ko-KR" sz="1600" dirty="0"/>
+          </a:p>
+          <a:p>
+            <a:pPr marL="285750" indent="-285750">
+              <a:buFont typeface="Arial" panose="020B0604020202020204" pitchFamily="34" charset="0"/>
+              <a:buChar char="•"/>
+            </a:pPr>
+            <a:r>
+              <a:rPr lang="ko-KR" altLang="en-US" sz="1600" dirty="0"/>
+              <a:t>프레임 내 처리해야 할 채팅 메시지가 많을 수록 이득</a:t>
+            </a:r>
+            <a:endParaRPr lang="en-US" altLang="ko-KR" sz="1600" dirty="0"/>
+          </a:p>
+          <a:p>
+            <a:endParaRPr lang="en-US" altLang="ko-KR" dirty="0"/>
+          </a:p>
+          <a:p>
+            <a:r>
+              <a:rPr lang="ko-KR" altLang="en-US" dirty="0"/>
+              <a:t>단점</a:t>
+            </a:r>
+            <a:endParaRPr lang="en-US" altLang="ko-KR" dirty="0"/>
+          </a:p>
+          <a:p>
+            <a:pPr marL="285750" indent="-285750">
+              <a:buFont typeface="Arial" panose="020B0604020202020204" pitchFamily="34" charset="0"/>
+              <a:buChar char="•"/>
+            </a:pPr>
+            <a:r>
+              <a:rPr lang="ko-KR" altLang="en-US" sz="1600" dirty="0"/>
+              <a:t>먼저 순회 되는 섹터의 메시지가 먼저 전송될 수 있음</a:t>
+            </a:r>
+            <a:endParaRPr lang="en-US" altLang="ko-KR" sz="1600" dirty="0"/>
+          </a:p>
+          <a:p>
+            <a:pPr marL="285750" indent="-285750">
+              <a:buFont typeface="Arial" panose="020B0604020202020204" pitchFamily="34" charset="0"/>
+              <a:buChar char="•"/>
+            </a:pPr>
+            <a:r>
+              <a:rPr lang="ko-KR" altLang="en-US" sz="1600" dirty="0"/>
+              <a:t>메시지 순서가 꼬임</a:t>
+            </a:r>
+            <a:endParaRPr lang="en-US" altLang="ko-KR" sz="1600" dirty="0"/>
+          </a:p>
+          <a:p>
+            <a:pPr marL="742950" lvl="1" indent="-285750">
+              <a:buFont typeface="Arial" panose="020B0604020202020204" pitchFamily="34" charset="0"/>
+              <a:buChar char="•"/>
+            </a:pPr>
+            <a:r>
+              <a:rPr lang="ko-KR" altLang="en-US" sz="1600" dirty="0"/>
+              <a:t>프레임 순간의 메시지가 꼬여도 상관없지 않을까</a:t>
+            </a:r>
+            <a:r>
+              <a:rPr lang="en-US" altLang="ko-KR" sz="1600" dirty="0"/>
+              <a:t>?</a:t>
+            </a:r>
+          </a:p>
+          <a:p>
+            <a:pPr marL="742950" lvl="1" indent="-285750">
+              <a:buFont typeface="Arial" panose="020B0604020202020204" pitchFamily="34" charset="0"/>
+              <a:buChar char="•"/>
+            </a:pPr>
+            <a:r>
+              <a:rPr lang="ko-KR" altLang="en-US" sz="1600" dirty="0"/>
+              <a:t>채팅 서버라서</a:t>
+            </a:r>
+            <a:endParaRPr lang="en-US" altLang="ko-KR" sz="1600" dirty="0"/>
+          </a:p>
+        </p:txBody>
+      </p:sp>
+    </p:spTree>
+    <p:extLst>
+      <p:ext uri="{BB962C8B-B14F-4D97-AF65-F5344CB8AC3E}">
+        <p14:creationId xmlns:p14="http://schemas.microsoft.com/office/powerpoint/2010/main" val="3115532737"/>
+      </p:ext>
+    </p:extLst>
+  </p:cSld>
+  <p:clrMapOvr>
+    <a:masterClrMapping/>
+  </p:clrMapOvr>
+</p:sld>
+</file>
+
+<file path=ppt/slides/slide2.xml><?xml version="1.0" encoding="utf-8"?>
+<p:sld xmlns:a="http://schemas.openxmlformats.org/drawingml/2006/main" xmlns:r="http://schemas.openxmlformats.org/officeDocument/2006/relationships" xmlns:p="http://schemas.openxmlformats.org/presentationml/2006/main">
+  <p:cSld>
+    <p:spTree>
+      <p:nvGrpSpPr>
+        <p:cNvPr id="1" name="">
+          <a:extLst>
+            <a:ext uri="{FF2B5EF4-FFF2-40B4-BE49-F238E27FC236}">
               <a16:creationId xmlns:a16="http://schemas.microsoft.com/office/drawing/2014/main" id="{FBE19F52-2D8E-BDC0-4BDF-9347DEEDB1FE}"/>
             </a:ext>
           </a:extLst>
@@ -3362,7 +5298,7 @@
             <a:pPr algn="l"/>
             <a:r>
               <a:rPr lang="en-US" altLang="ko-KR" sz="3600" dirty="0"/>
-              <a:t>1. </a:t>
+              <a:t>2. </a:t>
             </a:r>
             <a:r>
               <a:rPr lang="ko-KR" altLang="en-US" sz="3600" dirty="0"/>
@@ -3655,6 +5591,253 @@
           </a:p>
         </p:txBody>
       </p:sp>
+      <p:grpSp>
+        <p:nvGrpSpPr>
+          <p:cNvPr id="11" name="그룹 10">
+            <a:extLst>
+              <a:ext uri="{FF2B5EF4-FFF2-40B4-BE49-F238E27FC236}">
+                <a16:creationId xmlns:a16="http://schemas.microsoft.com/office/drawing/2014/main" id="{A6BFF134-B557-C0D5-426A-301D2AE2E9C9}"/>
+              </a:ext>
+            </a:extLst>
+          </p:cNvPr>
+          <p:cNvGrpSpPr/>
+          <p:nvPr/>
+        </p:nvGrpSpPr>
+        <p:grpSpPr>
+          <a:xfrm>
+            <a:off x="7067550" y="1535694"/>
+            <a:ext cx="4648200" cy="1893306"/>
+            <a:chOff x="7221270" y="2466975"/>
+            <a:chExt cx="4648200" cy="1893306"/>
+          </a:xfrm>
+        </p:grpSpPr>
+        <p:pic>
+          <p:nvPicPr>
+            <p:cNvPr id="5" name="그림 4">
+              <a:extLst>
+                <a:ext uri="{FF2B5EF4-FFF2-40B4-BE49-F238E27FC236}">
+                  <a16:creationId xmlns:a16="http://schemas.microsoft.com/office/drawing/2014/main" id="{9C37B834-B369-A5EF-E3A8-39B3D47E2220}"/>
+                </a:ext>
+              </a:extLst>
+            </p:cNvPr>
+            <p:cNvPicPr>
+              <a:picLocks noChangeAspect="1"/>
+            </p:cNvPicPr>
+            <p:nvPr/>
+          </p:nvPicPr>
+          <p:blipFill>
+            <a:blip r:embed="rId2"/>
+            <a:stretch>
+              <a:fillRect/>
+            </a:stretch>
+          </p:blipFill>
+          <p:spPr>
+            <a:xfrm>
+              <a:off x="7221270" y="3312531"/>
+              <a:ext cx="4648200" cy="1047750"/>
+            </a:xfrm>
+            <a:prstGeom prst="rect">
+              <a:avLst/>
+            </a:prstGeom>
+          </p:spPr>
+        </p:pic>
+        <p:grpSp>
+          <p:nvGrpSpPr>
+            <p:cNvPr id="8" name="그룹 7">
+              <a:extLst>
+                <a:ext uri="{FF2B5EF4-FFF2-40B4-BE49-F238E27FC236}">
+                  <a16:creationId xmlns:a16="http://schemas.microsoft.com/office/drawing/2014/main" id="{10B99B66-637B-021C-48EF-8BB5AC50A48D}"/>
+                </a:ext>
+              </a:extLst>
+            </p:cNvPr>
+            <p:cNvGrpSpPr/>
+            <p:nvPr/>
+          </p:nvGrpSpPr>
+          <p:grpSpPr>
+            <a:xfrm>
+              <a:off x="7288798" y="2466975"/>
+              <a:ext cx="4400550" cy="677983"/>
+              <a:chOff x="7134225" y="2497541"/>
+              <a:chExt cx="4400550" cy="677983"/>
+            </a:xfrm>
+          </p:grpSpPr>
+          <p:sp>
+            <p:nvSpPr>
+              <p:cNvPr id="7" name="직사각형 6">
+                <a:extLst>
+                  <a:ext uri="{FF2B5EF4-FFF2-40B4-BE49-F238E27FC236}">
+                    <a16:creationId xmlns:a16="http://schemas.microsoft.com/office/drawing/2014/main" id="{7A7B7844-5823-A651-70EA-8A00339DE680}"/>
+                  </a:ext>
+                </a:extLst>
+              </p:cNvPr>
+              <p:cNvSpPr/>
+              <p:nvPr/>
+            </p:nvSpPr>
+            <p:spPr>
+              <a:xfrm>
+                <a:off x="7134225" y="2497541"/>
+                <a:ext cx="4400550" cy="677983"/>
+              </a:xfrm>
+              <a:prstGeom prst="rect">
+                <a:avLst/>
+              </a:prstGeom>
+              <a:solidFill>
+                <a:schemeClr val="accent1">
+                  <a:lumMod val="20000"/>
+                  <a:lumOff val="80000"/>
+                </a:schemeClr>
+              </a:solidFill>
+            </p:spPr>
+            <p:style>
+              <a:lnRef idx="2">
+                <a:schemeClr val="accent1">
+                  <a:shade val="15000"/>
+                </a:schemeClr>
+              </a:lnRef>
+              <a:fillRef idx="1">
+                <a:schemeClr val="accent1"/>
+              </a:fillRef>
+              <a:effectRef idx="0">
+                <a:schemeClr val="accent1"/>
+              </a:effectRef>
+              <a:fontRef idx="minor">
+                <a:schemeClr val="lt1"/>
+              </a:fontRef>
+            </p:style>
+            <p:txBody>
+              <a:bodyPr rtlCol="0" anchor="ctr"/>
+              <a:lstStyle/>
+              <a:p>
+                <a:pPr algn="ctr"/>
+                <a:endParaRPr lang="ko-KR" altLang="en-US"/>
+              </a:p>
+            </p:txBody>
+          </p:sp>
+          <p:sp>
+            <p:nvSpPr>
+              <p:cNvPr id="6" name="TextBox 5">
+                <a:extLst>
+                  <a:ext uri="{FF2B5EF4-FFF2-40B4-BE49-F238E27FC236}">
+                    <a16:creationId xmlns:a16="http://schemas.microsoft.com/office/drawing/2014/main" id="{FA54F9BE-8EA0-3F52-78BF-122F3E658F9E}"/>
+                  </a:ext>
+                </a:extLst>
+              </p:cNvPr>
+              <p:cNvSpPr txBox="1"/>
+              <p:nvPr/>
+            </p:nvSpPr>
+            <p:spPr>
+              <a:xfrm>
+                <a:off x="7134225" y="2498627"/>
+                <a:ext cx="4343400" cy="646331"/>
+              </a:xfrm>
+              <a:prstGeom prst="rect">
+                <a:avLst/>
+              </a:prstGeom>
+              <a:noFill/>
+            </p:spPr>
+            <p:txBody>
+              <a:bodyPr wrap="square" rtlCol="0">
+                <a:spAutoFit/>
+              </a:bodyPr>
+              <a:lstStyle/>
+              <a:p>
+                <a:r>
+                  <a:rPr lang="en-US" altLang="ko-KR" dirty="0"/>
+                  <a:t>Accept </a:t>
+                </a:r>
+                <a:r>
+                  <a:rPr lang="ko-KR" altLang="en-US" dirty="0"/>
+                  <a:t>완료처리와 </a:t>
+                </a:r>
+                <a:r>
+                  <a:rPr lang="en-US" altLang="ko-KR" dirty="0" err="1"/>
+                  <a:t>ReleaseSession</a:t>
+                </a:r>
+                <a:r>
+                  <a:rPr lang="ko-KR" altLang="en-US" dirty="0"/>
+                  <a:t>에서 </a:t>
+                </a:r>
+                <a:r>
+                  <a:rPr lang="en-US" altLang="ko-KR" dirty="0"/>
+                  <a:t>Enqueue</a:t>
+                </a:r>
+                <a:r>
+                  <a:rPr lang="ko-KR" altLang="en-US" dirty="0"/>
+                  <a:t>될 </a:t>
+                </a:r>
+                <a:r>
+                  <a:rPr lang="en-US" altLang="ko-KR" dirty="0"/>
+                  <a:t>APC </a:t>
+                </a:r>
+                <a:r>
+                  <a:rPr lang="ko-KR" altLang="en-US" dirty="0"/>
+                  <a:t>요청 함수</a:t>
+                </a:r>
+              </a:p>
+            </p:txBody>
+          </p:sp>
+        </p:grpSp>
+      </p:grpSp>
+      <p:pic>
+        <p:nvPicPr>
+          <p:cNvPr id="10" name="그림 9">
+            <a:extLst>
+              <a:ext uri="{FF2B5EF4-FFF2-40B4-BE49-F238E27FC236}">
+                <a16:creationId xmlns:a16="http://schemas.microsoft.com/office/drawing/2014/main" id="{3E423713-5ED5-2B6C-5E77-610C6BFAD939}"/>
+              </a:ext>
+            </a:extLst>
+          </p:cNvPr>
+          <p:cNvPicPr>
+            <a:picLocks noChangeAspect="1"/>
+          </p:cNvPicPr>
+          <p:nvPr/>
+        </p:nvPicPr>
+        <p:blipFill>
+          <a:blip r:embed="rId3"/>
+          <a:stretch>
+            <a:fillRect/>
+          </a:stretch>
+        </p:blipFill>
+        <p:spPr>
+          <a:xfrm>
+            <a:off x="7249845" y="4990475"/>
+            <a:ext cx="4591050" cy="276225"/>
+          </a:xfrm>
+          <a:prstGeom prst="rect">
+            <a:avLst/>
+          </a:prstGeom>
+        </p:spPr>
+      </p:pic>
+      <p:pic>
+        <p:nvPicPr>
+          <p:cNvPr id="13" name="그림 12">
+            <a:extLst>
+              <a:ext uri="{FF2B5EF4-FFF2-40B4-BE49-F238E27FC236}">
+                <a16:creationId xmlns:a16="http://schemas.microsoft.com/office/drawing/2014/main" id="{B80405B3-2BA6-AD1B-801E-CEA111111703}"/>
+              </a:ext>
+            </a:extLst>
+          </p:cNvPr>
+          <p:cNvPicPr>
+            <a:picLocks noChangeAspect="1"/>
+          </p:cNvPicPr>
+          <p:nvPr/>
+        </p:nvPicPr>
+        <p:blipFill>
+          <a:blip r:embed="rId4"/>
+          <a:stretch>
+            <a:fillRect/>
+          </a:stretch>
+        </p:blipFill>
+        <p:spPr>
+          <a:xfrm>
+            <a:off x="6378119" y="3744586"/>
+            <a:ext cx="5610225" cy="257175"/>
+          </a:xfrm>
+          <a:prstGeom prst="rect">
+            <a:avLst/>
+          </a:prstGeom>
+        </p:spPr>
+      </p:pic>
     </p:spTree>
     <p:extLst>
       <p:ext uri="{BB962C8B-B14F-4D97-AF65-F5344CB8AC3E}">
@@ -3668,7 +5851,7 @@
 </p:sld>
 </file>
 
-<file path=ppt/slides/slide2.xml><?xml version="1.0" encoding="utf-8"?>
+<file path=ppt/slides/slide3.xml><?xml version="1.0" encoding="utf-8"?>
 <p:sld xmlns:a="http://schemas.openxmlformats.org/drawingml/2006/main" xmlns:r="http://schemas.openxmlformats.org/officeDocument/2006/relationships" xmlns:p="http://schemas.openxmlformats.org/presentationml/2006/main">
   <p:cSld>
     <p:spTree>
@@ -3676,7 +5859,7 @@
         <p:cNvPr id="1" name="">
           <a:extLst>
             <a:ext uri="{FF2B5EF4-FFF2-40B4-BE49-F238E27FC236}">
-              <a16:creationId xmlns:a16="http://schemas.microsoft.com/office/drawing/2014/main" id="{37D1F3FE-9B59-4C67-A2EE-D714CA41C0B0}"/>
+              <a16:creationId xmlns:a16="http://schemas.microsoft.com/office/drawing/2014/main" id="{70EA85A1-784A-7059-DD05-A2EB66182668}"/>
             </a:ext>
           </a:extLst>
         </p:cNvPr>
@@ -3696,7 +5879,7 @@
           <p:cNvPr id="2" name="제목 1">
             <a:extLst>
               <a:ext uri="{FF2B5EF4-FFF2-40B4-BE49-F238E27FC236}">
-                <a16:creationId xmlns:a16="http://schemas.microsoft.com/office/drawing/2014/main" id="{B5F18C98-A750-38A4-7F42-C881157C9249}"/>
+                <a16:creationId xmlns:a16="http://schemas.microsoft.com/office/drawing/2014/main" id="{2B53B532-4C4C-3D95-9428-24129CF7E31C}"/>
               </a:ext>
             </a:extLst>
           </p:cNvPr>
@@ -3722,16 +5905,17 @@
             <a:pPr algn="l"/>
             <a:r>
               <a:rPr lang="en-US" altLang="ko-KR" sz="3600" dirty="0"/>
-              <a:t>2. </a:t>
-            </a:r>
-            <a:r>
-              <a:rPr lang="en-US" altLang="ko-KR" sz="3600" dirty="0" err="1"/>
-              <a:t>RecvPost</a:t>
+              <a:t>3. Job</a:t>
             </a:r>
             <a:r>
               <a:rPr lang="ko-KR" altLang="en-US" sz="3600" dirty="0"/>
-              <a:t>로 인한 문제 발생</a:t>
-            </a:r>
+              <a:t> </a:t>
+            </a:r>
+            <a:r>
+              <a:rPr lang="en-US" altLang="ko-KR" sz="3600" dirty="0"/>
+              <a:t>Queue</a:t>
+            </a:r>
+            <a:endParaRPr lang="ko-KR" altLang="en-US" sz="3600" dirty="0"/>
           </a:p>
         </p:txBody>
       </p:sp>
@@ -3740,7 +5924,7 @@
           <p:cNvPr id="3" name="부제목 2">
             <a:extLst>
               <a:ext uri="{FF2B5EF4-FFF2-40B4-BE49-F238E27FC236}">
-                <a16:creationId xmlns:a16="http://schemas.microsoft.com/office/drawing/2014/main" id="{817711E8-BA84-CC5C-4F7D-73BC3210F4C7}"/>
+                <a16:creationId xmlns:a16="http://schemas.microsoft.com/office/drawing/2014/main" id="{52646E48-2FB5-6605-9452-DAF87E9AF62B}"/>
               </a:ext>
             </a:extLst>
           </p:cNvPr>
@@ -3753,8 +5937,8 @@
         </p:nvSpPr>
         <p:spPr>
           <a:xfrm>
-            <a:off x="679934" y="1501761"/>
-            <a:ext cx="9322054" cy="4955021"/>
+            <a:off x="502652" y="1436448"/>
+            <a:ext cx="4331898" cy="4955021"/>
           </a:xfrm>
         </p:spPr>
         <p:txBody>
@@ -3765,529 +5949,511 @@
           <a:p>
             <a:pPr algn="l"/>
             <a:r>
-              <a:rPr lang="en-US" altLang="ko-KR" sz="2000" dirty="0" err="1"/>
-              <a:t>RecvPost</a:t>
-            </a:r>
-            <a:r>
               <a:rPr lang="ko-KR" altLang="en-US" sz="2000" dirty="0"/>
-              <a:t> 까지 채팅 서버 프레임에 부담시키기는 부담인 것 같다고 생각</a:t>
+              <a:t>일반적인 </a:t>
+            </a:r>
+            <a:r>
+              <a:rPr lang="en-US" altLang="ko-KR" sz="2000" dirty="0"/>
+              <a:t>Job </a:t>
+            </a:r>
+            <a:r>
+              <a:rPr lang="ko-KR" altLang="en-US" sz="2000" dirty="0"/>
+              <a:t>구조</a:t>
             </a:r>
             <a:endParaRPr lang="en-US" altLang="ko-KR" sz="2000" dirty="0"/>
           </a:p>
           <a:p>
-            <a:pPr algn="l"/>
-            <a:endParaRPr lang="en-US" altLang="ko-KR" sz="2000" dirty="0"/>
-          </a:p>
-          <a:p>
-            <a:pPr marL="457200" indent="-457200" algn="l">
-              <a:buFont typeface="+mj-lt"/>
-              <a:buAutoNum type="arabicPeriod"/>
-            </a:pPr>
-            <a:r>
-              <a:rPr lang="en-US" altLang="ko-KR" sz="2000" dirty="0" err="1"/>
-              <a:t>OnAccept</a:t>
-            </a:r>
-            <a:r>
-              <a:rPr lang="en-US" altLang="ko-KR" sz="2000" dirty="0"/>
-              <a:t> APC </a:t>
-            </a:r>
-            <a:r>
-              <a:rPr lang="ko-KR" altLang="en-US" sz="2000" dirty="0"/>
-              <a:t>요청 </a:t>
-            </a:r>
-            <a:r>
-              <a:rPr lang="en-US" altLang="ko-KR" sz="2000" dirty="0"/>
-              <a:t>Enqueue</a:t>
-            </a:r>
-          </a:p>
-          <a:p>
-            <a:pPr marL="914400" lvl="1" indent="-457200" algn="l">
+            <a:pPr marL="342900" indent="-342900" algn="l">
               <a:buFont typeface="Arial" panose="020B0604020202020204" pitchFamily="34" charset="0"/>
               <a:buChar char="•"/>
             </a:pPr>
-            <a:r>
-              <a:rPr lang="ko-KR" altLang="en-US" sz="1600" dirty="0"/>
-              <a:t>즉</a:t>
-            </a:r>
-            <a:r>
-              <a:rPr lang="en-US" altLang="ko-KR" sz="1600" dirty="0"/>
-              <a:t>, </a:t>
-            </a:r>
-            <a:r>
-              <a:rPr lang="en-US" altLang="ko-KR" sz="1600" dirty="0">
-                <a:solidFill>
-                  <a:srgbClr val="FF0000"/>
-                </a:solidFill>
-              </a:rPr>
-              <a:t>Player </a:t>
-            </a:r>
-            <a:r>
-              <a:rPr lang="ko-KR" altLang="en-US" sz="1600" dirty="0">
-                <a:solidFill>
-                  <a:srgbClr val="FF0000"/>
-                </a:solidFill>
-              </a:rPr>
-              <a:t>객체 생성 전</a:t>
-            </a:r>
-            <a:endParaRPr lang="en-US" altLang="ko-KR" sz="1600" dirty="0">
-              <a:solidFill>
-                <a:srgbClr val="FF0000"/>
-              </a:solidFill>
-            </a:endParaRPr>
-          </a:p>
-          <a:p>
-            <a:pPr marL="914400" lvl="1" indent="-457200" algn="l">
+            <a:endParaRPr lang="en-US" altLang="ko-KR" sz="2000" dirty="0"/>
+          </a:p>
+          <a:p>
+            <a:pPr marL="342900" indent="-342900" algn="l">
               <a:buFont typeface="Arial" panose="020B0604020202020204" pitchFamily="34" charset="0"/>
               <a:buChar char="•"/>
             </a:pPr>
-            <a:endParaRPr lang="en-US" altLang="ko-KR" sz="1600" dirty="0"/>
-          </a:p>
-          <a:p>
-            <a:pPr marL="457200" indent="-457200" algn="l">
-              <a:buFont typeface="+mj-lt"/>
-              <a:buAutoNum type="arabicPeriod"/>
-            </a:pPr>
-            <a:r>
-              <a:rPr lang="en-US" altLang="ko-KR" sz="2000" dirty="0"/>
-              <a:t>APC </a:t>
-            </a:r>
-            <a:r>
-              <a:rPr lang="ko-KR" altLang="en-US" sz="2000" dirty="0"/>
-              <a:t>큐 요청이 처리되기 전 </a:t>
-            </a:r>
-            <a:r>
-              <a:rPr lang="en-US" altLang="ko-KR" sz="2000" dirty="0" err="1"/>
-              <a:t>RecvPost</a:t>
-            </a:r>
-            <a:r>
-              <a:rPr lang="ko-KR" altLang="en-US" sz="2000" dirty="0"/>
-              <a:t>가 수행되고 </a:t>
-            </a:r>
-            <a:r>
-              <a:rPr lang="en-US" altLang="ko-KR" sz="2000" dirty="0" err="1"/>
-              <a:t>Recv</a:t>
-            </a:r>
-            <a:r>
-              <a:rPr lang="en-US" altLang="ko-KR" sz="2000" dirty="0"/>
-              <a:t> </a:t>
-            </a:r>
-            <a:r>
-              <a:rPr lang="ko-KR" altLang="en-US" sz="2000" dirty="0"/>
-              <a:t>완료 통지가 도착</a:t>
-            </a:r>
             <a:endParaRPr lang="en-US" altLang="ko-KR" sz="2000" dirty="0"/>
           </a:p>
           <a:p>
-            <a:pPr marL="457200" indent="-457200" algn="l">
-              <a:buFont typeface="+mj-lt"/>
-              <a:buAutoNum type="arabicPeriod"/>
-            </a:pPr>
-            <a:endParaRPr lang="en-US" altLang="ko-KR" sz="2000" dirty="0"/>
-          </a:p>
-          <a:p>
-            <a:pPr marL="457200" indent="-457200" algn="l">
-              <a:buFont typeface="+mj-lt"/>
-              <a:buAutoNum type="arabicPeriod"/>
-            </a:pPr>
-            <a:r>
-              <a:rPr lang="en-US" altLang="ko-KR" sz="2000" dirty="0"/>
-              <a:t>Job </a:t>
-            </a:r>
-            <a:r>
-              <a:rPr lang="ko-KR" altLang="en-US" sz="2000" dirty="0"/>
-              <a:t>큐에 해당 세션에 대한 </a:t>
-            </a:r>
-            <a:r>
-              <a:rPr lang="en-US" altLang="ko-KR" sz="2000" dirty="0" err="1"/>
-              <a:t>Recv</a:t>
-            </a:r>
-            <a:r>
-              <a:rPr lang="en-US" altLang="ko-KR" sz="2000" dirty="0"/>
-              <a:t> </a:t>
-            </a:r>
-            <a:r>
-              <a:rPr lang="ko-KR" altLang="en-US" sz="2000" dirty="0"/>
-              <a:t>처리 요청이 등록됨</a:t>
-            </a:r>
-            <a:endParaRPr lang="en-US" altLang="ko-KR" sz="2000" dirty="0"/>
-          </a:p>
-          <a:p>
-            <a:pPr marL="457200" indent="-457200" algn="l">
-              <a:buFont typeface="+mj-lt"/>
-              <a:buAutoNum type="arabicPeriod"/>
-            </a:pPr>
-            <a:endParaRPr lang="en-US" altLang="ko-KR" sz="2000" dirty="0"/>
-          </a:p>
-          <a:p>
-            <a:pPr marL="457200" indent="-457200" algn="l">
-              <a:buFont typeface="+mj-lt"/>
-              <a:buAutoNum type="arabicPeriod"/>
-            </a:pPr>
-            <a:r>
-              <a:rPr lang="ko-KR" altLang="en-US" sz="2000" dirty="0"/>
-              <a:t>채팅서버 프레임 스레드에서 </a:t>
-            </a:r>
-            <a:r>
-              <a:rPr lang="en-US" altLang="ko-KR" sz="2000" dirty="0" err="1"/>
-              <a:t>Alertable</a:t>
-            </a:r>
-            <a:r>
-              <a:rPr lang="en-US" altLang="ko-KR" sz="2000" dirty="0"/>
-              <a:t> Wait </a:t>
-            </a:r>
-            <a:r>
-              <a:rPr lang="ko-KR" altLang="en-US" sz="2000" dirty="0"/>
-              <a:t>상태에 빠지기 전에</a:t>
-            </a:r>
-            <a:endParaRPr lang="en-US" altLang="ko-KR" sz="2000" dirty="0"/>
-          </a:p>
-          <a:p>
-            <a:pPr marL="457200" indent="-457200" algn="l">
-              <a:buFont typeface="+mj-lt"/>
-              <a:buAutoNum type="arabicPeriod"/>
-            </a:pPr>
-            <a:endParaRPr lang="en-US" altLang="ko-KR" sz="2000" dirty="0"/>
-          </a:p>
-          <a:p>
-            <a:pPr marL="457200" indent="-457200" algn="l">
-              <a:buFont typeface="+mj-lt"/>
-              <a:buAutoNum type="arabicPeriod"/>
-            </a:pPr>
-            <a:r>
-              <a:rPr lang="en-US" altLang="ko-KR" sz="2000" dirty="0"/>
-              <a:t>Job</a:t>
-            </a:r>
-            <a:r>
-              <a:rPr lang="ko-KR" altLang="en-US" sz="2000" dirty="0"/>
-              <a:t> 큐에 있는 메시지를 처리하러 </a:t>
-            </a:r>
-            <a:r>
-              <a:rPr lang="ko-KR" altLang="en-US" sz="2000" dirty="0" err="1"/>
-              <a:t>들어감</a:t>
-            </a:r>
-            <a:endParaRPr lang="en-US" altLang="ko-KR" sz="2000" dirty="0"/>
-          </a:p>
-          <a:p>
-            <a:pPr marL="914400" lvl="1" indent="-457200" algn="l">
+            <a:pPr marL="342900" indent="-342900" algn="l">
               <a:buFont typeface="Arial" panose="020B0604020202020204" pitchFamily="34" charset="0"/>
               <a:buChar char="•"/>
             </a:pPr>
+            <a:endParaRPr lang="en-US" altLang="ko-KR" sz="2000" dirty="0"/>
+          </a:p>
+          <a:p>
+            <a:pPr marL="342900" indent="-342900" algn="l">
+              <a:buFont typeface="Arial" panose="020B0604020202020204" pitchFamily="34" charset="0"/>
+              <a:buChar char="•"/>
+            </a:pPr>
+            <a:endParaRPr lang="en-US" altLang="ko-KR" sz="2000" dirty="0"/>
+          </a:p>
+          <a:p>
+            <a:pPr marL="342900" indent="-342900" algn="l">
+              <a:buFont typeface="Arial" panose="020B0604020202020204" pitchFamily="34" charset="0"/>
+              <a:buChar char="•"/>
+            </a:pPr>
+            <a:endParaRPr lang="en-US" altLang="ko-KR" sz="2000" dirty="0"/>
+          </a:p>
+          <a:p>
+            <a:pPr algn="l"/>
+            <a:r>
+              <a:rPr lang="ko-KR" altLang="en-US" sz="2000" dirty="0"/>
+              <a:t>단점</a:t>
+            </a:r>
+            <a:endParaRPr lang="en-US" altLang="ko-KR" sz="2000" dirty="0"/>
+          </a:p>
+          <a:p>
+            <a:pPr marL="342900" indent="-342900" algn="l">
+              <a:buFont typeface="Arial" panose="020B0604020202020204" pitchFamily="34" charset="0"/>
+              <a:buChar char="•"/>
+            </a:pPr>
+            <a:r>
+              <a:rPr lang="en-US" altLang="ko-KR" sz="2000" dirty="0"/>
+              <a:t>Job </a:t>
+            </a:r>
+            <a:r>
+              <a:rPr lang="ko-KR" altLang="en-US" sz="2000" dirty="0"/>
+              <a:t>구조체 할당</a:t>
+            </a:r>
+            <a:r>
+              <a:rPr lang="en-US" altLang="ko-KR" sz="2000" dirty="0"/>
+              <a:t>(Pool)</a:t>
+            </a:r>
+          </a:p>
+          <a:p>
+            <a:pPr marL="342900" indent="-342900" algn="l">
+              <a:buFont typeface="Arial" panose="020B0604020202020204" pitchFamily="34" charset="0"/>
+              <a:buChar char="•"/>
+            </a:pPr>
+            <a:r>
+              <a:rPr lang="en-US" altLang="ko-KR" sz="2000" dirty="0"/>
+              <a:t>Job Queue Enqueue(Lock-Free)</a:t>
+            </a:r>
+          </a:p>
+          <a:p>
+            <a:pPr marL="800100" lvl="1" indent="-342900" algn="l">
+              <a:buFont typeface="Arial" panose="020B0604020202020204" pitchFamily="34" charset="0"/>
+              <a:buChar char="•"/>
+            </a:pPr>
             <a:r>
               <a:rPr lang="ko-KR" altLang="en-US" sz="1600" dirty="0"/>
-              <a:t>아직 </a:t>
-            </a:r>
+              <a:t>하는 일 </a:t>
+            </a:r>
+            <a:r>
+              <a:rPr lang="en-US" altLang="ko-KR" sz="1600" dirty="0"/>
+              <a:t>3</a:t>
+            </a:r>
+            <a:r>
+              <a:rPr lang="ko-KR" altLang="en-US" sz="1600" dirty="0"/>
+              <a:t>개</a:t>
+            </a:r>
+            <a:r>
+              <a:rPr lang="en-US" altLang="ko-KR" sz="1600" dirty="0"/>
+              <a:t>(Create, Delete, </a:t>
+            </a:r>
+            <a:r>
+              <a:rPr lang="en-US" altLang="ko-KR" sz="1600" dirty="0" err="1"/>
+              <a:t>Recv</a:t>
+            </a:r>
+            <a:r>
+              <a:rPr lang="en-US" altLang="ko-KR" sz="1600" dirty="0"/>
+              <a:t>)</a:t>
+            </a:r>
+          </a:p>
+        </p:txBody>
+      </p:sp>
+      <p:sp>
+        <p:nvSpPr>
+          <p:cNvPr id="4" name="직사각형 3">
+            <a:extLst>
+              <a:ext uri="{FF2B5EF4-FFF2-40B4-BE49-F238E27FC236}">
+                <a16:creationId xmlns:a16="http://schemas.microsoft.com/office/drawing/2014/main" id="{01241399-660E-95DB-3DC8-DDC39813A338}"/>
+              </a:ext>
+            </a:extLst>
+          </p:cNvPr>
+          <p:cNvSpPr/>
+          <p:nvPr/>
+        </p:nvSpPr>
+        <p:spPr>
+          <a:xfrm>
+            <a:off x="782939" y="1910280"/>
+            <a:ext cx="2376719" cy="1195059"/>
+          </a:xfrm>
+          <a:prstGeom prst="rect">
+            <a:avLst/>
+          </a:prstGeom>
+          <a:solidFill>
+            <a:schemeClr val="accent3">
+              <a:lumMod val="40000"/>
+              <a:lumOff val="60000"/>
+            </a:schemeClr>
+          </a:solidFill>
+        </p:spPr>
+        <p:style>
+          <a:lnRef idx="2">
+            <a:schemeClr val="accent1">
+              <a:shade val="15000"/>
+            </a:schemeClr>
+          </a:lnRef>
+          <a:fillRef idx="1">
+            <a:schemeClr val="accent1"/>
+          </a:fillRef>
+          <a:effectRef idx="0">
+            <a:schemeClr val="accent1"/>
+          </a:effectRef>
+          <a:fontRef idx="minor">
+            <a:schemeClr val="lt1"/>
+          </a:fontRef>
+        </p:style>
+        <p:txBody>
+          <a:bodyPr rtlCol="0" anchor="ctr"/>
+          <a:lstStyle/>
+          <a:p>
+            <a:r>
+              <a:rPr lang="en-US" altLang="ko-KR" dirty="0">
+                <a:solidFill>
+                  <a:schemeClr val="tx1"/>
+                </a:solidFill>
+              </a:rPr>
+              <a:t>struct Job(24Byte)</a:t>
+            </a:r>
+          </a:p>
+          <a:p>
+            <a:pPr marL="285750" indent="-285750">
+              <a:buFont typeface="Arial" panose="020B0604020202020204" pitchFamily="34" charset="0"/>
+              <a:buChar char="•"/>
+            </a:pPr>
             <a:r>
               <a:rPr lang="en-US" altLang="ko-KR" sz="1600" dirty="0">
                 <a:solidFill>
-                  <a:srgbClr val="FF0000"/>
+                  <a:schemeClr val="tx1"/>
                 </a:solidFill>
               </a:rPr>
-              <a:t>Player </a:t>
-            </a:r>
-            <a:r>
-              <a:rPr lang="ko-KR" altLang="en-US" sz="1600" dirty="0">
+              <a:t>BYTE type</a:t>
+            </a:r>
+          </a:p>
+          <a:p>
+            <a:pPr marL="285750" indent="-285750">
+              <a:buFont typeface="Arial" panose="020B0604020202020204" pitchFamily="34" charset="0"/>
+              <a:buChar char="•"/>
+            </a:pPr>
+            <a:r>
+              <a:rPr lang="en-US" altLang="ko-KR" sz="1600" dirty="0">
                 <a:solidFill>
-                  <a:srgbClr val="FF0000"/>
+                  <a:schemeClr val="tx1"/>
                 </a:solidFill>
               </a:rPr>
-              <a:t>객체가 없는 상태</a:t>
-            </a:r>
-            <a:r>
-              <a:rPr lang="ko-KR" altLang="en-US" sz="1600" dirty="0"/>
-              <a:t>이므로 실패</a:t>
-            </a:r>
-            <a:endParaRPr lang="en-US" altLang="ko-KR" sz="1600" dirty="0"/>
-          </a:p>
-          <a:p>
-            <a:pPr marL="457200" indent="-457200" algn="l">
-              <a:buFont typeface="+mj-lt"/>
-              <a:buAutoNum type="arabicPeriod"/>
+              <a:t>UINT64 </a:t>
+            </a:r>
+            <a:r>
+              <a:rPr lang="en-US" altLang="ko-KR" sz="1600" dirty="0" err="1">
+                <a:solidFill>
+                  <a:schemeClr val="tx1"/>
+                </a:solidFill>
+              </a:rPr>
+              <a:t>sessionId</a:t>
+            </a:r>
+            <a:endParaRPr lang="en-US" altLang="ko-KR" sz="1600" dirty="0">
+              <a:solidFill>
+                <a:schemeClr val="tx1"/>
+              </a:solidFill>
+            </a:endParaRPr>
+          </a:p>
+          <a:p>
+            <a:pPr marL="285750" indent="-285750">
+              <a:buFont typeface="Arial" panose="020B0604020202020204" pitchFamily="34" charset="0"/>
+              <a:buChar char="•"/>
             </a:pPr>
-            <a:endParaRPr lang="en-US" altLang="ko-KR" sz="2000" dirty="0"/>
+            <a:r>
+              <a:rPr lang="en-US" altLang="ko-KR" sz="1600" dirty="0">
+                <a:solidFill>
+                  <a:schemeClr val="tx1"/>
+                </a:solidFill>
+              </a:rPr>
+              <a:t>Buffer *</a:t>
+            </a:r>
+            <a:r>
+              <a:rPr lang="en-US" altLang="ko-KR" sz="1600" dirty="0" err="1">
+                <a:solidFill>
+                  <a:schemeClr val="tx1"/>
+                </a:solidFill>
+              </a:rPr>
+              <a:t>sbuffer</a:t>
+            </a:r>
+            <a:endParaRPr lang="ko-KR" altLang="en-US" sz="1600" dirty="0">
+              <a:solidFill>
+                <a:schemeClr val="tx1"/>
+              </a:solidFill>
+            </a:endParaRPr>
+          </a:p>
+        </p:txBody>
+      </p:sp>
+      <p:sp>
+        <p:nvSpPr>
+          <p:cNvPr id="11" name="TextBox 10">
+            <a:extLst>
+              <a:ext uri="{FF2B5EF4-FFF2-40B4-BE49-F238E27FC236}">
+                <a16:creationId xmlns:a16="http://schemas.microsoft.com/office/drawing/2014/main" id="{86F20CAE-DB9A-4595-D3E5-893D99C5DE98}"/>
+              </a:ext>
+            </a:extLst>
+          </p:cNvPr>
+          <p:cNvSpPr txBox="1"/>
+          <p:nvPr/>
+        </p:nvSpPr>
+        <p:spPr>
+          <a:xfrm>
+            <a:off x="5114837" y="1457608"/>
+            <a:ext cx="6427960" cy="4801314"/>
+          </a:xfrm>
+          <a:prstGeom prst="rect">
+            <a:avLst/>
+          </a:prstGeom>
+          <a:noFill/>
+        </p:spPr>
+        <p:txBody>
+          <a:bodyPr wrap="square" rtlCol="0">
+            <a:spAutoFit/>
+          </a:bodyPr>
+          <a:lstStyle/>
+          <a:p>
+            <a:r>
+              <a:rPr lang="en-US" altLang="ko-KR" dirty="0"/>
+              <a:t>APC </a:t>
+            </a:r>
+            <a:r>
+              <a:rPr lang="ko-KR" altLang="en-US" dirty="0"/>
+              <a:t>큐가 추가되면</a:t>
+            </a:r>
+            <a:endParaRPr lang="en-US" altLang="ko-KR" dirty="0"/>
+          </a:p>
+          <a:p>
+            <a:pPr marL="285750" indent="-285750">
+              <a:buFont typeface="Arial" panose="020B0604020202020204" pitchFamily="34" charset="0"/>
+              <a:buChar char="•"/>
+            </a:pPr>
+            <a:r>
+              <a:rPr lang="en-US" altLang="ko-KR" dirty="0"/>
+              <a:t>Create, Delete </a:t>
+            </a:r>
+            <a:r>
+              <a:rPr lang="ko-KR" altLang="en-US" dirty="0"/>
+              <a:t>작업은 </a:t>
+            </a:r>
+            <a:r>
+              <a:rPr lang="en-US" altLang="ko-KR" dirty="0"/>
+              <a:t>APC </a:t>
+            </a:r>
+            <a:r>
+              <a:rPr lang="ko-KR" altLang="en-US" dirty="0"/>
+              <a:t>큐로 우회 가능</a:t>
+            </a:r>
+            <a:endParaRPr lang="en-US" altLang="ko-KR" dirty="0"/>
+          </a:p>
+          <a:p>
+            <a:pPr marL="285750" indent="-285750">
+              <a:buFont typeface="Arial" panose="020B0604020202020204" pitchFamily="34" charset="0"/>
+              <a:buChar char="•"/>
+            </a:pPr>
+            <a:r>
+              <a:rPr lang="en-US" altLang="ko-KR" dirty="0" err="1"/>
+              <a:t>ServerFrame</a:t>
+            </a:r>
+            <a:r>
+              <a:rPr lang="en-US" altLang="ko-KR" dirty="0"/>
+              <a:t> Thread</a:t>
+            </a:r>
+            <a:r>
+              <a:rPr lang="ko-KR" altLang="en-US" dirty="0"/>
+              <a:t>에서 수행이 보장됨 </a:t>
+            </a:r>
+            <a:endParaRPr lang="en-US" altLang="ko-KR" dirty="0"/>
+          </a:p>
+          <a:p>
+            <a:pPr marL="285750" indent="-285750">
+              <a:buFont typeface="Arial" panose="020B0604020202020204" pitchFamily="34" charset="0"/>
+              <a:buChar char="•"/>
+            </a:pPr>
+            <a:r>
+              <a:rPr lang="ko-KR" altLang="en-US" dirty="0"/>
+              <a:t>동기화가 </a:t>
+            </a:r>
+            <a:r>
+              <a:rPr lang="ko-KR" altLang="en-US" dirty="0" err="1"/>
+              <a:t>필요없음</a:t>
+            </a:r>
+            <a:endParaRPr lang="en-US" altLang="ko-KR" dirty="0"/>
+          </a:p>
+          <a:p>
+            <a:pPr marL="285750" indent="-285750">
+              <a:buFont typeface="Arial" panose="020B0604020202020204" pitchFamily="34" charset="0"/>
+              <a:buChar char="•"/>
+            </a:pPr>
+            <a:endParaRPr lang="en-US" altLang="ko-KR" dirty="0"/>
+          </a:p>
+          <a:p>
+            <a:r>
+              <a:rPr lang="en-US" altLang="ko-KR" dirty="0"/>
+              <a:t>Job</a:t>
+            </a:r>
+            <a:r>
+              <a:rPr lang="ko-KR" altLang="en-US" dirty="0"/>
+              <a:t> 구조가 단순해짐</a:t>
+            </a:r>
+            <a:endParaRPr lang="en-US" altLang="ko-KR" dirty="0"/>
+          </a:p>
+          <a:p>
+            <a:pPr marL="285750" indent="-285750">
+              <a:buFont typeface="Arial" panose="020B0604020202020204" pitchFamily="34" charset="0"/>
+              <a:buChar char="•"/>
+            </a:pPr>
+            <a:r>
+              <a:rPr lang="en-US" altLang="ko-KR" dirty="0" err="1"/>
+              <a:t>sessionId</a:t>
+            </a:r>
+            <a:r>
+              <a:rPr lang="ko-KR" altLang="en-US" dirty="0"/>
+              <a:t>를 직렬화 버퍼의 멤버로 추가</a:t>
+            </a:r>
+            <a:endParaRPr lang="en-US" altLang="ko-KR" dirty="0"/>
+          </a:p>
+          <a:p>
+            <a:pPr marL="285750" indent="-285750">
+              <a:buFont typeface="Arial" panose="020B0604020202020204" pitchFamily="34" charset="0"/>
+              <a:buChar char="•"/>
+            </a:pPr>
+            <a:r>
+              <a:rPr lang="en-US" altLang="ko-KR" dirty="0" err="1"/>
+              <a:t>RecvMsg</a:t>
+            </a:r>
+            <a:r>
+              <a:rPr lang="en-US" altLang="ko-KR" dirty="0"/>
+              <a:t> </a:t>
+            </a:r>
+            <a:r>
+              <a:rPr lang="ko-KR" altLang="en-US" dirty="0"/>
+              <a:t>포인터만 큐에 들어가면 됨</a:t>
+            </a:r>
+            <a:endParaRPr lang="en-US" altLang="ko-KR" dirty="0"/>
+          </a:p>
+          <a:p>
+            <a:pPr marL="285750" indent="-285750">
+              <a:buFont typeface="Arial" panose="020B0604020202020204" pitchFamily="34" charset="0"/>
+              <a:buChar char="•"/>
+            </a:pPr>
+            <a:endParaRPr lang="en-US" altLang="ko-KR" dirty="0"/>
+          </a:p>
+          <a:p>
+            <a:r>
+              <a:rPr lang="ko-KR" altLang="en-US" dirty="0"/>
+              <a:t>장점</a:t>
+            </a:r>
+            <a:endParaRPr lang="en-US" altLang="ko-KR" dirty="0"/>
+          </a:p>
+          <a:p>
+            <a:pPr marL="285750" indent="-285750">
+              <a:buFont typeface="Arial" panose="020B0604020202020204" pitchFamily="34" charset="0"/>
+              <a:buChar char="•"/>
+            </a:pPr>
+            <a:r>
+              <a:rPr lang="en-US" altLang="ko-KR" dirty="0"/>
+              <a:t>Job </a:t>
+            </a:r>
+            <a:r>
+              <a:rPr lang="ko-KR" altLang="en-US" dirty="0"/>
+              <a:t>구조체 할당 </a:t>
+            </a:r>
+            <a:r>
+              <a:rPr lang="ko-KR" altLang="en-US" dirty="0" err="1"/>
+              <a:t>필요없음</a:t>
+            </a:r>
+            <a:endParaRPr lang="en-US" altLang="ko-KR" dirty="0"/>
+          </a:p>
+          <a:p>
+            <a:pPr marL="285750" indent="-285750">
+              <a:buFont typeface="Arial" panose="020B0604020202020204" pitchFamily="34" charset="0"/>
+              <a:buChar char="•"/>
+            </a:pPr>
+            <a:r>
+              <a:rPr lang="en-US" altLang="ko-KR" dirty="0"/>
+              <a:t>Job Queue Enqueue </a:t>
+            </a:r>
+            <a:r>
+              <a:rPr lang="ko-KR" altLang="en-US" dirty="0"/>
+              <a:t>경합 </a:t>
+            </a:r>
+            <a:r>
+              <a:rPr lang="en-US" altLang="ko-KR" dirty="0" err="1"/>
+              <a:t>Recv</a:t>
+            </a:r>
+            <a:r>
+              <a:rPr lang="ko-KR" altLang="en-US" dirty="0"/>
+              <a:t>에 대해서만 발생</a:t>
+            </a:r>
+            <a:endParaRPr lang="en-US" altLang="ko-KR" dirty="0"/>
+          </a:p>
+          <a:p>
+            <a:pPr marL="285750" indent="-285750">
+              <a:buFont typeface="Arial" panose="020B0604020202020204" pitchFamily="34" charset="0"/>
+              <a:buChar char="•"/>
+            </a:pPr>
+            <a:endParaRPr lang="en-US" altLang="ko-KR" dirty="0"/>
+          </a:p>
+          <a:p>
+            <a:r>
+              <a:rPr lang="ko-KR" altLang="en-US" dirty="0"/>
+              <a:t>단점</a:t>
+            </a:r>
+            <a:endParaRPr lang="en-US" altLang="ko-KR" dirty="0"/>
+          </a:p>
+          <a:p>
+            <a:pPr marL="285750" indent="-285750">
+              <a:buFont typeface="Arial" panose="020B0604020202020204" pitchFamily="34" charset="0"/>
+              <a:buChar char="•"/>
+            </a:pPr>
+            <a:r>
+              <a:rPr lang="en-US" altLang="ko-KR" dirty="0" err="1"/>
+              <a:t>Apc</a:t>
+            </a:r>
+            <a:r>
+              <a:rPr lang="en-US" altLang="ko-KR" dirty="0"/>
+              <a:t> </a:t>
+            </a:r>
+            <a:r>
+              <a:rPr lang="ko-KR" altLang="en-US" dirty="0"/>
+              <a:t>사용하며 커널 전환 발생함</a:t>
+            </a:r>
+            <a:endParaRPr lang="en-US" altLang="ko-KR" dirty="0"/>
+          </a:p>
+          <a:p>
+            <a:pPr marL="742950" lvl="1" indent="-285750">
+              <a:buFont typeface="Arial" panose="020B0604020202020204" pitchFamily="34" charset="0"/>
+              <a:buChar char="•"/>
+            </a:pPr>
+            <a:r>
+              <a:rPr lang="en-US" altLang="ko-KR" dirty="0"/>
+              <a:t>APC Queue Enqueue</a:t>
+            </a:r>
+          </a:p>
+          <a:p>
+            <a:pPr marL="742950" lvl="1" indent="-285750">
+              <a:buFont typeface="Arial" panose="020B0604020202020204" pitchFamily="34" charset="0"/>
+              <a:buChar char="•"/>
+            </a:pPr>
+            <a:r>
+              <a:rPr lang="en-US" altLang="ko-KR" dirty="0" err="1"/>
+              <a:t>SleepEx</a:t>
+            </a:r>
+            <a:endParaRPr lang="en-US" altLang="ko-KR" dirty="0"/>
           </a:p>
         </p:txBody>
       </p:sp>
     </p:spTree>
     <p:extLst>
       <p:ext uri="{BB962C8B-B14F-4D97-AF65-F5344CB8AC3E}">
-        <p14:creationId xmlns:p14="http://schemas.microsoft.com/office/powerpoint/2010/main" val="1054570459"/>
-      </p:ext>
-    </p:extLst>
-  </p:cSld>
-  <p:clrMapOvr>
-    <a:masterClrMapping/>
-  </p:clrMapOvr>
-</p:sld>
-</file>
-
-<file path=ppt/slides/slide3.xml><?xml version="1.0" encoding="utf-8"?>
-<p:sld xmlns:a="http://schemas.openxmlformats.org/drawingml/2006/main" xmlns:r="http://schemas.openxmlformats.org/officeDocument/2006/relationships" xmlns:p="http://schemas.openxmlformats.org/presentationml/2006/main">
-  <p:cSld>
-    <p:spTree>
-      <p:nvGrpSpPr>
-        <p:cNvPr id="1" name="">
-          <a:extLst>
-            <a:ext uri="{FF2B5EF4-FFF2-40B4-BE49-F238E27FC236}">
-              <a16:creationId xmlns:a16="http://schemas.microsoft.com/office/drawing/2014/main" id="{2249EBEC-14E2-19FE-D866-D62B5416EE81}"/>
-            </a:ext>
-          </a:extLst>
-        </p:cNvPr>
-        <p:cNvGrpSpPr/>
-        <p:nvPr/>
-      </p:nvGrpSpPr>
-      <p:grpSpPr>
-        <a:xfrm>
-          <a:off x="0" y="0"/>
-          <a:ext cx="0" cy="0"/>
-          <a:chOff x="0" y="0"/>
-          <a:chExt cx="0" cy="0"/>
-        </a:xfrm>
-      </p:grpSpPr>
-      <p:sp>
-        <p:nvSpPr>
-          <p:cNvPr id="2" name="제목 1">
-            <a:extLst>
-              <a:ext uri="{FF2B5EF4-FFF2-40B4-BE49-F238E27FC236}">
-                <a16:creationId xmlns:a16="http://schemas.microsoft.com/office/drawing/2014/main" id="{D9B01332-3951-61B2-2DEC-DF0973346270}"/>
-              </a:ext>
-            </a:extLst>
-          </p:cNvPr>
-          <p:cNvSpPr>
-            <a:spLocks noGrp="1"/>
-          </p:cNvSpPr>
-          <p:nvPr>
-            <p:ph type="ctrTitle"/>
-          </p:nvPr>
-        </p:nvSpPr>
-        <p:spPr>
-          <a:xfrm>
-            <a:off x="247650" y="610063"/>
-            <a:ext cx="9144000" cy="658812"/>
-          </a:xfrm>
-        </p:spPr>
-        <p:txBody>
-          <a:bodyPr>
-            <a:normAutofit/>
-          </a:bodyPr>
-          <a:lstStyle/>
-          <a:p>
-            <a:pPr algn="l"/>
-            <a:r>
-              <a:rPr lang="en-US" altLang="ko-KR" sz="3600" dirty="0"/>
-              <a:t>3. </a:t>
-            </a:r>
-            <a:r>
-              <a:rPr lang="ko-KR" altLang="en-US" sz="3600" dirty="0"/>
-              <a:t>해결법</a:t>
-            </a:r>
-          </a:p>
-        </p:txBody>
-      </p:sp>
-      <p:sp>
-        <p:nvSpPr>
-          <p:cNvPr id="3" name="부제목 2">
-            <a:extLst>
-              <a:ext uri="{FF2B5EF4-FFF2-40B4-BE49-F238E27FC236}">
-                <a16:creationId xmlns:a16="http://schemas.microsoft.com/office/drawing/2014/main" id="{82ECA3B4-1ADF-FDD0-3DE1-66C62419B5A7}"/>
-              </a:ext>
-            </a:extLst>
-          </p:cNvPr>
-          <p:cNvSpPr>
-            <a:spLocks noGrp="1"/>
-          </p:cNvSpPr>
-          <p:nvPr>
-            <p:ph type="subTitle" idx="1"/>
-          </p:nvPr>
-        </p:nvSpPr>
-        <p:spPr>
-          <a:xfrm>
-            <a:off x="679934" y="1501761"/>
-            <a:ext cx="9322054" cy="4955021"/>
-          </a:xfrm>
-        </p:spPr>
-        <p:txBody>
-          <a:bodyPr>
-            <a:normAutofit/>
-          </a:bodyPr>
-          <a:lstStyle/>
-          <a:p>
-            <a:pPr marL="457200" indent="-457200" algn="l">
-              <a:buFont typeface="+mj-lt"/>
-              <a:buAutoNum type="arabicPeriod"/>
-            </a:pPr>
-            <a:r>
-              <a:rPr lang="en-US" altLang="ko-KR" sz="2000" dirty="0"/>
-              <a:t>Update </a:t>
-            </a:r>
-            <a:r>
-              <a:rPr lang="ko-KR" altLang="en-US" sz="2000" dirty="0"/>
-              <a:t>함수에서 실패를 리턴</a:t>
-            </a:r>
-            <a:endParaRPr lang="en-US" altLang="ko-KR" sz="2000" dirty="0"/>
-          </a:p>
-          <a:p>
-            <a:pPr marL="914400" lvl="1" indent="-457200" algn="l">
-              <a:buFont typeface="Arial" panose="020B0604020202020204" pitchFamily="34" charset="0"/>
-              <a:buChar char="•"/>
-            </a:pPr>
-            <a:r>
-              <a:rPr lang="ko-KR" altLang="en-US" sz="1600" dirty="0"/>
-              <a:t>실패한 메시지에 대해 </a:t>
-            </a:r>
-            <a:r>
-              <a:rPr lang="en-US" altLang="ko-KR" sz="1600" dirty="0" err="1"/>
-              <a:t>CChatServer</a:t>
-            </a:r>
-            <a:r>
-              <a:rPr lang="en-US" altLang="ko-KR" sz="1600" dirty="0"/>
-              <a:t> </a:t>
-            </a:r>
-            <a:r>
-              <a:rPr lang="ko-KR" altLang="en-US" sz="1600" dirty="0"/>
-              <a:t>멤버 변수로 잠깐 저장</a:t>
-            </a:r>
-            <a:endParaRPr lang="en-US" altLang="ko-KR" sz="1600" dirty="0"/>
-          </a:p>
-          <a:p>
-            <a:pPr marL="914400" lvl="1" indent="-457200" algn="l">
-              <a:buFont typeface="Arial" panose="020B0604020202020204" pitchFamily="34" charset="0"/>
-              <a:buChar char="•"/>
-            </a:pPr>
-            <a:r>
-              <a:rPr lang="en-US" altLang="ko-KR" sz="1600" dirty="0"/>
-              <a:t>Update </a:t>
-            </a:r>
-            <a:r>
-              <a:rPr lang="ko-KR" altLang="en-US" sz="1600" dirty="0"/>
-              <a:t>함수의 </a:t>
-            </a:r>
-            <a:r>
-              <a:rPr lang="en-US" altLang="ko-KR" sz="1600" dirty="0" err="1"/>
-              <a:t>prevTick</a:t>
-            </a:r>
-            <a:r>
-              <a:rPr lang="en-US" altLang="ko-KR" sz="1600" dirty="0"/>
-              <a:t>(</a:t>
-            </a:r>
-            <a:r>
-              <a:rPr lang="ko-KR" altLang="en-US" sz="1600" dirty="0"/>
-              <a:t>프레임 기반</a:t>
-            </a:r>
-            <a:r>
-              <a:rPr lang="en-US" altLang="ko-KR" sz="1600" dirty="0"/>
-              <a:t>)</a:t>
-            </a:r>
-            <a:r>
-              <a:rPr lang="ko-KR" altLang="en-US" sz="1600" dirty="0"/>
-              <a:t>은 더하지 않음</a:t>
-            </a:r>
-            <a:endParaRPr lang="en-US" altLang="ko-KR" sz="1600" dirty="0"/>
-          </a:p>
-          <a:p>
-            <a:pPr marL="457200" indent="-457200" algn="l">
-              <a:buFont typeface="+mj-lt"/>
-              <a:buAutoNum type="arabicPeriod"/>
-            </a:pPr>
-            <a:r>
-              <a:rPr lang="en-US" altLang="ko-KR" sz="2000" dirty="0" err="1"/>
-              <a:t>SleepEx</a:t>
-            </a:r>
-            <a:r>
-              <a:rPr lang="en-US" altLang="ko-KR" sz="2000" dirty="0"/>
-              <a:t>(0) </a:t>
-            </a:r>
-            <a:r>
-              <a:rPr lang="ko-KR" altLang="en-US" sz="2000" dirty="0"/>
-              <a:t>호출로 </a:t>
-            </a:r>
-            <a:r>
-              <a:rPr lang="en-US" altLang="ko-KR" sz="2000" dirty="0" err="1"/>
-              <a:t>Alertable</a:t>
-            </a:r>
-            <a:r>
-              <a:rPr lang="en-US" altLang="ko-KR" sz="2000" dirty="0"/>
-              <a:t> Wait </a:t>
-            </a:r>
-            <a:r>
-              <a:rPr lang="ko-KR" altLang="en-US" sz="2000" dirty="0"/>
-              <a:t>상태 유도</a:t>
-            </a:r>
-            <a:endParaRPr lang="en-US" altLang="ko-KR" sz="2000" dirty="0"/>
-          </a:p>
-          <a:p>
-            <a:pPr marL="914400" lvl="1" indent="-457200" algn="l">
-              <a:buFont typeface="Arial" panose="020B0604020202020204" pitchFamily="34" charset="0"/>
-              <a:buChar char="•"/>
-            </a:pPr>
-            <a:r>
-              <a:rPr lang="ko-KR" altLang="en-US" sz="1600" dirty="0"/>
-              <a:t>여기서 </a:t>
-            </a:r>
-            <a:r>
-              <a:rPr lang="en-US" altLang="ko-KR" sz="1600" dirty="0"/>
-              <a:t>Player </a:t>
-            </a:r>
-            <a:r>
-              <a:rPr lang="ko-KR" altLang="en-US" sz="1600" dirty="0"/>
-              <a:t>객체 생성이 이젠 확실히 될 것임</a:t>
-            </a:r>
-            <a:endParaRPr lang="en-US" altLang="ko-KR" sz="1600" dirty="0"/>
-          </a:p>
-          <a:p>
-            <a:pPr marL="457200" indent="-457200" algn="l">
-              <a:buFont typeface="+mj-lt"/>
-              <a:buAutoNum type="arabicPeriod"/>
-            </a:pPr>
-            <a:r>
-              <a:rPr lang="en-US" altLang="ko-KR" sz="2000" dirty="0"/>
-              <a:t>Update </a:t>
-            </a:r>
-            <a:r>
-              <a:rPr lang="ko-KR" altLang="en-US" sz="2000" dirty="0"/>
-              <a:t>함수를 재시도함</a:t>
-            </a:r>
-            <a:endParaRPr lang="en-US" altLang="ko-KR" sz="2000" dirty="0"/>
-          </a:p>
-          <a:p>
-            <a:pPr marL="914400" lvl="1" indent="-457200" algn="l">
-              <a:buFont typeface="Arial" panose="020B0604020202020204" pitchFamily="34" charset="0"/>
-              <a:buChar char="•"/>
-            </a:pPr>
-            <a:r>
-              <a:rPr lang="ko-KR" altLang="en-US" sz="1600" dirty="0"/>
-              <a:t>실패한 메시지가 있었다면 그거부터 재시작</a:t>
-            </a:r>
-            <a:endParaRPr lang="en-US" altLang="ko-KR" sz="1600" dirty="0"/>
-          </a:p>
-          <a:p>
-            <a:pPr marL="914400" lvl="1" indent="-457200" algn="l">
-              <a:buFont typeface="Arial" panose="020B0604020202020204" pitchFamily="34" charset="0"/>
-              <a:buChar char="•"/>
-            </a:pPr>
-            <a:r>
-              <a:rPr lang="ko-KR" altLang="en-US" sz="1600" dirty="0"/>
-              <a:t>이후 </a:t>
-            </a:r>
-            <a:r>
-              <a:rPr lang="en-US" altLang="ko-KR" sz="1600" dirty="0"/>
-              <a:t>Job </a:t>
-            </a:r>
-            <a:r>
-              <a:rPr lang="ko-KR" altLang="en-US" sz="1600"/>
-              <a:t>큐에 있는 거 처리</a:t>
-            </a:r>
-            <a:endParaRPr lang="en-US" altLang="ko-KR" sz="1600" dirty="0"/>
-          </a:p>
-          <a:p>
-            <a:pPr algn="l"/>
-            <a:endParaRPr lang="en-US" altLang="ko-KR" sz="2000" dirty="0"/>
-          </a:p>
-        </p:txBody>
-      </p:sp>
-    </p:spTree>
-    <p:extLst>
-      <p:ext uri="{BB962C8B-B14F-4D97-AF65-F5344CB8AC3E}">
-        <p14:creationId xmlns:p14="http://schemas.microsoft.com/office/powerpoint/2010/main" val="1846554437"/>
+        <p14:creationId xmlns:p14="http://schemas.microsoft.com/office/powerpoint/2010/main" val="3026181913"/>
       </p:ext>
     </p:extLst>
   </p:cSld>
@@ -4345,7 +6511,7 @@
             <a:pPr algn="l"/>
             <a:r>
               <a:rPr lang="en-US" altLang="ko-KR" sz="3600" dirty="0"/>
-              <a:t>3. </a:t>
+              <a:t>4. </a:t>
             </a:r>
             <a:r>
               <a:rPr lang="ko-KR" altLang="en-US" sz="3600" dirty="0"/>
@@ -4430,7 +6596,7 @@
             <a:pPr algn="l"/>
             <a:r>
               <a:rPr lang="ko-KR" altLang="en-US" sz="2000" dirty="0"/>
-              <a:t>처음 설계해본 채팅서버 프레임 스레드</a:t>
+              <a:t>채팅서버 프레임 스레드</a:t>
             </a:r>
             <a:endParaRPr lang="en-US" altLang="ko-KR" sz="2000" dirty="0"/>
           </a:p>
@@ -4440,24 +6606,8 @@
               <a:buChar char="•"/>
             </a:pPr>
             <a:r>
-              <a:rPr lang="en-US" altLang="ko-KR" sz="2000" dirty="0" err="1"/>
-              <a:t>OnUpdate</a:t>
-            </a:r>
-            <a:r>
-              <a:rPr lang="en-US" altLang="ko-KR" sz="2000" dirty="0"/>
-              <a:t> </a:t>
-            </a:r>
-            <a:r>
               <a:rPr lang="ko-KR" altLang="en-US" sz="2000" dirty="0"/>
-              <a:t>콜백함수로 </a:t>
-            </a:r>
-            <a:r>
-              <a:rPr lang="en-US" altLang="ko-KR" sz="2000" dirty="0"/>
-              <a:t>Update </a:t>
-            </a:r>
-            <a:r>
-              <a:rPr lang="ko-KR" altLang="en-US" sz="2000" dirty="0"/>
-              <a:t>프레임 구현</a:t>
+              <a:t>사실상 네트워크 라이브러리 스레드</a:t>
             </a:r>
             <a:endParaRPr lang="en-US" altLang="ko-KR" sz="2000" dirty="0"/>
           </a:p>
@@ -4467,12 +6617,8 @@
               <a:buChar char="•"/>
             </a:pPr>
             <a:r>
-              <a:rPr lang="ko-KR" altLang="en-US" sz="2000" dirty="0"/>
-              <a:t>반환 값으로 </a:t>
-            </a:r>
-            <a:r>
               <a:rPr lang="en-US" altLang="ko-KR" sz="2000" dirty="0" err="1"/>
-              <a:t>SleepEx</a:t>
+              <a:t>OnUpdate</a:t>
             </a:r>
             <a:r>
               <a:rPr lang="en-US" altLang="ko-KR" sz="2000" dirty="0"/>
@@ -4480,15 +6626,15 @@
             </a:r>
             <a:r>
               <a:rPr lang="ko-KR" altLang="en-US" sz="2000" dirty="0"/>
-              <a:t>함수의 </a:t>
-            </a:r>
-            <a:r>
-              <a:rPr lang="ko-KR" altLang="en-US" sz="2000" dirty="0" err="1"/>
-              <a:t>블락</a:t>
+              <a:t>콜백함수로 </a:t>
+            </a:r>
+            <a:r>
+              <a:rPr lang="en-US" altLang="ko-KR" sz="2000" dirty="0"/>
+              <a:t>Update </a:t>
             </a:r>
             <a:r>
               <a:rPr lang="ko-KR" altLang="en-US" sz="2000" dirty="0"/>
-              <a:t> 타임 결정</a:t>
+              <a:t>프레임 구현</a:t>
             </a:r>
             <a:endParaRPr lang="en-US" altLang="ko-KR" sz="2000" dirty="0"/>
           </a:p>
@@ -4498,8 +6644,12 @@
               <a:buChar char="•"/>
             </a:pPr>
             <a:r>
+              <a:rPr lang="ko-KR" altLang="en-US" sz="2000" dirty="0"/>
+              <a:t>반환 값으로 </a:t>
+            </a:r>
+            <a:r>
               <a:rPr lang="en-US" altLang="ko-KR" sz="2000" dirty="0" err="1"/>
-              <a:t>OnHeartBeat</a:t>
+              <a:t>SleepEx</a:t>
             </a:r>
             <a:r>
               <a:rPr lang="en-US" altLang="ko-KR" sz="2000" dirty="0"/>
@@ -4507,44 +6657,49 @@
             </a:r>
             <a:r>
               <a:rPr lang="ko-KR" altLang="en-US" sz="2000" dirty="0"/>
-              <a:t>콜백함수로 끊어줄 세션 결정</a:t>
+              <a:t>함수의 </a:t>
+            </a:r>
+            <a:r>
+              <a:rPr lang="ko-KR" altLang="en-US" sz="2000" dirty="0" err="1"/>
+              <a:t>블락</a:t>
+            </a:r>
+            <a:r>
+              <a:rPr lang="ko-KR" altLang="en-US" sz="2000" dirty="0"/>
+              <a:t> 타임 결정</a:t>
             </a:r>
             <a:endParaRPr lang="en-US" altLang="ko-KR" sz="2000" dirty="0"/>
-          </a:p>
-          <a:p>
-            <a:pPr marL="800100" lvl="1" indent="-342900" algn="l">
-              <a:buFont typeface="Arial" panose="020B0604020202020204" pitchFamily="34" charset="0"/>
-              <a:buChar char="•"/>
-            </a:pPr>
-            <a:r>
-              <a:rPr lang="ko-KR" altLang="en-US" sz="1600" dirty="0"/>
-              <a:t>여기서 </a:t>
-            </a:r>
-            <a:r>
-              <a:rPr lang="en-US" altLang="ko-KR" sz="1600" dirty="0"/>
-              <a:t>Disconnect </a:t>
-            </a:r>
-            <a:r>
-              <a:rPr lang="ko-KR" altLang="en-US" sz="1600" dirty="0"/>
-              <a:t>호출</a:t>
-            </a:r>
-            <a:endParaRPr lang="en-US" altLang="ko-KR" sz="1600" dirty="0"/>
           </a:p>
           <a:p>
             <a:pPr marL="342900" indent="-342900" algn="l">
               <a:buFont typeface="Arial" panose="020B0604020202020204" pitchFamily="34" charset="0"/>
               <a:buChar char="•"/>
             </a:pPr>
+            <a:r>
+              <a:rPr lang="en-US" altLang="ko-KR" sz="2000" dirty="0" err="1"/>
+              <a:t>OnHeartBeat</a:t>
+            </a:r>
+            <a:r>
+              <a:rPr lang="en-US" altLang="ko-KR" sz="2000" dirty="0"/>
+              <a:t> </a:t>
+            </a:r>
+            <a:r>
+              <a:rPr lang="ko-KR" altLang="en-US" sz="2000" dirty="0"/>
+              <a:t>콜백함수로 끊어줄 세션 결정</a:t>
+            </a:r>
+            <a:endParaRPr lang="en-US" altLang="ko-KR" sz="2000" dirty="0"/>
+          </a:p>
+          <a:p>
+            <a:pPr algn="l"/>
             <a:endParaRPr lang="en-US" altLang="ko-KR" sz="2000" dirty="0"/>
           </a:p>
         </p:txBody>
       </p:sp>
       <p:pic>
         <p:nvPicPr>
-          <p:cNvPr id="5" name="그림 4">
-            <a:extLst>
-              <a:ext uri="{FF2B5EF4-FFF2-40B4-BE49-F238E27FC236}">
-                <a16:creationId xmlns:a16="http://schemas.microsoft.com/office/drawing/2014/main" id="{972FA149-3ECD-0912-6048-AEDD62E23CB2}"/>
+          <p:cNvPr id="6" name="그림 5">
+            <a:extLst>
+              <a:ext uri="{FF2B5EF4-FFF2-40B4-BE49-F238E27FC236}">
+                <a16:creationId xmlns:a16="http://schemas.microsoft.com/office/drawing/2014/main" id="{83ABB5F0-3F40-DA04-A780-E9B1F3CE8C13}"/>
               </a:ext>
             </a:extLst>
           </p:cNvPr>
@@ -4561,8 +6716,8 @@
         </p:blipFill>
         <p:spPr>
           <a:xfrm>
-            <a:off x="6163524" y="939469"/>
-            <a:ext cx="5743575" cy="5114925"/>
+            <a:off x="6797172" y="735406"/>
+            <a:ext cx="4591050" cy="5676900"/>
           </a:xfrm>
           <a:prstGeom prst="rect">
             <a:avLst/>
@@ -4636,7 +6791,7 @@
             <a:pPr algn="l"/>
             <a:r>
               <a:rPr lang="en-US" altLang="ko-KR" sz="3600" dirty="0"/>
-              <a:t>3. </a:t>
+              <a:t>5. </a:t>
             </a:r>
             <a:r>
               <a:rPr lang="en-US" altLang="ko-KR" sz="3600" dirty="0" err="1"/>
@@ -4675,8 +6830,577 @@
         </p:blipFill>
         <p:spPr>
           <a:xfrm>
-            <a:off x="458561" y="2186794"/>
-            <a:ext cx="4295775" cy="3000375"/>
+            <a:off x="247650" y="2458160"/>
+            <a:ext cx="3404313" cy="2377735"/>
+          </a:xfrm>
+          <a:prstGeom prst="rect">
+            <a:avLst/>
+          </a:prstGeom>
+        </p:spPr>
+      </p:pic>
+      <p:pic>
+        <p:nvPicPr>
+          <p:cNvPr id="4" name="그림 3">
+            <a:extLst>
+              <a:ext uri="{FF2B5EF4-FFF2-40B4-BE49-F238E27FC236}">
+                <a16:creationId xmlns:a16="http://schemas.microsoft.com/office/drawing/2014/main" id="{694E36CA-6C35-BD47-7B85-39EB8C362F50}"/>
+              </a:ext>
+            </a:extLst>
+          </p:cNvPr>
+          <p:cNvPicPr>
+            <a:picLocks noChangeAspect="1"/>
+          </p:cNvPicPr>
+          <p:nvPr/>
+        </p:nvPicPr>
+        <p:blipFill>
+          <a:blip r:embed="rId3"/>
+          <a:stretch>
+            <a:fillRect/>
+          </a:stretch>
+        </p:blipFill>
+        <p:spPr>
+          <a:xfrm>
+            <a:off x="3543300" y="2978637"/>
+            <a:ext cx="5724525" cy="3209925"/>
+          </a:xfrm>
+          <a:prstGeom prst="rect">
+            <a:avLst/>
+          </a:prstGeom>
+        </p:spPr>
+      </p:pic>
+      <p:pic>
+        <p:nvPicPr>
+          <p:cNvPr id="6" name="그림 5">
+            <a:extLst>
+              <a:ext uri="{FF2B5EF4-FFF2-40B4-BE49-F238E27FC236}">
+                <a16:creationId xmlns:a16="http://schemas.microsoft.com/office/drawing/2014/main" id="{4601C99A-4352-6EEC-21D6-FB23EF7EEBC6}"/>
+              </a:ext>
+            </a:extLst>
+          </p:cNvPr>
+          <p:cNvPicPr>
+            <a:picLocks noChangeAspect="1"/>
+          </p:cNvPicPr>
+          <p:nvPr/>
+        </p:nvPicPr>
+        <p:blipFill>
+          <a:blip r:embed="rId4"/>
+          <a:stretch>
+            <a:fillRect/>
+          </a:stretch>
+        </p:blipFill>
+        <p:spPr>
+          <a:xfrm>
+            <a:off x="7015162" y="957471"/>
+            <a:ext cx="4505325" cy="3762375"/>
+          </a:xfrm>
+          <a:prstGeom prst="rect">
+            <a:avLst/>
+          </a:prstGeom>
+        </p:spPr>
+      </p:pic>
+      <p:cxnSp>
+        <p:nvCxnSpPr>
+          <p:cNvPr id="10" name="직선 화살표 연결선 9">
+            <a:extLst>
+              <a:ext uri="{FF2B5EF4-FFF2-40B4-BE49-F238E27FC236}">
+                <a16:creationId xmlns:a16="http://schemas.microsoft.com/office/drawing/2014/main" id="{CC5B9052-D1C0-343B-933E-0BFA9092F569}"/>
+              </a:ext>
+            </a:extLst>
+          </p:cNvPr>
+          <p:cNvCxnSpPr/>
+          <p:nvPr/>
+        </p:nvCxnSpPr>
+        <p:spPr>
+          <a:xfrm flipV="1">
+            <a:off x="1171575" y="3647027"/>
+            <a:ext cx="2571750" cy="467773"/>
+          </a:xfrm>
+          <a:prstGeom prst="straightConnector1">
+            <a:avLst/>
+          </a:prstGeom>
+          <a:ln>
+            <a:solidFill>
+              <a:srgbClr val="FF0000"/>
+            </a:solidFill>
+            <a:tailEnd type="triangle"/>
+          </a:ln>
+        </p:spPr>
+        <p:style>
+          <a:lnRef idx="2">
+            <a:schemeClr val="accent1"/>
+          </a:lnRef>
+          <a:fillRef idx="0">
+            <a:schemeClr val="accent1"/>
+          </a:fillRef>
+          <a:effectRef idx="1">
+            <a:schemeClr val="accent1"/>
+          </a:effectRef>
+          <a:fontRef idx="minor">
+            <a:schemeClr val="tx1"/>
+          </a:fontRef>
+        </p:style>
+      </p:cxnSp>
+      <p:cxnSp>
+        <p:nvCxnSpPr>
+          <p:cNvPr id="13" name="직선 화살표 연결선 12">
+            <a:extLst>
+              <a:ext uri="{FF2B5EF4-FFF2-40B4-BE49-F238E27FC236}">
+                <a16:creationId xmlns:a16="http://schemas.microsoft.com/office/drawing/2014/main" id="{AFC9F7F6-A70B-479B-51FC-599A1B3A4D1A}"/>
+              </a:ext>
+            </a:extLst>
+          </p:cNvPr>
+          <p:cNvCxnSpPr/>
+          <p:nvPr/>
+        </p:nvCxnSpPr>
+        <p:spPr>
+          <a:xfrm flipV="1">
+            <a:off x="6096000" y="1991762"/>
+            <a:ext cx="1436483" cy="3087232"/>
+          </a:xfrm>
+          <a:prstGeom prst="straightConnector1">
+            <a:avLst/>
+          </a:prstGeom>
+          <a:ln>
+            <a:solidFill>
+              <a:srgbClr val="FF0000"/>
+            </a:solidFill>
+            <a:tailEnd type="triangle"/>
+          </a:ln>
+        </p:spPr>
+        <p:style>
+          <a:lnRef idx="2">
+            <a:schemeClr val="accent1"/>
+          </a:lnRef>
+          <a:fillRef idx="0">
+            <a:schemeClr val="accent1"/>
+          </a:fillRef>
+          <a:effectRef idx="1">
+            <a:schemeClr val="accent1"/>
+          </a:effectRef>
+          <a:fontRef idx="minor">
+            <a:schemeClr val="tx1"/>
+          </a:fontRef>
+        </p:style>
+      </p:cxnSp>
+    </p:spTree>
+    <p:extLst>
+      <p:ext uri="{BB962C8B-B14F-4D97-AF65-F5344CB8AC3E}">
+        <p14:creationId xmlns:p14="http://schemas.microsoft.com/office/powerpoint/2010/main" val="1477940003"/>
+      </p:ext>
+    </p:extLst>
+  </p:cSld>
+  <p:clrMapOvr>
+    <a:masterClrMapping/>
+  </p:clrMapOvr>
+</p:sld>
+</file>
+
+<file path=ppt/slides/slide6.xml><?xml version="1.0" encoding="utf-8"?>
+<p:sld xmlns:a="http://schemas.openxmlformats.org/drawingml/2006/main" xmlns:r="http://schemas.openxmlformats.org/officeDocument/2006/relationships" xmlns:p="http://schemas.openxmlformats.org/presentationml/2006/main">
+  <p:cSld>
+    <p:spTree>
+      <p:nvGrpSpPr>
+        <p:cNvPr id="1" name="">
+          <a:extLst>
+            <a:ext uri="{FF2B5EF4-FFF2-40B4-BE49-F238E27FC236}">
+              <a16:creationId xmlns:a16="http://schemas.microsoft.com/office/drawing/2014/main" id="{B1A9F34B-D1AB-368C-4424-29648D1DAA96}"/>
+            </a:ext>
+          </a:extLst>
+        </p:cNvPr>
+        <p:cNvGrpSpPr/>
+        <p:nvPr/>
+      </p:nvGrpSpPr>
+      <p:grpSpPr>
+        <a:xfrm>
+          <a:off x="0" y="0"/>
+          <a:ext cx="0" cy="0"/>
+          <a:chOff x="0" y="0"/>
+          <a:chExt cx="0" cy="0"/>
+        </a:xfrm>
+      </p:grpSpPr>
+      <p:sp>
+        <p:nvSpPr>
+          <p:cNvPr id="2" name="제목 1">
+            <a:extLst>
+              <a:ext uri="{FF2B5EF4-FFF2-40B4-BE49-F238E27FC236}">
+                <a16:creationId xmlns:a16="http://schemas.microsoft.com/office/drawing/2014/main" id="{A89211B6-22D4-1B48-FF23-E81F7C69BAC4}"/>
+              </a:ext>
+            </a:extLst>
+          </p:cNvPr>
+          <p:cNvSpPr>
+            <a:spLocks noGrp="1"/>
+          </p:cNvSpPr>
+          <p:nvPr>
+            <p:ph type="ctrTitle"/>
+          </p:nvPr>
+        </p:nvSpPr>
+        <p:spPr>
+          <a:xfrm>
+            <a:off x="247650" y="610063"/>
+            <a:ext cx="9144000" cy="658812"/>
+          </a:xfrm>
+        </p:spPr>
+        <p:txBody>
+          <a:bodyPr>
+            <a:normAutofit/>
+          </a:bodyPr>
+          <a:lstStyle/>
+          <a:p>
+            <a:pPr algn="l"/>
+            <a:r>
+              <a:rPr lang="en-US" altLang="ko-KR" sz="3600" dirty="0"/>
+              <a:t>6. Login </a:t>
+            </a:r>
+            <a:r>
+              <a:rPr lang="ko-KR" altLang="en-US" sz="3600" dirty="0"/>
+              <a:t>메시지 처리</a:t>
+            </a:r>
+          </a:p>
+        </p:txBody>
+      </p:sp>
+      <p:sp>
+        <p:nvSpPr>
+          <p:cNvPr id="7" name="TextBox 6">
+            <a:extLst>
+              <a:ext uri="{FF2B5EF4-FFF2-40B4-BE49-F238E27FC236}">
+                <a16:creationId xmlns:a16="http://schemas.microsoft.com/office/drawing/2014/main" id="{FA692276-97F3-A4A2-8D78-443FDCEDED2F}"/>
+              </a:ext>
+            </a:extLst>
+          </p:cNvPr>
+          <p:cNvSpPr txBox="1"/>
+          <p:nvPr/>
+        </p:nvSpPr>
+        <p:spPr>
+          <a:xfrm>
+            <a:off x="531207" y="1748730"/>
+            <a:ext cx="4508626" cy="646331"/>
+          </a:xfrm>
+          <a:prstGeom prst="rect">
+            <a:avLst/>
+          </a:prstGeom>
+          <a:noFill/>
+        </p:spPr>
+        <p:txBody>
+          <a:bodyPr wrap="square" rtlCol="0">
+            <a:spAutoFit/>
+          </a:bodyPr>
+          <a:lstStyle/>
+          <a:p>
+            <a:r>
+              <a:rPr lang="en-US" altLang="ko-KR" dirty="0" err="1"/>
+              <a:t>CChatServer</a:t>
+            </a:r>
+            <a:r>
+              <a:rPr lang="ko-KR" altLang="en-US" dirty="0"/>
+              <a:t>에서 나누어서 관리</a:t>
+            </a:r>
+            <a:endParaRPr lang="en-US" altLang="ko-KR" dirty="0"/>
+          </a:p>
+          <a:p>
+            <a:pPr marL="285750" indent="-285750">
+              <a:buFont typeface="Arial" panose="020B0604020202020204" pitchFamily="34" charset="0"/>
+              <a:buChar char="•"/>
+            </a:pPr>
+            <a:r>
+              <a:rPr lang="en-US" altLang="ko-KR" dirty="0" err="1"/>
+              <a:t>HeartBeat</a:t>
+            </a:r>
+            <a:r>
+              <a:rPr lang="en-US" altLang="ko-KR" dirty="0"/>
+              <a:t> </a:t>
+            </a:r>
+            <a:r>
+              <a:rPr lang="ko-KR" altLang="en-US" dirty="0"/>
+              <a:t>처리 때문</a:t>
+            </a:r>
+          </a:p>
+        </p:txBody>
+      </p:sp>
+      <p:grpSp>
+        <p:nvGrpSpPr>
+          <p:cNvPr id="17" name="그룹 16">
+            <a:extLst>
+              <a:ext uri="{FF2B5EF4-FFF2-40B4-BE49-F238E27FC236}">
+                <a16:creationId xmlns:a16="http://schemas.microsoft.com/office/drawing/2014/main" id="{EFE5ED7F-9773-62FA-7399-E03DA0AB76C6}"/>
+              </a:ext>
+            </a:extLst>
+          </p:cNvPr>
+          <p:cNvGrpSpPr/>
+          <p:nvPr/>
+        </p:nvGrpSpPr>
+        <p:grpSpPr>
+          <a:xfrm>
+            <a:off x="531207" y="2228671"/>
+            <a:ext cx="9005039" cy="1200329"/>
+            <a:chOff x="510153" y="1840273"/>
+            <a:chExt cx="9005039" cy="1200329"/>
+          </a:xfrm>
+        </p:grpSpPr>
+        <p:pic>
+          <p:nvPicPr>
+            <p:cNvPr id="5" name="그림 4">
+              <a:extLst>
+                <a:ext uri="{FF2B5EF4-FFF2-40B4-BE49-F238E27FC236}">
+                  <a16:creationId xmlns:a16="http://schemas.microsoft.com/office/drawing/2014/main" id="{BAA58536-11C9-4467-8DA2-CB282BE2594D}"/>
+                </a:ext>
+              </a:extLst>
+            </p:cNvPr>
+            <p:cNvPicPr>
+              <a:picLocks noChangeAspect="1"/>
+            </p:cNvPicPr>
+            <p:nvPr/>
+          </p:nvPicPr>
+          <p:blipFill>
+            <a:blip r:embed="rId2"/>
+            <a:stretch>
+              <a:fillRect/>
+            </a:stretch>
+          </p:blipFill>
+          <p:spPr>
+            <a:xfrm>
+              <a:off x="510153" y="2006663"/>
+              <a:ext cx="5095875" cy="590550"/>
+            </a:xfrm>
+            <a:prstGeom prst="rect">
+              <a:avLst/>
+            </a:prstGeom>
+          </p:spPr>
+        </p:pic>
+        <p:sp>
+          <p:nvSpPr>
+            <p:cNvPr id="8" name="TextBox 7">
+              <a:extLst>
+                <a:ext uri="{FF2B5EF4-FFF2-40B4-BE49-F238E27FC236}">
+                  <a16:creationId xmlns:a16="http://schemas.microsoft.com/office/drawing/2014/main" id="{9F2E8145-3EC5-C324-C7AA-3A501A7CBBF0}"/>
+                </a:ext>
+              </a:extLst>
+            </p:cNvPr>
+            <p:cNvSpPr txBox="1"/>
+            <p:nvPr/>
+          </p:nvSpPr>
+          <p:spPr>
+            <a:xfrm>
+              <a:off x="5848539" y="1840273"/>
+              <a:ext cx="3666653" cy="1200329"/>
+            </a:xfrm>
+            <a:prstGeom prst="rect">
+              <a:avLst/>
+            </a:prstGeom>
+            <a:noFill/>
+          </p:spPr>
+          <p:txBody>
+            <a:bodyPr wrap="square" rtlCol="0">
+              <a:spAutoFit/>
+            </a:bodyPr>
+            <a:lstStyle/>
+            <a:p>
+              <a:r>
+                <a:rPr lang="en-US" altLang="ko-KR" dirty="0" err="1"/>
+                <a:t>OnAccept</a:t>
+              </a:r>
+              <a:r>
+                <a:rPr lang="ko-KR" altLang="en-US" dirty="0"/>
+                <a:t>에서 생성</a:t>
+              </a:r>
+              <a:endParaRPr lang="en-US" altLang="ko-KR" dirty="0"/>
+            </a:p>
+            <a:p>
+              <a:endParaRPr lang="en-US" altLang="ko-KR" dirty="0"/>
+            </a:p>
+            <a:p>
+              <a:r>
+                <a:rPr lang="en-US" altLang="ko-KR" dirty="0"/>
+                <a:t>Login </a:t>
+              </a:r>
+              <a:r>
+                <a:rPr lang="ko-KR" altLang="en-US" dirty="0"/>
+                <a:t>메시지가 오면 생성</a:t>
+              </a:r>
+              <a:endParaRPr lang="en-US" altLang="ko-KR" dirty="0"/>
+            </a:p>
+            <a:p>
+              <a:pPr marL="285750" indent="-285750">
+                <a:buFont typeface="Arial" panose="020B0604020202020204" pitchFamily="34" charset="0"/>
+                <a:buChar char="•"/>
+              </a:pPr>
+              <a:r>
+                <a:rPr lang="en-US" altLang="ko-KR" dirty="0"/>
+                <a:t>Non-Login</a:t>
+              </a:r>
+              <a:r>
+                <a:rPr lang="ko-KR" altLang="en-US" dirty="0"/>
+                <a:t> </a:t>
+              </a:r>
+              <a:r>
+                <a:rPr lang="en-US" altLang="ko-KR" dirty="0" err="1"/>
+                <a:t>umap</a:t>
+              </a:r>
+              <a:r>
+                <a:rPr lang="ko-KR" altLang="en-US" dirty="0"/>
+                <a:t>에서는 제거</a:t>
+              </a:r>
+            </a:p>
+          </p:txBody>
+        </p:sp>
+        <p:cxnSp>
+          <p:nvCxnSpPr>
+            <p:cNvPr id="11" name="직선 화살표 연결선 10">
+              <a:extLst>
+                <a:ext uri="{FF2B5EF4-FFF2-40B4-BE49-F238E27FC236}">
+                  <a16:creationId xmlns:a16="http://schemas.microsoft.com/office/drawing/2014/main" id="{FE3499EA-F4AF-D4FD-3B3A-FA76AD7B45DF}"/>
+                </a:ext>
+              </a:extLst>
+            </p:cNvPr>
+            <p:cNvCxnSpPr>
+              <a:cxnSpLocks/>
+            </p:cNvCxnSpPr>
+            <p:nvPr/>
+          </p:nvCxnSpPr>
+          <p:spPr>
+            <a:xfrm flipH="1">
+              <a:off x="5486400" y="2091350"/>
+              <a:ext cx="362139" cy="135802"/>
+            </a:xfrm>
+            <a:prstGeom prst="straightConnector1">
+              <a:avLst/>
+            </a:prstGeom>
+            <a:ln>
+              <a:solidFill>
+                <a:srgbClr val="FF0000"/>
+              </a:solidFill>
+              <a:tailEnd type="triangle"/>
+            </a:ln>
+          </p:spPr>
+          <p:style>
+            <a:lnRef idx="2">
+              <a:schemeClr val="accent1"/>
+            </a:lnRef>
+            <a:fillRef idx="0">
+              <a:schemeClr val="accent1"/>
+            </a:fillRef>
+            <a:effectRef idx="1">
+              <a:schemeClr val="accent1"/>
+            </a:effectRef>
+            <a:fontRef idx="minor">
+              <a:schemeClr val="tx1"/>
+            </a:fontRef>
+          </p:style>
+        </p:cxnSp>
+        <p:cxnSp>
+          <p:nvCxnSpPr>
+            <p:cNvPr id="16" name="직선 화살표 연결선 15">
+              <a:extLst>
+                <a:ext uri="{FF2B5EF4-FFF2-40B4-BE49-F238E27FC236}">
+                  <a16:creationId xmlns:a16="http://schemas.microsoft.com/office/drawing/2014/main" id="{5DB810B6-5A48-A9E3-74C8-00ECFE300850}"/>
+                </a:ext>
+              </a:extLst>
+            </p:cNvPr>
+            <p:cNvCxnSpPr/>
+            <p:nvPr/>
+          </p:nvCxnSpPr>
+          <p:spPr>
+            <a:xfrm flipH="1" flipV="1">
+              <a:off x="5486400" y="2507810"/>
+              <a:ext cx="362139" cy="89403"/>
+            </a:xfrm>
+            <a:prstGeom prst="straightConnector1">
+              <a:avLst/>
+            </a:prstGeom>
+            <a:ln>
+              <a:solidFill>
+                <a:srgbClr val="FF0000"/>
+              </a:solidFill>
+              <a:tailEnd type="triangle"/>
+            </a:ln>
+          </p:spPr>
+          <p:style>
+            <a:lnRef idx="2">
+              <a:schemeClr val="accent1"/>
+            </a:lnRef>
+            <a:fillRef idx="0">
+              <a:schemeClr val="accent1"/>
+            </a:fillRef>
+            <a:effectRef idx="1">
+              <a:schemeClr val="accent1"/>
+            </a:effectRef>
+            <a:fontRef idx="minor">
+              <a:schemeClr val="tx1"/>
+            </a:fontRef>
+          </p:style>
+        </p:cxnSp>
+      </p:grpSp>
+      <p:sp>
+        <p:nvSpPr>
+          <p:cNvPr id="18" name="TextBox 17">
+            <a:extLst>
+              <a:ext uri="{FF2B5EF4-FFF2-40B4-BE49-F238E27FC236}">
+                <a16:creationId xmlns:a16="http://schemas.microsoft.com/office/drawing/2014/main" id="{3C45FE9A-B55F-334C-1873-F8F4586520F3}"/>
+              </a:ext>
+            </a:extLst>
+          </p:cNvPr>
+          <p:cNvSpPr txBox="1"/>
+          <p:nvPr/>
+        </p:nvSpPr>
+        <p:spPr>
+          <a:xfrm>
+            <a:off x="531207" y="3426737"/>
+            <a:ext cx="9644888" cy="369332"/>
+          </a:xfrm>
+          <a:prstGeom prst="rect">
+            <a:avLst/>
+          </a:prstGeom>
+          <a:noFill/>
+        </p:spPr>
+        <p:txBody>
+          <a:bodyPr wrap="square" rtlCol="0">
+            <a:spAutoFit/>
+          </a:bodyPr>
+          <a:lstStyle/>
+          <a:p>
+            <a:r>
+              <a:rPr lang="en-US" altLang="ko-KR" dirty="0" err="1"/>
+              <a:t>OnHeartBeat</a:t>
+            </a:r>
+            <a:r>
+              <a:rPr lang="en-US" altLang="ko-KR" dirty="0"/>
+              <a:t> </a:t>
+            </a:r>
+            <a:r>
+              <a:rPr lang="ko-KR" altLang="en-US" dirty="0"/>
+              <a:t>어떻게</a:t>
+            </a:r>
+            <a:r>
+              <a:rPr lang="en-US" altLang="ko-KR" dirty="0"/>
+              <a:t>?</a:t>
+            </a:r>
+            <a:endParaRPr lang="ko-KR" altLang="en-US" dirty="0"/>
+          </a:p>
+        </p:txBody>
+      </p:sp>
+      <p:pic>
+        <p:nvPicPr>
+          <p:cNvPr id="20" name="그림 19">
+            <a:extLst>
+              <a:ext uri="{FF2B5EF4-FFF2-40B4-BE49-F238E27FC236}">
+                <a16:creationId xmlns:a16="http://schemas.microsoft.com/office/drawing/2014/main" id="{FF6888DF-F3C4-FB08-5029-46B3898536CF}"/>
+              </a:ext>
+            </a:extLst>
+          </p:cNvPr>
+          <p:cNvPicPr>
+            <a:picLocks noChangeAspect="1"/>
+          </p:cNvPicPr>
+          <p:nvPr/>
+        </p:nvPicPr>
+        <p:blipFill>
+          <a:blip r:embed="rId3"/>
+          <a:stretch>
+            <a:fillRect/>
+          </a:stretch>
+        </p:blipFill>
+        <p:spPr>
+          <a:xfrm>
+            <a:off x="531207" y="3796069"/>
+            <a:ext cx="3832563" cy="2869198"/>
           </a:xfrm>
           <a:prstGeom prst="rect">
             <a:avLst/>
@@ -4685,10 +7409,260 @@
       </p:pic>
       <p:sp>
         <p:nvSpPr>
-          <p:cNvPr id="19" name="부제목 2">
-            <a:extLst>
-              <a:ext uri="{FF2B5EF4-FFF2-40B4-BE49-F238E27FC236}">
-                <a16:creationId xmlns:a16="http://schemas.microsoft.com/office/drawing/2014/main" id="{89F90C6A-CBD8-9E2C-3C14-BCBF9CFDF234}"/>
+          <p:cNvPr id="21" name="TextBox 20">
+            <a:extLst>
+              <a:ext uri="{FF2B5EF4-FFF2-40B4-BE49-F238E27FC236}">
+                <a16:creationId xmlns:a16="http://schemas.microsoft.com/office/drawing/2014/main" id="{DFF97ADC-6FE4-A5BE-DE3C-D0E769B2BA75}"/>
+              </a:ext>
+            </a:extLst>
+          </p:cNvPr>
+          <p:cNvSpPr txBox="1"/>
+          <p:nvPr/>
+        </p:nvSpPr>
+        <p:spPr>
+          <a:xfrm>
+            <a:off x="4707802" y="3796069"/>
+            <a:ext cx="5278170" cy="1754326"/>
+          </a:xfrm>
+          <a:prstGeom prst="rect">
+            <a:avLst/>
+          </a:prstGeom>
+          <a:noFill/>
+        </p:spPr>
+        <p:txBody>
+          <a:bodyPr wrap="square" rtlCol="0">
+            <a:spAutoFit/>
+          </a:bodyPr>
+          <a:lstStyle/>
+          <a:p>
+            <a:r>
+              <a:rPr lang="ko-KR" altLang="en-US" dirty="0"/>
+              <a:t>각각의 주기로 </a:t>
+            </a:r>
+            <a:r>
+              <a:rPr lang="en-US" altLang="ko-KR" dirty="0" err="1"/>
+              <a:t>Umap</a:t>
+            </a:r>
+            <a:r>
+              <a:rPr lang="en-US" altLang="ko-KR" dirty="0"/>
+              <a:t> </a:t>
+            </a:r>
+            <a:r>
+              <a:rPr lang="ko-KR" altLang="en-US" dirty="0"/>
+              <a:t>순회하며 </a:t>
+            </a:r>
+            <a:r>
+              <a:rPr lang="ko-KR" altLang="en-US" dirty="0" err="1"/>
+              <a:t>끊어줌</a:t>
+            </a:r>
+            <a:endParaRPr lang="en-US" altLang="ko-KR" dirty="0"/>
+          </a:p>
+          <a:p>
+            <a:pPr marL="285750" indent="-285750">
+              <a:buFont typeface="Arial" panose="020B0604020202020204" pitchFamily="34" charset="0"/>
+              <a:buChar char="•"/>
+            </a:pPr>
+            <a:r>
+              <a:rPr lang="en-US" altLang="ko-KR" dirty="0"/>
+              <a:t>Non-Login 2</a:t>
+            </a:r>
+            <a:r>
+              <a:rPr lang="ko-KR" altLang="en-US" dirty="0"/>
+              <a:t>초</a:t>
+            </a:r>
+            <a:endParaRPr lang="en-US" altLang="ko-KR" dirty="0"/>
+          </a:p>
+          <a:p>
+            <a:pPr marL="285750" indent="-285750">
+              <a:buFont typeface="Arial" panose="020B0604020202020204" pitchFamily="34" charset="0"/>
+              <a:buChar char="•"/>
+            </a:pPr>
+            <a:r>
+              <a:rPr lang="en-US" altLang="ko-KR" dirty="0"/>
+              <a:t>Login 40</a:t>
+            </a:r>
+            <a:r>
+              <a:rPr lang="ko-KR" altLang="en-US" dirty="0"/>
+              <a:t>초</a:t>
+            </a:r>
+            <a:endParaRPr lang="en-US" altLang="ko-KR" dirty="0"/>
+          </a:p>
+          <a:p>
+            <a:pPr marL="285750" indent="-285750">
+              <a:buFont typeface="Arial" panose="020B0604020202020204" pitchFamily="34" charset="0"/>
+              <a:buChar char="•"/>
+            </a:pPr>
+            <a:endParaRPr lang="en-US" altLang="ko-KR" dirty="0"/>
+          </a:p>
+          <a:p>
+            <a:r>
+              <a:rPr lang="ko-KR" altLang="en-US" dirty="0"/>
+              <a:t>한 개의 자료구조로 관리했다면</a:t>
+            </a:r>
+            <a:endParaRPr lang="en-US" altLang="ko-KR" dirty="0"/>
+          </a:p>
+          <a:p>
+            <a:pPr marL="285750" indent="-285750">
+              <a:buFont typeface="Arial" panose="020B0604020202020204" pitchFamily="34" charset="0"/>
+              <a:buChar char="•"/>
+            </a:pPr>
+            <a:r>
+              <a:rPr lang="ko-KR" altLang="en-US" dirty="0"/>
+              <a:t>모든 </a:t>
+            </a:r>
+            <a:r>
+              <a:rPr lang="en-US" altLang="ko-KR" dirty="0"/>
+              <a:t>Player </a:t>
+            </a:r>
+            <a:r>
+              <a:rPr lang="ko-KR" altLang="en-US" dirty="0"/>
+              <a:t>객체의 순회가 </a:t>
+            </a:r>
+            <a:r>
+              <a:rPr lang="en-US" altLang="ko-KR" dirty="0"/>
+              <a:t>2</a:t>
+            </a:r>
+            <a:r>
+              <a:rPr lang="ko-KR" altLang="en-US" dirty="0"/>
+              <a:t>초마다 발생</a:t>
+            </a:r>
+          </a:p>
+        </p:txBody>
+      </p:sp>
+    </p:spTree>
+    <p:extLst>
+      <p:ext uri="{BB962C8B-B14F-4D97-AF65-F5344CB8AC3E}">
+        <p14:creationId xmlns:p14="http://schemas.microsoft.com/office/powerpoint/2010/main" val="2699399678"/>
+      </p:ext>
+    </p:extLst>
+  </p:cSld>
+  <p:clrMapOvr>
+    <a:masterClrMapping/>
+  </p:clrMapOvr>
+</p:sld>
+</file>
+
+<file path=ppt/slides/slide7.xml><?xml version="1.0" encoding="utf-8"?>
+<p:sld xmlns:a="http://schemas.openxmlformats.org/drawingml/2006/main" xmlns:r="http://schemas.openxmlformats.org/officeDocument/2006/relationships" xmlns:p="http://schemas.openxmlformats.org/presentationml/2006/main">
+  <p:cSld>
+    <p:spTree>
+      <p:nvGrpSpPr>
+        <p:cNvPr id="1" name="">
+          <a:extLst>
+            <a:ext uri="{FF2B5EF4-FFF2-40B4-BE49-F238E27FC236}">
+              <a16:creationId xmlns:a16="http://schemas.microsoft.com/office/drawing/2014/main" id="{37D1F3FE-9B59-4C67-A2EE-D714CA41C0B0}"/>
+            </a:ext>
+          </a:extLst>
+        </p:cNvPr>
+        <p:cNvGrpSpPr/>
+        <p:nvPr/>
+      </p:nvGrpSpPr>
+      <p:grpSpPr>
+        <a:xfrm>
+          <a:off x="0" y="0"/>
+          <a:ext cx="0" cy="0"/>
+          <a:chOff x="0" y="0"/>
+          <a:chExt cx="0" cy="0"/>
+        </a:xfrm>
+      </p:grpSpPr>
+      <p:sp>
+        <p:nvSpPr>
+          <p:cNvPr id="8" name="직사각형 7">
+            <a:extLst>
+              <a:ext uri="{FF2B5EF4-FFF2-40B4-BE49-F238E27FC236}">
+                <a16:creationId xmlns:a16="http://schemas.microsoft.com/office/drawing/2014/main" id="{3D58F618-8193-91B3-7ABD-8966214350C1}"/>
+              </a:ext>
+            </a:extLst>
+          </p:cNvPr>
+          <p:cNvSpPr/>
+          <p:nvPr/>
+        </p:nvSpPr>
+        <p:spPr>
+          <a:xfrm>
+            <a:off x="5453658" y="2148180"/>
+            <a:ext cx="1648314" cy="732836"/>
+          </a:xfrm>
+          <a:prstGeom prst="rect">
+            <a:avLst/>
+          </a:prstGeom>
+          <a:solidFill>
+            <a:schemeClr val="accent4">
+              <a:lumMod val="20000"/>
+              <a:lumOff val="80000"/>
+            </a:schemeClr>
+          </a:solidFill>
+        </p:spPr>
+        <p:style>
+          <a:lnRef idx="2">
+            <a:schemeClr val="accent1">
+              <a:shade val="15000"/>
+            </a:schemeClr>
+          </a:lnRef>
+          <a:fillRef idx="1">
+            <a:schemeClr val="accent1"/>
+          </a:fillRef>
+          <a:effectRef idx="0">
+            <a:schemeClr val="accent1"/>
+          </a:effectRef>
+          <a:fontRef idx="minor">
+            <a:schemeClr val="lt1"/>
+          </a:fontRef>
+        </p:style>
+        <p:txBody>
+          <a:bodyPr rtlCol="0" anchor="ctr"/>
+          <a:lstStyle/>
+          <a:p>
+            <a:pPr algn="ctr"/>
+            <a:endParaRPr lang="ko-KR" altLang="en-US"/>
+          </a:p>
+        </p:txBody>
+      </p:sp>
+      <p:sp>
+        <p:nvSpPr>
+          <p:cNvPr id="2" name="제목 1">
+            <a:extLst>
+              <a:ext uri="{FF2B5EF4-FFF2-40B4-BE49-F238E27FC236}">
+                <a16:creationId xmlns:a16="http://schemas.microsoft.com/office/drawing/2014/main" id="{B5F18C98-A750-38A4-7F42-C881157C9249}"/>
+              </a:ext>
+            </a:extLst>
+          </p:cNvPr>
+          <p:cNvSpPr>
+            <a:spLocks noGrp="1"/>
+          </p:cNvSpPr>
+          <p:nvPr>
+            <p:ph type="ctrTitle"/>
+          </p:nvPr>
+        </p:nvSpPr>
+        <p:spPr>
+          <a:xfrm>
+            <a:off x="247650" y="610063"/>
+            <a:ext cx="9144000" cy="658812"/>
+          </a:xfrm>
+        </p:spPr>
+        <p:txBody>
+          <a:bodyPr>
+            <a:normAutofit/>
+          </a:bodyPr>
+          <a:lstStyle/>
+          <a:p>
+            <a:pPr algn="l"/>
+            <a:r>
+              <a:rPr lang="en-US" altLang="ko-KR" sz="3600" dirty="0"/>
+              <a:t>7. Login </a:t>
+            </a:r>
+            <a:r>
+              <a:rPr lang="ko-KR" altLang="en-US" sz="3600" dirty="0"/>
+              <a:t>패킷 처리에서 문제 발생</a:t>
+            </a:r>
+          </a:p>
+        </p:txBody>
+      </p:sp>
+      <p:sp>
+        <p:nvSpPr>
+          <p:cNvPr id="3" name="부제목 2">
+            <a:extLst>
+              <a:ext uri="{FF2B5EF4-FFF2-40B4-BE49-F238E27FC236}">
+                <a16:creationId xmlns:a16="http://schemas.microsoft.com/office/drawing/2014/main" id="{817711E8-BA84-CC5C-4F7D-73BC3210F4C7}"/>
               </a:ext>
             </a:extLst>
           </p:cNvPr>
@@ -4701,8 +7675,518 @@
         </p:nvSpPr>
         <p:spPr>
           <a:xfrm>
-            <a:off x="5135809" y="1948189"/>
-            <a:ext cx="9322054" cy="4093406"/>
+            <a:off x="679934" y="1501761"/>
+            <a:ext cx="9322054" cy="4955021"/>
+          </a:xfrm>
+        </p:spPr>
+        <p:txBody>
+          <a:bodyPr>
+            <a:normAutofit lnSpcReduction="10000"/>
+          </a:bodyPr>
+          <a:lstStyle/>
+          <a:p>
+            <a:pPr algn="l"/>
+            <a:r>
+              <a:rPr lang="en-US" altLang="ko-KR" sz="2000" dirty="0" err="1"/>
+              <a:t>RecvPost</a:t>
+            </a:r>
+            <a:r>
+              <a:rPr lang="ko-KR" altLang="en-US" sz="2000" dirty="0"/>
+              <a:t> 까지 채팅 서버 프레임에 부담시키기는 부담인 것 같다고 생각</a:t>
+            </a:r>
+            <a:endParaRPr lang="en-US" altLang="ko-KR" sz="2000" dirty="0"/>
+          </a:p>
+          <a:p>
+            <a:pPr algn="l"/>
+            <a:endParaRPr lang="en-US" altLang="ko-KR" sz="2000" dirty="0"/>
+          </a:p>
+          <a:p>
+            <a:pPr marL="457200" indent="-457200" algn="l">
+              <a:buFont typeface="+mj-lt"/>
+              <a:buAutoNum type="arabicPeriod"/>
+            </a:pPr>
+            <a:r>
+              <a:rPr lang="en-US" altLang="ko-KR" sz="2000" dirty="0" err="1"/>
+              <a:t>OnAccept</a:t>
+            </a:r>
+            <a:r>
+              <a:rPr lang="en-US" altLang="ko-KR" sz="2000" dirty="0"/>
+              <a:t> APC </a:t>
+            </a:r>
+            <a:r>
+              <a:rPr lang="ko-KR" altLang="en-US" sz="2000" dirty="0"/>
+              <a:t>요청 </a:t>
+            </a:r>
+            <a:r>
+              <a:rPr lang="en-US" altLang="ko-KR" sz="2000" dirty="0"/>
+              <a:t>Enqueue</a:t>
+            </a:r>
+          </a:p>
+          <a:p>
+            <a:pPr marL="914400" lvl="1" indent="-457200" algn="l">
+              <a:buFont typeface="Arial" panose="020B0604020202020204" pitchFamily="34" charset="0"/>
+              <a:buChar char="•"/>
+            </a:pPr>
+            <a:r>
+              <a:rPr lang="ko-KR" altLang="en-US" sz="1600" dirty="0"/>
+              <a:t>즉</a:t>
+            </a:r>
+            <a:r>
+              <a:rPr lang="en-US" altLang="ko-KR" sz="1600" dirty="0"/>
+              <a:t>, </a:t>
+            </a:r>
+            <a:r>
+              <a:rPr lang="en-US" altLang="ko-KR" sz="1600" dirty="0" err="1">
+                <a:solidFill>
+                  <a:srgbClr val="FF0000"/>
+                </a:solidFill>
+              </a:rPr>
+              <a:t>nonLoginPlayer</a:t>
+            </a:r>
+            <a:r>
+              <a:rPr lang="en-US" altLang="ko-KR" sz="1600" dirty="0">
+                <a:solidFill>
+                  <a:srgbClr val="FF0000"/>
+                </a:solidFill>
+              </a:rPr>
+              <a:t> </a:t>
+            </a:r>
+            <a:r>
+              <a:rPr lang="ko-KR" altLang="en-US" sz="1600" dirty="0">
+                <a:solidFill>
+                  <a:srgbClr val="FF0000"/>
+                </a:solidFill>
+              </a:rPr>
+              <a:t>객체 생성 전</a:t>
+            </a:r>
+            <a:endParaRPr lang="en-US" altLang="ko-KR" sz="1600" dirty="0">
+              <a:solidFill>
+                <a:srgbClr val="FF0000"/>
+              </a:solidFill>
+            </a:endParaRPr>
+          </a:p>
+          <a:p>
+            <a:pPr marL="914400" lvl="1" indent="-457200" algn="l">
+              <a:buFont typeface="Arial" panose="020B0604020202020204" pitchFamily="34" charset="0"/>
+              <a:buChar char="•"/>
+            </a:pPr>
+            <a:endParaRPr lang="en-US" altLang="ko-KR" sz="1600" dirty="0"/>
+          </a:p>
+          <a:p>
+            <a:pPr marL="457200" indent="-457200" algn="l">
+              <a:buFont typeface="+mj-lt"/>
+              <a:buAutoNum type="arabicPeriod"/>
+            </a:pPr>
+            <a:r>
+              <a:rPr lang="en-US" altLang="ko-KR" sz="2000" dirty="0"/>
+              <a:t>APC </a:t>
+            </a:r>
+            <a:r>
+              <a:rPr lang="ko-KR" altLang="en-US" sz="2000" dirty="0"/>
+              <a:t>큐 요청이 처리되기 전 </a:t>
+            </a:r>
+            <a:r>
+              <a:rPr lang="en-US" altLang="ko-KR" sz="2000" dirty="0" err="1"/>
+              <a:t>RecvPost</a:t>
+            </a:r>
+            <a:r>
+              <a:rPr lang="ko-KR" altLang="en-US" sz="2000" dirty="0"/>
+              <a:t>가 수행되고 </a:t>
+            </a:r>
+            <a:r>
+              <a:rPr lang="en-US" altLang="ko-KR" sz="2000" dirty="0" err="1"/>
+              <a:t>Recv</a:t>
+            </a:r>
+            <a:r>
+              <a:rPr lang="en-US" altLang="ko-KR" sz="2000" dirty="0"/>
+              <a:t> </a:t>
+            </a:r>
+            <a:r>
+              <a:rPr lang="ko-KR" altLang="en-US" sz="2000" dirty="0"/>
+              <a:t>완료 통지가 도착</a:t>
+            </a:r>
+            <a:endParaRPr lang="en-US" altLang="ko-KR" sz="2000" dirty="0"/>
+          </a:p>
+          <a:p>
+            <a:pPr marL="457200" indent="-457200" algn="l">
+              <a:buFont typeface="+mj-lt"/>
+              <a:buAutoNum type="arabicPeriod"/>
+            </a:pPr>
+            <a:endParaRPr lang="en-US" altLang="ko-KR" sz="2000" dirty="0"/>
+          </a:p>
+          <a:p>
+            <a:pPr marL="457200" indent="-457200" algn="l">
+              <a:buFont typeface="+mj-lt"/>
+              <a:buAutoNum type="arabicPeriod"/>
+            </a:pPr>
+            <a:r>
+              <a:rPr lang="en-US" altLang="ko-KR" sz="2000" dirty="0"/>
+              <a:t>Job </a:t>
+            </a:r>
+            <a:r>
+              <a:rPr lang="ko-KR" altLang="en-US" sz="2000" dirty="0"/>
+              <a:t>큐에 해당 세션의 로그인 처리 요청이 등록됨</a:t>
+            </a:r>
+            <a:endParaRPr lang="en-US" altLang="ko-KR" sz="2000" dirty="0"/>
+          </a:p>
+          <a:p>
+            <a:pPr marL="914400" lvl="1" indent="-457200" algn="l">
+              <a:buFont typeface="Arial" panose="020B0604020202020204" pitchFamily="34" charset="0"/>
+              <a:buChar char="•"/>
+            </a:pPr>
+            <a:r>
+              <a:rPr lang="ko-KR" altLang="en-US" sz="1600" dirty="0"/>
+              <a:t>맨 밑 </a:t>
+            </a:r>
+            <a:r>
+              <a:rPr lang="en-US" altLang="ko-KR" sz="1600" dirty="0" err="1"/>
+              <a:t>SleepEx</a:t>
+            </a:r>
+            <a:r>
+              <a:rPr lang="en-US" altLang="ko-KR" sz="1600" dirty="0"/>
+              <a:t>()</a:t>
+            </a:r>
+            <a:r>
+              <a:rPr lang="ko-KR" altLang="en-US" sz="1600" dirty="0"/>
+              <a:t>와 </a:t>
+            </a:r>
+            <a:r>
+              <a:rPr lang="en-US" altLang="ko-KR" sz="1600" dirty="0" err="1"/>
+              <a:t>OnUpdate</a:t>
+            </a:r>
+            <a:r>
+              <a:rPr lang="ko-KR" altLang="en-US" sz="1600" dirty="0"/>
+              <a:t>에서 </a:t>
+            </a:r>
+            <a:r>
+              <a:rPr lang="en-US" altLang="ko-KR" sz="1600" dirty="0" err="1"/>
+              <a:t>JobQ</a:t>
+            </a:r>
+            <a:r>
+              <a:rPr lang="en-US" altLang="ko-KR" sz="1600" dirty="0"/>
+              <a:t> size </a:t>
+            </a:r>
+            <a:r>
+              <a:rPr lang="ko-KR" altLang="en-US" sz="1600" dirty="0"/>
+              <a:t>확인 코드 사이에</a:t>
+            </a:r>
+            <a:endParaRPr lang="en-US" altLang="ko-KR" sz="1600" dirty="0"/>
+          </a:p>
+          <a:p>
+            <a:pPr marL="914400" lvl="1" indent="-457200" algn="l">
+              <a:buFont typeface="Arial" panose="020B0604020202020204" pitchFamily="34" charset="0"/>
+              <a:buChar char="•"/>
+            </a:pPr>
+            <a:endParaRPr lang="en-US" altLang="ko-KR" sz="1600" dirty="0"/>
+          </a:p>
+          <a:p>
+            <a:pPr marL="457200" indent="-457200" algn="l">
+              <a:buFont typeface="+mj-lt"/>
+              <a:buAutoNum type="arabicPeriod"/>
+            </a:pPr>
+            <a:r>
+              <a:rPr lang="ko-KR" altLang="en-US" sz="2000" dirty="0"/>
+              <a:t>채팅서버 프레임 스레드에서 </a:t>
+            </a:r>
+            <a:r>
+              <a:rPr lang="en-US" altLang="ko-KR" sz="2000" dirty="0" err="1"/>
+              <a:t>Alertable</a:t>
+            </a:r>
+            <a:r>
+              <a:rPr lang="en-US" altLang="ko-KR" sz="2000" dirty="0"/>
+              <a:t> Wait </a:t>
+            </a:r>
+            <a:r>
+              <a:rPr lang="ko-KR" altLang="en-US" sz="2000" dirty="0"/>
+              <a:t>상태에 빠지기 전에</a:t>
+            </a:r>
+            <a:endParaRPr lang="en-US" altLang="ko-KR" sz="2000" dirty="0"/>
+          </a:p>
+          <a:p>
+            <a:pPr marL="914400" lvl="1" indent="-457200" algn="l">
+              <a:buFont typeface="Arial" panose="020B0604020202020204" pitchFamily="34" charset="0"/>
+              <a:buChar char="•"/>
+            </a:pPr>
+            <a:endParaRPr lang="en-US" altLang="ko-KR" sz="1600" dirty="0"/>
+          </a:p>
+          <a:p>
+            <a:pPr marL="914400" lvl="1" indent="-457200" algn="l">
+              <a:buFont typeface="Arial" panose="020B0604020202020204" pitchFamily="34" charset="0"/>
+              <a:buChar char="•"/>
+            </a:pPr>
+            <a:endParaRPr lang="en-US" altLang="ko-KR" sz="1600" dirty="0"/>
+          </a:p>
+          <a:p>
+            <a:pPr marL="457200" indent="-457200" algn="l">
+              <a:buFont typeface="+mj-lt"/>
+              <a:buAutoNum type="arabicPeriod"/>
+            </a:pPr>
+            <a:r>
+              <a:rPr lang="en-US" altLang="ko-KR" sz="2000" dirty="0"/>
+              <a:t>Job</a:t>
+            </a:r>
+            <a:r>
+              <a:rPr lang="ko-KR" altLang="en-US" sz="2000" dirty="0"/>
+              <a:t> 큐에 있는 로그인 메시지를 처리하러 </a:t>
+            </a:r>
+            <a:r>
+              <a:rPr lang="ko-KR" altLang="en-US" sz="2000" dirty="0" err="1"/>
+              <a:t>들어감</a:t>
+            </a:r>
+            <a:endParaRPr lang="en-US" altLang="ko-KR" sz="2000" dirty="0"/>
+          </a:p>
+          <a:p>
+            <a:pPr marL="914400" lvl="1" indent="-457200" algn="l">
+              <a:buFont typeface="Arial" panose="020B0604020202020204" pitchFamily="34" charset="0"/>
+              <a:buChar char="•"/>
+            </a:pPr>
+            <a:r>
+              <a:rPr lang="ko-KR" altLang="en-US" sz="1600" dirty="0"/>
+              <a:t>아직 </a:t>
+            </a:r>
+            <a:r>
+              <a:rPr lang="en-US" altLang="ko-KR" sz="1600" dirty="0" err="1">
+                <a:solidFill>
+                  <a:srgbClr val="FF0000"/>
+                </a:solidFill>
+              </a:rPr>
+              <a:t>nonLoginPlayer</a:t>
+            </a:r>
+            <a:r>
+              <a:rPr lang="en-US" altLang="ko-KR" sz="1600" dirty="0">
+                <a:solidFill>
+                  <a:srgbClr val="FF0000"/>
+                </a:solidFill>
+              </a:rPr>
+              <a:t> </a:t>
+            </a:r>
+            <a:r>
+              <a:rPr lang="ko-KR" altLang="en-US" sz="1600" dirty="0">
+                <a:solidFill>
+                  <a:srgbClr val="FF0000"/>
+                </a:solidFill>
+              </a:rPr>
+              <a:t>객체가 없는 상태</a:t>
+            </a:r>
+            <a:r>
+              <a:rPr lang="ko-KR" altLang="en-US" sz="1600" dirty="0"/>
+              <a:t>이므로 실패</a:t>
+            </a:r>
+            <a:endParaRPr lang="en-US" altLang="ko-KR" sz="1600" dirty="0"/>
+          </a:p>
+          <a:p>
+            <a:pPr marL="457200" indent="-457200" algn="l">
+              <a:buFont typeface="+mj-lt"/>
+              <a:buAutoNum type="arabicPeriod"/>
+            </a:pPr>
+            <a:endParaRPr lang="en-US" altLang="ko-KR" sz="2000" dirty="0"/>
+          </a:p>
+        </p:txBody>
+      </p:sp>
+      <p:pic>
+        <p:nvPicPr>
+          <p:cNvPr id="5" name="그림 4">
+            <a:extLst>
+              <a:ext uri="{FF2B5EF4-FFF2-40B4-BE49-F238E27FC236}">
+                <a16:creationId xmlns:a16="http://schemas.microsoft.com/office/drawing/2014/main" id="{60AFD621-584C-8BA6-41F8-DFC5D8E295C2}"/>
+              </a:ext>
+            </a:extLst>
+          </p:cNvPr>
+          <p:cNvPicPr>
+            <a:picLocks noChangeAspect="1"/>
+          </p:cNvPicPr>
+          <p:nvPr/>
+        </p:nvPicPr>
+        <p:blipFill>
+          <a:blip r:embed="rId2"/>
+          <a:stretch>
+            <a:fillRect/>
+          </a:stretch>
+        </p:blipFill>
+        <p:spPr>
+          <a:xfrm>
+            <a:off x="7836246" y="1938337"/>
+            <a:ext cx="3943350" cy="1152525"/>
+          </a:xfrm>
+          <a:prstGeom prst="rect">
+            <a:avLst/>
+          </a:prstGeom>
+        </p:spPr>
+      </p:pic>
+      <p:sp>
+        <p:nvSpPr>
+          <p:cNvPr id="6" name="TextBox 5">
+            <a:extLst>
+              <a:ext uri="{FF2B5EF4-FFF2-40B4-BE49-F238E27FC236}">
+                <a16:creationId xmlns:a16="http://schemas.microsoft.com/office/drawing/2014/main" id="{DD0FF7BE-BF85-5419-EB7A-79869FDAB1CE}"/>
+              </a:ext>
+            </a:extLst>
+          </p:cNvPr>
+          <p:cNvSpPr txBox="1"/>
+          <p:nvPr/>
+        </p:nvSpPr>
+        <p:spPr>
+          <a:xfrm>
+            <a:off x="5485816" y="2191433"/>
+            <a:ext cx="1648314" cy="646331"/>
+          </a:xfrm>
+          <a:prstGeom prst="rect">
+            <a:avLst/>
+          </a:prstGeom>
+          <a:noFill/>
+        </p:spPr>
+        <p:txBody>
+          <a:bodyPr wrap="square" rtlCol="0">
+            <a:spAutoFit/>
+          </a:bodyPr>
+          <a:lstStyle/>
+          <a:p>
+            <a:r>
+              <a:rPr lang="en-US" altLang="ko-KR" dirty="0" err="1"/>
+              <a:t>WorkerThread</a:t>
+            </a:r>
+            <a:endParaRPr lang="en-US" altLang="ko-KR" dirty="0"/>
+          </a:p>
+          <a:p>
+            <a:r>
+              <a:rPr lang="ko-KR" altLang="en-US" dirty="0"/>
+              <a:t>문제의 코드</a:t>
+            </a:r>
+          </a:p>
+        </p:txBody>
+      </p:sp>
+      <p:sp>
+        <p:nvSpPr>
+          <p:cNvPr id="7" name="화살표: 오른쪽 6">
+            <a:extLst>
+              <a:ext uri="{FF2B5EF4-FFF2-40B4-BE49-F238E27FC236}">
+                <a16:creationId xmlns:a16="http://schemas.microsoft.com/office/drawing/2014/main" id="{004AB196-0391-9B49-BCA2-EA3654BD9BA6}"/>
+              </a:ext>
+            </a:extLst>
+          </p:cNvPr>
+          <p:cNvSpPr/>
+          <p:nvPr/>
+        </p:nvSpPr>
+        <p:spPr>
+          <a:xfrm>
+            <a:off x="7306147" y="2353901"/>
+            <a:ext cx="334978" cy="307818"/>
+          </a:xfrm>
+          <a:prstGeom prst="rightArrow">
+            <a:avLst/>
+          </a:prstGeom>
+        </p:spPr>
+        <p:style>
+          <a:lnRef idx="2">
+            <a:schemeClr val="accent1">
+              <a:shade val="15000"/>
+            </a:schemeClr>
+          </a:lnRef>
+          <a:fillRef idx="1">
+            <a:schemeClr val="accent1"/>
+          </a:fillRef>
+          <a:effectRef idx="0">
+            <a:schemeClr val="accent1"/>
+          </a:effectRef>
+          <a:fontRef idx="minor">
+            <a:schemeClr val="lt1"/>
+          </a:fontRef>
+        </p:style>
+        <p:txBody>
+          <a:bodyPr rtlCol="0" anchor="ctr"/>
+          <a:lstStyle/>
+          <a:p>
+            <a:pPr algn="ctr"/>
+            <a:endParaRPr lang="ko-KR" altLang="en-US"/>
+          </a:p>
+        </p:txBody>
+      </p:sp>
+      <p:pic>
+        <p:nvPicPr>
+          <p:cNvPr id="10" name="그림 9">
+            <a:extLst>
+              <a:ext uri="{FF2B5EF4-FFF2-40B4-BE49-F238E27FC236}">
+                <a16:creationId xmlns:a16="http://schemas.microsoft.com/office/drawing/2014/main" id="{5FE86C0B-15D6-1571-9390-4F846C8E99BA}"/>
+              </a:ext>
+            </a:extLst>
+          </p:cNvPr>
+          <p:cNvPicPr>
+            <a:picLocks noChangeAspect="1"/>
+          </p:cNvPicPr>
+          <p:nvPr/>
+        </p:nvPicPr>
+        <p:blipFill>
+          <a:blip r:embed="rId3"/>
+          <a:stretch>
+            <a:fillRect/>
+          </a:stretch>
+        </p:blipFill>
+        <p:spPr>
+          <a:xfrm>
+            <a:off x="8715186" y="3679768"/>
+            <a:ext cx="3181350" cy="3009900"/>
+          </a:xfrm>
+          <a:prstGeom prst="rect">
+            <a:avLst/>
+          </a:prstGeom>
+        </p:spPr>
+      </p:pic>
+    </p:spTree>
+    <p:extLst>
+      <p:ext uri="{BB962C8B-B14F-4D97-AF65-F5344CB8AC3E}">
+        <p14:creationId xmlns:p14="http://schemas.microsoft.com/office/powerpoint/2010/main" val="1054570459"/>
+      </p:ext>
+    </p:extLst>
+  </p:cSld>
+  <p:clrMapOvr>
+    <a:masterClrMapping/>
+  </p:clrMapOvr>
+</p:sld>
+</file>
+
+<file path=ppt/slides/slide8.xml><?xml version="1.0" encoding="utf-8"?>
+<p:sld xmlns:a="http://schemas.openxmlformats.org/drawingml/2006/main" xmlns:r="http://schemas.openxmlformats.org/officeDocument/2006/relationships" xmlns:p="http://schemas.openxmlformats.org/presentationml/2006/main">
+  <p:cSld>
+    <p:spTree>
+      <p:nvGrpSpPr>
+        <p:cNvPr id="1" name="">
+          <a:extLst>
+            <a:ext uri="{FF2B5EF4-FFF2-40B4-BE49-F238E27FC236}">
+              <a16:creationId xmlns:a16="http://schemas.microsoft.com/office/drawing/2014/main" id="{2249EBEC-14E2-19FE-D866-D62B5416EE81}"/>
+            </a:ext>
+          </a:extLst>
+        </p:cNvPr>
+        <p:cNvGrpSpPr/>
+        <p:nvPr/>
+      </p:nvGrpSpPr>
+      <p:grpSpPr>
+        <a:xfrm>
+          <a:off x="0" y="0"/>
+          <a:ext cx="0" cy="0"/>
+          <a:chOff x="0" y="0"/>
+          <a:chExt cx="0" cy="0"/>
+        </a:xfrm>
+      </p:grpSpPr>
+      <p:sp>
+        <p:nvSpPr>
+          <p:cNvPr id="2" name="제목 1">
+            <a:extLst>
+              <a:ext uri="{FF2B5EF4-FFF2-40B4-BE49-F238E27FC236}">
+                <a16:creationId xmlns:a16="http://schemas.microsoft.com/office/drawing/2014/main" id="{D9B01332-3951-61B2-2DEC-DF0973346270}"/>
+              </a:ext>
+            </a:extLst>
+          </p:cNvPr>
+          <p:cNvSpPr>
+            <a:spLocks noGrp="1"/>
+          </p:cNvSpPr>
+          <p:nvPr>
+            <p:ph type="ctrTitle"/>
+          </p:nvPr>
+        </p:nvSpPr>
+        <p:spPr>
+          <a:xfrm>
+            <a:off x="247650" y="610063"/>
+            <a:ext cx="9144000" cy="658812"/>
           </a:xfrm>
         </p:spPr>
         <p:txBody>
@@ -4711,114 +8195,113 @@
           </a:bodyPr>
           <a:lstStyle/>
           <a:p>
+            <a:pPr algn="l"/>
+            <a:r>
+              <a:rPr lang="en-US" altLang="ko-KR" sz="3600" dirty="0"/>
+              <a:t>8. </a:t>
+            </a:r>
+            <a:r>
+              <a:rPr lang="ko-KR" altLang="en-US" sz="3600" dirty="0"/>
+              <a:t>해결법</a:t>
+            </a:r>
+          </a:p>
+        </p:txBody>
+      </p:sp>
+      <p:sp>
+        <p:nvSpPr>
+          <p:cNvPr id="3" name="부제목 2">
+            <a:extLst>
+              <a:ext uri="{FF2B5EF4-FFF2-40B4-BE49-F238E27FC236}">
+                <a16:creationId xmlns:a16="http://schemas.microsoft.com/office/drawing/2014/main" id="{82ECA3B4-1ADF-FDD0-3DE1-66C62419B5A7}"/>
+              </a:ext>
+            </a:extLst>
+          </p:cNvPr>
+          <p:cNvSpPr>
+            <a:spLocks noGrp="1"/>
+          </p:cNvSpPr>
+          <p:nvPr>
+            <p:ph type="subTitle" idx="1"/>
+          </p:nvPr>
+        </p:nvSpPr>
+        <p:spPr>
+          <a:xfrm>
+            <a:off x="679934" y="1501761"/>
+            <a:ext cx="9322054" cy="4955021"/>
+          </a:xfrm>
+        </p:spPr>
+        <p:txBody>
+          <a:bodyPr>
+            <a:normAutofit/>
+          </a:bodyPr>
+          <a:lstStyle/>
+          <a:p>
             <a:pPr marL="457200" indent="-457200" algn="l">
               <a:buFont typeface="+mj-lt"/>
               <a:buAutoNum type="arabicPeriod"/>
             </a:pPr>
             <a:r>
+              <a:rPr lang="en-US" altLang="ko-KR" sz="2000" dirty="0"/>
+              <a:t>Login </a:t>
+            </a:r>
+            <a:r>
+              <a:rPr lang="ko-KR" altLang="en-US" sz="2000" dirty="0"/>
+              <a:t>요청에서 </a:t>
+            </a:r>
+            <a:r>
               <a:rPr lang="en-US" altLang="ko-KR" sz="2000" dirty="0" err="1"/>
-              <a:t>CChatServer</a:t>
+              <a:t>nonLoginPlayer</a:t>
             </a:r>
             <a:r>
               <a:rPr lang="en-US" altLang="ko-KR" sz="2000" dirty="0"/>
-              <a:t>::Update();</a:t>
-            </a:r>
-          </a:p>
-          <a:p>
-            <a:pPr marL="800100" lvl="1" indent="-342900" algn="l">
-              <a:buFont typeface="Arial" panose="020B0604020202020204" pitchFamily="34" charset="0"/>
-              <a:buChar char="•"/>
-            </a:pPr>
-            <a:r>
-              <a:rPr lang="en-US" altLang="ko-KR" sz="1600" dirty="0" err="1"/>
-              <a:t>JobQ</a:t>
-            </a:r>
-            <a:r>
-              <a:rPr lang="en-US" altLang="ko-KR" sz="1600" dirty="0"/>
               <a:t> </a:t>
             </a:r>
             <a:r>
-              <a:rPr lang="ko-KR" altLang="en-US" sz="1600" dirty="0"/>
-              <a:t>체크 </a:t>
-            </a:r>
-            <a:r>
-              <a:rPr lang="en-US" altLang="ko-KR" sz="1600" dirty="0"/>
-              <a:t>– </a:t>
-            </a:r>
-            <a:r>
-              <a:rPr lang="en-US" altLang="ko-KR" sz="1600" dirty="0" err="1"/>
-              <a:t>JobQ</a:t>
-            </a:r>
-            <a:r>
-              <a:rPr lang="en-US" altLang="ko-KR" sz="1600" dirty="0"/>
-              <a:t> </a:t>
-            </a:r>
-            <a:r>
-              <a:rPr lang="ko-KR" altLang="en-US" sz="1600" dirty="0"/>
-              <a:t>구조 뒤에서 설명</a:t>
-            </a:r>
-            <a:endParaRPr lang="en-US" altLang="ko-KR" sz="1600" dirty="0"/>
-          </a:p>
-          <a:p>
-            <a:pPr marL="800100" lvl="1" indent="-342900" algn="l">
-              <a:buFont typeface="Arial" panose="020B0604020202020204" pitchFamily="34" charset="0"/>
-              <a:buChar char="•"/>
-            </a:pPr>
-            <a:r>
-              <a:rPr lang="ko-KR" altLang="en-US" sz="1600" dirty="0" err="1"/>
-              <a:t>할일이</a:t>
-            </a:r>
-            <a:r>
-              <a:rPr lang="ko-KR" altLang="en-US" sz="1600" dirty="0"/>
-              <a:t> 있으면 </a:t>
-            </a:r>
-            <a:r>
-              <a:rPr lang="en-US" altLang="ko-KR" sz="1600" dirty="0" err="1"/>
-              <a:t>CChatProcessPacket</a:t>
-            </a:r>
-            <a:r>
-              <a:rPr lang="ko-KR" altLang="en-US" sz="1600" dirty="0"/>
-              <a:t>의 </a:t>
-            </a:r>
-            <a:r>
-              <a:rPr lang="en-US" altLang="ko-KR" sz="1600" dirty="0" err="1"/>
-              <a:t>ConsumPacket</a:t>
-            </a:r>
-            <a:r>
-              <a:rPr lang="en-US" altLang="ko-KR" sz="1600" dirty="0"/>
-              <a:t> </a:t>
-            </a:r>
-            <a:r>
-              <a:rPr lang="ko-KR" altLang="en-US" sz="1600" dirty="0"/>
-              <a:t>호출</a:t>
-            </a:r>
-            <a:endParaRPr lang="en-US" altLang="ko-KR" sz="1600" dirty="0"/>
-          </a:p>
-          <a:p>
-            <a:pPr lvl="1" algn="l"/>
-            <a:endParaRPr lang="en-US" altLang="ko-KR" sz="1600" dirty="0"/>
+              <a:rPr lang="ko-KR" altLang="en-US" sz="2000" dirty="0"/>
+              <a:t>객체 못 찾으면</a:t>
+            </a:r>
+            <a:endParaRPr lang="en-US" altLang="ko-KR" sz="2000" dirty="0"/>
           </a:p>
           <a:p>
             <a:pPr marL="457200" indent="-457200" algn="l">
               <a:buFont typeface="+mj-lt"/>
               <a:buAutoNum type="arabicPeriod"/>
             </a:pPr>
+            <a:endParaRPr lang="en-US" altLang="ko-KR" sz="1600" dirty="0"/>
+          </a:p>
+          <a:p>
+            <a:pPr marL="457200" indent="-457200" algn="l">
+              <a:buFont typeface="+mj-lt"/>
+              <a:buAutoNum type="arabicPeriod"/>
+            </a:pPr>
+            <a:r>
+              <a:rPr lang="ko-KR" altLang="en-US" sz="2000" dirty="0"/>
+              <a:t>즉시 </a:t>
+            </a:r>
             <a:r>
               <a:rPr lang="en-US" altLang="ko-KR" sz="2000" dirty="0" err="1"/>
-              <a:t>CChatProcessPacket</a:t>
+              <a:t>SleepEx</a:t>
             </a:r>
             <a:r>
               <a:rPr lang="en-US" altLang="ko-KR" sz="2000" dirty="0"/>
-              <a:t>::</a:t>
+              <a:t>(0) </a:t>
+            </a:r>
+            <a:r>
+              <a:rPr lang="ko-KR" altLang="en-US" sz="2000" dirty="0"/>
+              <a:t>호출로 </a:t>
             </a:r>
             <a:r>
               <a:rPr lang="en-US" altLang="ko-KR" sz="2000" dirty="0" err="1"/>
-              <a:t>ConsumePacket</a:t>
+              <a:t>Alertable</a:t>
             </a:r>
             <a:r>
               <a:rPr lang="en-US" altLang="ko-KR" sz="2000" dirty="0"/>
-              <a:t>();</a:t>
-            </a:r>
+              <a:t> Wait </a:t>
+            </a:r>
+            <a:r>
+              <a:rPr lang="ko-KR" altLang="en-US" sz="2000" dirty="0"/>
+              <a:t>상태 유도</a:t>
+            </a:r>
+            <a:endParaRPr lang="en-US" altLang="ko-KR" sz="2000" dirty="0"/>
           </a:p>
           <a:p>
             <a:pPr marL="914400" lvl="1" indent="-457200" algn="l">
@@ -4826,14 +8309,33 @@
               <a:buChar char="•"/>
             </a:pPr>
             <a:r>
+              <a:rPr lang="ko-KR" altLang="en-US" sz="1600" dirty="0"/>
+              <a:t>여기서 </a:t>
+            </a:r>
+            <a:r>
               <a:rPr lang="en-US" altLang="ko-KR" sz="1600" dirty="0"/>
-              <a:t>MMO TCP </a:t>
+              <a:t>Player </a:t>
             </a:r>
             <a:r>
               <a:rPr lang="ko-KR" altLang="en-US" sz="1600" dirty="0"/>
-              <a:t>파이터에서 사용했던 패킷 처리기</a:t>
+              <a:t>객체 생성이 이젠 확실히 될 것임</a:t>
             </a:r>
             <a:endParaRPr lang="en-US" altLang="ko-KR" sz="1600" dirty="0"/>
+          </a:p>
+          <a:p>
+            <a:pPr lvl="1" algn="l"/>
+            <a:endParaRPr lang="en-US" altLang="ko-KR" sz="1600" dirty="0"/>
+          </a:p>
+          <a:p>
+            <a:pPr marL="457200" indent="-457200" algn="l">
+              <a:buFont typeface="+mj-lt"/>
+              <a:buAutoNum type="arabicPeriod"/>
+            </a:pPr>
+            <a:r>
+              <a:rPr lang="ko-KR" altLang="en-US" sz="2000" dirty="0"/>
+              <a:t>다시 찾아보기</a:t>
+            </a:r>
+            <a:endParaRPr lang="en-US" altLang="ko-KR" sz="2000" dirty="0"/>
           </a:p>
           <a:p>
             <a:pPr marL="914400" lvl="1" indent="-457200" algn="l">
@@ -4842,7 +8344,7 @@
             </a:pPr>
             <a:r>
               <a:rPr lang="ko-KR" altLang="en-US" sz="1600" dirty="0"/>
-              <a:t>코드 자동 생성기로 빌드 전 이벤트에서 생성</a:t>
+              <a:t>이때도 못 찾으면 버그임</a:t>
             </a:r>
             <a:endParaRPr lang="en-US" altLang="ko-KR" sz="1600" dirty="0"/>
           </a:p>
@@ -4853,78 +8355,706 @@
             </a:pPr>
             <a:r>
               <a:rPr lang="ko-KR" altLang="en-US" sz="1600" dirty="0"/>
-              <a:t>패킷 코드와 세션 </a:t>
+              <a:t>이후 </a:t>
             </a:r>
             <a:r>
               <a:rPr lang="en-US" altLang="ko-KR" sz="1600" dirty="0"/>
-              <a:t>ID </a:t>
+              <a:t>Job </a:t>
             </a:r>
             <a:r>
               <a:rPr lang="ko-KR" altLang="en-US" sz="1600" dirty="0"/>
-              <a:t>직렬화 버퍼를 멤버로 받음</a:t>
+              <a:t>큐에 있는 거 처리</a:t>
             </a:r>
             <a:endParaRPr lang="en-US" altLang="ko-KR" sz="1600" dirty="0"/>
           </a:p>
           <a:p>
-            <a:pPr lvl="1" algn="l"/>
-            <a:endParaRPr lang="en-US" altLang="ko-KR" sz="1600" dirty="0"/>
-          </a:p>
-          <a:p>
-            <a:pPr marL="457200" indent="-457200" algn="l">
-              <a:buFont typeface="+mj-lt"/>
-              <a:buAutoNum type="arabicPeriod"/>
-            </a:pPr>
+            <a:pPr algn="l"/>
+            <a:endParaRPr lang="en-US" altLang="ko-KR" sz="2000" dirty="0"/>
+          </a:p>
+        </p:txBody>
+      </p:sp>
+      <p:grpSp>
+        <p:nvGrpSpPr>
+          <p:cNvPr id="10" name="그룹 9">
+            <a:extLst>
+              <a:ext uri="{FF2B5EF4-FFF2-40B4-BE49-F238E27FC236}">
+                <a16:creationId xmlns:a16="http://schemas.microsoft.com/office/drawing/2014/main" id="{406DE276-7B47-CF78-9F8F-B580B54D319B}"/>
+              </a:ext>
+            </a:extLst>
+          </p:cNvPr>
+          <p:cNvGrpSpPr/>
+          <p:nvPr/>
+        </p:nvGrpSpPr>
+        <p:grpSpPr>
+          <a:xfrm>
+            <a:off x="6170314" y="2957002"/>
+            <a:ext cx="5410200" cy="3200400"/>
+            <a:chOff x="6016405" y="3047537"/>
+            <a:chExt cx="5410200" cy="3200400"/>
+          </a:xfrm>
+        </p:grpSpPr>
+        <p:pic>
+          <p:nvPicPr>
+            <p:cNvPr id="5" name="그림 4">
+              <a:extLst>
+                <a:ext uri="{FF2B5EF4-FFF2-40B4-BE49-F238E27FC236}">
+                  <a16:creationId xmlns:a16="http://schemas.microsoft.com/office/drawing/2014/main" id="{C61709B1-370E-F688-8161-2E43EC4226C7}"/>
+                </a:ext>
+              </a:extLst>
+            </p:cNvPr>
+            <p:cNvPicPr>
+              <a:picLocks noChangeAspect="1"/>
+            </p:cNvPicPr>
+            <p:nvPr/>
+          </p:nvPicPr>
+          <p:blipFill>
+            <a:blip r:embed="rId2"/>
+            <a:stretch>
+              <a:fillRect/>
+            </a:stretch>
+          </p:blipFill>
+          <p:spPr>
+            <a:xfrm>
+              <a:off x="6016405" y="3047537"/>
+              <a:ext cx="5410200" cy="3200400"/>
+            </a:xfrm>
+            <a:prstGeom prst="rect">
+              <a:avLst/>
+            </a:prstGeom>
+          </p:spPr>
+        </p:pic>
+        <p:sp>
+          <p:nvSpPr>
+            <p:cNvPr id="7" name="직사각형 6">
+              <a:extLst>
+                <a:ext uri="{FF2B5EF4-FFF2-40B4-BE49-F238E27FC236}">
+                  <a16:creationId xmlns:a16="http://schemas.microsoft.com/office/drawing/2014/main" id="{8F3DA8DC-3AFF-DB0C-F97A-C6BB248E6F91}"/>
+                </a:ext>
+              </a:extLst>
+            </p:cNvPr>
+            <p:cNvSpPr/>
+            <p:nvPr/>
+          </p:nvSpPr>
+          <p:spPr>
+            <a:xfrm>
+              <a:off x="6310266" y="3720974"/>
+              <a:ext cx="3449370" cy="380245"/>
+            </a:xfrm>
+            <a:prstGeom prst="rect">
+              <a:avLst/>
+            </a:prstGeom>
+            <a:noFill/>
+            <a:ln>
+              <a:solidFill>
+                <a:srgbClr val="FF0000"/>
+              </a:solidFill>
+            </a:ln>
+          </p:spPr>
+          <p:style>
+            <a:lnRef idx="2">
+              <a:schemeClr val="accent1">
+                <a:shade val="15000"/>
+              </a:schemeClr>
+            </a:lnRef>
+            <a:fillRef idx="1">
+              <a:schemeClr val="accent1"/>
+            </a:fillRef>
+            <a:effectRef idx="0">
+              <a:schemeClr val="accent1"/>
+            </a:effectRef>
+            <a:fontRef idx="minor">
+              <a:schemeClr val="lt1"/>
+            </a:fontRef>
+          </p:style>
+          <p:txBody>
+            <a:bodyPr rtlCol="0" anchor="ctr"/>
+            <a:lstStyle/>
+            <a:p>
+              <a:pPr algn="ctr"/>
+              <a:endParaRPr lang="ko-KR" altLang="en-US"/>
+            </a:p>
+          </p:txBody>
+        </p:sp>
+        <p:sp>
+          <p:nvSpPr>
+            <p:cNvPr id="8" name="직사각형 7">
+              <a:extLst>
+                <a:ext uri="{FF2B5EF4-FFF2-40B4-BE49-F238E27FC236}">
+                  <a16:creationId xmlns:a16="http://schemas.microsoft.com/office/drawing/2014/main" id="{6891435B-2F15-5F24-031A-F3059CEF3362}"/>
+                </a:ext>
+              </a:extLst>
+            </p:cNvPr>
+            <p:cNvSpPr/>
+            <p:nvPr/>
+          </p:nvSpPr>
+          <p:spPr>
+            <a:xfrm>
+              <a:off x="6571307" y="4294651"/>
+              <a:ext cx="1522491" cy="380245"/>
+            </a:xfrm>
+            <a:prstGeom prst="rect">
+              <a:avLst/>
+            </a:prstGeom>
+            <a:noFill/>
+            <a:ln>
+              <a:solidFill>
+                <a:srgbClr val="FF0000"/>
+              </a:solidFill>
+            </a:ln>
+          </p:spPr>
+          <p:style>
+            <a:lnRef idx="2">
+              <a:schemeClr val="accent1">
+                <a:shade val="15000"/>
+              </a:schemeClr>
+            </a:lnRef>
+            <a:fillRef idx="1">
+              <a:schemeClr val="accent1"/>
+            </a:fillRef>
+            <a:effectRef idx="0">
+              <a:schemeClr val="accent1"/>
+            </a:effectRef>
+            <a:fontRef idx="minor">
+              <a:schemeClr val="lt1"/>
+            </a:fontRef>
+          </p:style>
+          <p:txBody>
+            <a:bodyPr rtlCol="0" anchor="ctr"/>
+            <a:lstStyle/>
+            <a:p>
+              <a:pPr algn="ctr"/>
+              <a:endParaRPr lang="ko-KR" altLang="en-US"/>
+            </a:p>
+          </p:txBody>
+        </p:sp>
+        <p:sp>
+          <p:nvSpPr>
+            <p:cNvPr id="9" name="직사각형 8">
+              <a:extLst>
+                <a:ext uri="{FF2B5EF4-FFF2-40B4-BE49-F238E27FC236}">
+                  <a16:creationId xmlns:a16="http://schemas.microsoft.com/office/drawing/2014/main" id="{9BAD0B5D-57CB-33B7-2456-18915EAEF979}"/>
+                </a:ext>
+              </a:extLst>
+            </p:cNvPr>
+            <p:cNvSpPr/>
+            <p:nvPr/>
+          </p:nvSpPr>
+          <p:spPr>
+            <a:xfrm>
+              <a:off x="6571307" y="4690568"/>
+              <a:ext cx="3251703" cy="956427"/>
+            </a:xfrm>
+            <a:prstGeom prst="rect">
+              <a:avLst/>
+            </a:prstGeom>
+            <a:noFill/>
+            <a:ln>
+              <a:solidFill>
+                <a:srgbClr val="FF0000"/>
+              </a:solidFill>
+            </a:ln>
+          </p:spPr>
+          <p:style>
+            <a:lnRef idx="2">
+              <a:schemeClr val="accent1">
+                <a:shade val="15000"/>
+              </a:schemeClr>
+            </a:lnRef>
+            <a:fillRef idx="1">
+              <a:schemeClr val="accent1"/>
+            </a:fillRef>
+            <a:effectRef idx="0">
+              <a:schemeClr val="accent1"/>
+            </a:effectRef>
+            <a:fontRef idx="minor">
+              <a:schemeClr val="lt1"/>
+            </a:fontRef>
+          </p:style>
+          <p:txBody>
+            <a:bodyPr rtlCol="0" anchor="ctr"/>
+            <a:lstStyle/>
+            <a:p>
+              <a:pPr algn="ctr"/>
+              <a:endParaRPr lang="ko-KR" altLang="en-US"/>
+            </a:p>
+          </p:txBody>
+        </p:sp>
+      </p:grpSp>
+      <p:cxnSp>
+        <p:nvCxnSpPr>
+          <p:cNvPr id="12" name="직선 화살표 연결선 11">
+            <a:extLst>
+              <a:ext uri="{FF2B5EF4-FFF2-40B4-BE49-F238E27FC236}">
+                <a16:creationId xmlns:a16="http://schemas.microsoft.com/office/drawing/2014/main" id="{1C6A0A36-3603-1696-5705-8FB4CCE7F17D}"/>
+              </a:ext>
+            </a:extLst>
+          </p:cNvPr>
+          <p:cNvCxnSpPr/>
+          <p:nvPr/>
+        </p:nvCxnSpPr>
+        <p:spPr>
+          <a:xfrm>
+            <a:off x="6725216" y="1810693"/>
+            <a:ext cx="155418" cy="1683945"/>
+          </a:xfrm>
+          <a:prstGeom prst="straightConnector1">
+            <a:avLst/>
+          </a:prstGeom>
+          <a:ln>
+            <a:tailEnd type="triangle"/>
+          </a:ln>
+        </p:spPr>
+        <p:style>
+          <a:lnRef idx="2">
+            <a:schemeClr val="accent1"/>
+          </a:lnRef>
+          <a:fillRef idx="0">
+            <a:schemeClr val="accent1"/>
+          </a:fillRef>
+          <a:effectRef idx="1">
+            <a:schemeClr val="accent1"/>
+          </a:effectRef>
+          <a:fontRef idx="minor">
+            <a:schemeClr val="tx1"/>
+          </a:fontRef>
+        </p:style>
+      </p:cxnSp>
+      <p:cxnSp>
+        <p:nvCxnSpPr>
+          <p:cNvPr id="14" name="직선 화살표 연결선 13">
+            <a:extLst>
+              <a:ext uri="{FF2B5EF4-FFF2-40B4-BE49-F238E27FC236}">
+                <a16:creationId xmlns:a16="http://schemas.microsoft.com/office/drawing/2014/main" id="{4786BB81-CD5C-360D-4AE5-ADE800EE92A8}"/>
+              </a:ext>
+            </a:extLst>
+          </p:cNvPr>
+          <p:cNvCxnSpPr>
+            <a:cxnSpLocks/>
+          </p:cNvCxnSpPr>
+          <p:nvPr/>
+        </p:nvCxnSpPr>
+        <p:spPr>
+          <a:xfrm>
+            <a:off x="4819650" y="2957002"/>
+            <a:ext cx="1753166" cy="1343651"/>
+          </a:xfrm>
+          <a:prstGeom prst="straightConnector1">
+            <a:avLst/>
+          </a:prstGeom>
+          <a:ln>
+            <a:tailEnd type="triangle"/>
+          </a:ln>
+        </p:spPr>
+        <p:style>
+          <a:lnRef idx="2">
+            <a:schemeClr val="accent1"/>
+          </a:lnRef>
+          <a:fillRef idx="0">
+            <a:schemeClr val="accent1"/>
+          </a:fillRef>
+          <a:effectRef idx="1">
+            <a:schemeClr val="accent1"/>
+          </a:effectRef>
+          <a:fontRef idx="minor">
+            <a:schemeClr val="tx1"/>
+          </a:fontRef>
+        </p:style>
+      </p:cxnSp>
+      <p:cxnSp>
+        <p:nvCxnSpPr>
+          <p:cNvPr id="17" name="직선 화살표 연결선 16">
+            <a:extLst>
+              <a:ext uri="{FF2B5EF4-FFF2-40B4-BE49-F238E27FC236}">
+                <a16:creationId xmlns:a16="http://schemas.microsoft.com/office/drawing/2014/main" id="{CC2E0C6B-0854-D19F-FBC2-65659DD0044D}"/>
+              </a:ext>
+            </a:extLst>
+          </p:cNvPr>
+          <p:cNvCxnSpPr/>
+          <p:nvPr/>
+        </p:nvCxnSpPr>
+        <p:spPr>
+          <a:xfrm>
+            <a:off x="4300396" y="4204116"/>
+            <a:ext cx="2272420" cy="675702"/>
+          </a:xfrm>
+          <a:prstGeom prst="straightConnector1">
+            <a:avLst/>
+          </a:prstGeom>
+          <a:ln>
+            <a:tailEnd type="triangle"/>
+          </a:ln>
+        </p:spPr>
+        <p:style>
+          <a:lnRef idx="2">
+            <a:schemeClr val="accent1"/>
+          </a:lnRef>
+          <a:fillRef idx="0">
+            <a:schemeClr val="accent1"/>
+          </a:fillRef>
+          <a:effectRef idx="1">
+            <a:schemeClr val="accent1"/>
+          </a:effectRef>
+          <a:fontRef idx="minor">
+            <a:schemeClr val="tx1"/>
+          </a:fontRef>
+        </p:style>
+      </p:cxnSp>
+    </p:spTree>
+    <p:extLst>
+      <p:ext uri="{BB962C8B-B14F-4D97-AF65-F5344CB8AC3E}">
+        <p14:creationId xmlns:p14="http://schemas.microsoft.com/office/powerpoint/2010/main" val="1846554437"/>
+      </p:ext>
+    </p:extLst>
+  </p:cSld>
+  <p:clrMapOvr>
+    <a:masterClrMapping/>
+  </p:clrMapOvr>
+</p:sld>
+</file>
+
+<file path=ppt/slides/slide9.xml><?xml version="1.0" encoding="utf-8"?>
+<p:sld xmlns:a="http://schemas.openxmlformats.org/drawingml/2006/main" xmlns:r="http://schemas.openxmlformats.org/officeDocument/2006/relationships" xmlns:p="http://schemas.openxmlformats.org/presentationml/2006/main">
+  <p:cSld>
+    <p:spTree>
+      <p:nvGrpSpPr>
+        <p:cNvPr id="1" name="">
+          <a:extLst>
+            <a:ext uri="{FF2B5EF4-FFF2-40B4-BE49-F238E27FC236}">
+              <a16:creationId xmlns:a16="http://schemas.microsoft.com/office/drawing/2014/main" id="{378AAA62-39BE-63DA-AB44-E13F70046DDB}"/>
+            </a:ext>
+          </a:extLst>
+        </p:cNvPr>
+        <p:cNvGrpSpPr/>
+        <p:nvPr/>
+      </p:nvGrpSpPr>
+      <p:grpSpPr>
+        <a:xfrm>
+          <a:off x="0" y="0"/>
+          <a:ext cx="0" cy="0"/>
+          <a:chOff x="0" y="0"/>
+          <a:chExt cx="0" cy="0"/>
+        </a:xfrm>
+      </p:grpSpPr>
+      <p:sp>
+        <p:nvSpPr>
+          <p:cNvPr id="2" name="제목 1">
+            <a:extLst>
+              <a:ext uri="{FF2B5EF4-FFF2-40B4-BE49-F238E27FC236}">
+                <a16:creationId xmlns:a16="http://schemas.microsoft.com/office/drawing/2014/main" id="{5A3AD717-B3CD-7F2D-2EAC-458813B877D3}"/>
+              </a:ext>
+            </a:extLst>
+          </p:cNvPr>
+          <p:cNvSpPr>
+            <a:spLocks noGrp="1"/>
+          </p:cNvSpPr>
+          <p:nvPr>
+            <p:ph type="ctrTitle"/>
+          </p:nvPr>
+        </p:nvSpPr>
+        <p:spPr>
+          <a:xfrm>
+            <a:off x="247650" y="610063"/>
+            <a:ext cx="9144000" cy="658812"/>
+          </a:xfrm>
+        </p:spPr>
+        <p:txBody>
+          <a:bodyPr>
+            <a:normAutofit/>
+          </a:bodyPr>
+          <a:lstStyle/>
+          <a:p>
+            <a:pPr algn="l"/>
+            <a:r>
+              <a:rPr lang="en-US" altLang="ko-KR" sz="3600" dirty="0"/>
+              <a:t>9. </a:t>
+            </a:r>
+            <a:r>
+              <a:rPr lang="ko-KR" altLang="en-US" sz="3600" dirty="0"/>
+              <a:t>채팅 메시지 처리</a:t>
+            </a:r>
+          </a:p>
+        </p:txBody>
+      </p:sp>
+      <p:sp>
+        <p:nvSpPr>
+          <p:cNvPr id="3" name="부제목 2">
+            <a:extLst>
+              <a:ext uri="{FF2B5EF4-FFF2-40B4-BE49-F238E27FC236}">
+                <a16:creationId xmlns:a16="http://schemas.microsoft.com/office/drawing/2014/main" id="{6FA2B09A-481F-F18E-1888-808746A72D77}"/>
+              </a:ext>
+            </a:extLst>
+          </p:cNvPr>
+          <p:cNvSpPr>
+            <a:spLocks noGrp="1"/>
+          </p:cNvSpPr>
+          <p:nvPr>
+            <p:ph type="subTitle" idx="1"/>
+          </p:nvPr>
+        </p:nvSpPr>
+        <p:spPr>
+          <a:xfrm>
+            <a:off x="6166334" y="1530336"/>
+            <a:ext cx="9322054" cy="4955021"/>
+          </a:xfrm>
+        </p:spPr>
+        <p:txBody>
+          <a:bodyPr>
+            <a:normAutofit/>
+          </a:bodyPr>
+          <a:lstStyle/>
+          <a:p>
+            <a:pPr algn="l"/>
             <a:r>
               <a:rPr lang="ko-KR" altLang="en-US" sz="2000" dirty="0"/>
-              <a:t>각 패킷 처리 함수로 이동</a:t>
+              <a:t>직렬화 버퍼 생성</a:t>
             </a:r>
             <a:endParaRPr lang="en-US" altLang="ko-KR" sz="2000" dirty="0"/>
           </a:p>
           <a:p>
-            <a:pPr marL="914400" lvl="1" indent="-457200" algn="l">
+            <a:pPr algn="l"/>
+            <a:endParaRPr lang="en-US" altLang="ko-KR" sz="2000" dirty="0"/>
+          </a:p>
+          <a:p>
+            <a:pPr algn="l"/>
+            <a:endParaRPr lang="en-US" altLang="ko-KR" sz="2000" dirty="0"/>
+          </a:p>
+          <a:p>
+            <a:pPr algn="l"/>
+            <a:endParaRPr lang="en-US" altLang="ko-KR" sz="2000" dirty="0"/>
+          </a:p>
+          <a:p>
+            <a:pPr algn="l"/>
+            <a:endParaRPr lang="en-US" altLang="ko-KR" sz="2000" dirty="0"/>
+          </a:p>
+          <a:p>
+            <a:pPr algn="l"/>
+            <a:endParaRPr lang="en-US" altLang="ko-KR" sz="2000" dirty="0"/>
+          </a:p>
+          <a:p>
+            <a:pPr algn="l"/>
+            <a:endParaRPr lang="en-US" altLang="ko-KR" sz="2000" dirty="0"/>
+          </a:p>
+          <a:p>
+            <a:pPr algn="l"/>
+            <a:endParaRPr lang="en-US" altLang="ko-KR" sz="2000" dirty="0"/>
+          </a:p>
+          <a:p>
+            <a:pPr algn="l"/>
+            <a:r>
+              <a:rPr lang="ko-KR" altLang="en-US" sz="2000" dirty="0"/>
+              <a:t>메시지 섹터 범위 전송에서의 섹터 처리</a:t>
+            </a:r>
+            <a:endParaRPr lang="en-US" altLang="ko-KR" sz="2000" dirty="0"/>
+          </a:p>
+          <a:p>
+            <a:pPr algn="l"/>
+            <a:endParaRPr lang="en-US" altLang="ko-KR" sz="2000" dirty="0"/>
+          </a:p>
+          <a:p>
+            <a:pPr marL="342900" indent="-342900" algn="l">
               <a:buFont typeface="Arial" panose="020B0604020202020204" pitchFamily="34" charset="0"/>
               <a:buChar char="•"/>
             </a:pPr>
             <a:r>
-              <a:rPr lang="en-US" altLang="ko-KR" sz="1600" dirty="0"/>
-              <a:t>switch</a:t>
-            </a:r>
-            <a:r>
-              <a:rPr lang="ko-KR" altLang="en-US" sz="1600" dirty="0"/>
-              <a:t> </a:t>
-            </a:r>
-            <a:r>
-              <a:rPr lang="en-US" altLang="ko-KR" sz="1600" dirty="0"/>
-              <a:t>–</a:t>
-            </a:r>
-            <a:r>
-              <a:rPr lang="ko-KR" altLang="en-US" sz="1600" dirty="0"/>
-              <a:t> </a:t>
-            </a:r>
-            <a:r>
-              <a:rPr lang="en-US" altLang="ko-KR" sz="1600" dirty="0"/>
-              <a:t>case </a:t>
-            </a:r>
-            <a:r>
-              <a:rPr lang="ko-KR" altLang="en-US" sz="1600" dirty="0"/>
-              <a:t>로 </a:t>
-            </a:r>
-            <a:r>
-              <a:rPr lang="en-US" altLang="ko-KR" sz="1600" dirty="0"/>
-              <a:t>code </a:t>
-            </a:r>
-            <a:r>
-              <a:rPr lang="ko-KR" altLang="en-US" sz="1600" dirty="0"/>
-              <a:t>비교</a:t>
-            </a:r>
-            <a:endParaRPr lang="en-US" altLang="ko-KR" sz="1600" dirty="0"/>
+              <a:rPr lang="en-US" altLang="ko-KR" sz="2000" dirty="0" err="1"/>
+              <a:t>sessionId</a:t>
+            </a:r>
+            <a:r>
+              <a:rPr lang="ko-KR" altLang="en-US" sz="2000" dirty="0"/>
+              <a:t>와 일치하는 </a:t>
+            </a:r>
+            <a:r>
+              <a:rPr lang="en-US" altLang="ko-KR" sz="2000" dirty="0"/>
+              <a:t>Player</a:t>
+            </a:r>
+            <a:r>
+              <a:rPr lang="ko-KR" altLang="en-US" sz="2000" dirty="0"/>
+              <a:t>는 제외하고 전송함</a:t>
+            </a:r>
+            <a:endParaRPr lang="en-US" altLang="ko-KR" sz="2000" dirty="0"/>
           </a:p>
         </p:txBody>
       </p:sp>
+      <p:pic>
+        <p:nvPicPr>
+          <p:cNvPr id="13" name="그림 12">
+            <a:extLst>
+              <a:ext uri="{FF2B5EF4-FFF2-40B4-BE49-F238E27FC236}">
+                <a16:creationId xmlns:a16="http://schemas.microsoft.com/office/drawing/2014/main" id="{0D53C57A-6EA8-6B6D-C074-FB85E6A26CE7}"/>
+              </a:ext>
+            </a:extLst>
+          </p:cNvPr>
+          <p:cNvPicPr>
+            <a:picLocks noChangeAspect="1"/>
+          </p:cNvPicPr>
+          <p:nvPr/>
+        </p:nvPicPr>
+        <p:blipFill>
+          <a:blip r:embed="rId2"/>
+          <a:stretch>
+            <a:fillRect/>
+          </a:stretch>
+        </p:blipFill>
+        <p:spPr>
+          <a:xfrm>
+            <a:off x="794234" y="1530336"/>
+            <a:ext cx="5372100" cy="4717601"/>
+          </a:xfrm>
+          <a:prstGeom prst="rect">
+            <a:avLst/>
+          </a:prstGeom>
+        </p:spPr>
+      </p:pic>
+      <p:pic>
+        <p:nvPicPr>
+          <p:cNvPr id="19" name="그림 18">
+            <a:extLst>
+              <a:ext uri="{FF2B5EF4-FFF2-40B4-BE49-F238E27FC236}">
+                <a16:creationId xmlns:a16="http://schemas.microsoft.com/office/drawing/2014/main" id="{24844465-221A-82FB-319C-BBDDD0C7D1FE}"/>
+              </a:ext>
+            </a:extLst>
+          </p:cNvPr>
+          <p:cNvPicPr>
+            <a:picLocks noChangeAspect="1"/>
+          </p:cNvPicPr>
+          <p:nvPr/>
+        </p:nvPicPr>
+        <p:blipFill>
+          <a:blip r:embed="rId3"/>
+          <a:stretch>
+            <a:fillRect/>
+          </a:stretch>
+        </p:blipFill>
+        <p:spPr>
+          <a:xfrm>
+            <a:off x="6284001" y="1911707"/>
+            <a:ext cx="5314950" cy="1809750"/>
+          </a:xfrm>
+          <a:prstGeom prst="rect">
+            <a:avLst/>
+          </a:prstGeom>
+        </p:spPr>
+      </p:pic>
+      <p:pic>
+        <p:nvPicPr>
+          <p:cNvPr id="21" name="그림 20">
+            <a:extLst>
+              <a:ext uri="{FF2B5EF4-FFF2-40B4-BE49-F238E27FC236}">
+                <a16:creationId xmlns:a16="http://schemas.microsoft.com/office/drawing/2014/main" id="{1345702F-CC0F-F619-6EC6-7F0BCD0AB655}"/>
+              </a:ext>
+            </a:extLst>
+          </p:cNvPr>
+          <p:cNvPicPr>
+            <a:picLocks noChangeAspect="1"/>
+          </p:cNvPicPr>
+          <p:nvPr/>
+        </p:nvPicPr>
+        <p:blipFill>
+          <a:blip r:embed="rId4"/>
+          <a:stretch>
+            <a:fillRect/>
+          </a:stretch>
+        </p:blipFill>
+        <p:spPr>
+          <a:xfrm>
+            <a:off x="6284001" y="5203839"/>
+            <a:ext cx="4705350" cy="247650"/>
+          </a:xfrm>
+          <a:prstGeom prst="rect">
+            <a:avLst/>
+          </a:prstGeom>
+        </p:spPr>
+      </p:pic>
+      <p:cxnSp>
+        <p:nvCxnSpPr>
+          <p:cNvPr id="16" name="직선 화살표 연결선 15">
+            <a:extLst>
+              <a:ext uri="{FF2B5EF4-FFF2-40B4-BE49-F238E27FC236}">
+                <a16:creationId xmlns:a16="http://schemas.microsoft.com/office/drawing/2014/main" id="{169F8204-DC93-F690-99DE-3645D00B69F5}"/>
+              </a:ext>
+            </a:extLst>
+          </p:cNvPr>
+          <p:cNvCxnSpPr>
+            <a:cxnSpLocks/>
+          </p:cNvCxnSpPr>
+          <p:nvPr/>
+        </p:nvCxnSpPr>
+        <p:spPr>
+          <a:xfrm>
+            <a:off x="5113176" y="5327664"/>
+            <a:ext cx="1968759" cy="0"/>
+          </a:xfrm>
+          <a:prstGeom prst="straightConnector1">
+            <a:avLst/>
+          </a:prstGeom>
+          <a:ln>
+            <a:solidFill>
+              <a:srgbClr val="FF0000"/>
+            </a:solidFill>
+            <a:tailEnd type="triangle"/>
+          </a:ln>
+        </p:spPr>
+        <p:style>
+          <a:lnRef idx="2">
+            <a:schemeClr val="accent1"/>
+          </a:lnRef>
+          <a:fillRef idx="0">
+            <a:schemeClr val="accent1"/>
+          </a:fillRef>
+          <a:effectRef idx="1">
+            <a:schemeClr val="accent1"/>
+          </a:effectRef>
+          <a:fontRef idx="minor">
+            <a:schemeClr val="tx1"/>
+          </a:fontRef>
+        </p:style>
+      </p:cxnSp>
+      <p:cxnSp>
+        <p:nvCxnSpPr>
+          <p:cNvPr id="25" name="직선 화살표 연결선 24">
+            <a:extLst>
+              <a:ext uri="{FF2B5EF4-FFF2-40B4-BE49-F238E27FC236}">
+                <a16:creationId xmlns:a16="http://schemas.microsoft.com/office/drawing/2014/main" id="{9F686BF8-2A86-2622-6232-67464273D0D2}"/>
+              </a:ext>
+            </a:extLst>
+          </p:cNvPr>
+          <p:cNvCxnSpPr/>
+          <p:nvPr/>
+        </p:nvCxnSpPr>
+        <p:spPr>
+          <a:xfrm flipV="1">
+            <a:off x="5113176" y="2211355"/>
+            <a:ext cx="1446244" cy="2164702"/>
+          </a:xfrm>
+          <a:prstGeom prst="straightConnector1">
+            <a:avLst/>
+          </a:prstGeom>
+          <a:ln>
+            <a:solidFill>
+              <a:srgbClr val="FF0000"/>
+            </a:solidFill>
+            <a:tailEnd type="triangle"/>
+          </a:ln>
+        </p:spPr>
+        <p:style>
+          <a:lnRef idx="2">
+            <a:schemeClr val="accent1"/>
+          </a:lnRef>
+          <a:fillRef idx="0">
+            <a:schemeClr val="accent1"/>
+          </a:fillRef>
+          <a:effectRef idx="1">
+            <a:schemeClr val="accent1"/>
+          </a:effectRef>
+          <a:fontRef idx="minor">
+            <a:schemeClr val="tx1"/>
+          </a:fontRef>
+        </p:style>
+      </p:cxnSp>
     </p:spTree>
     <p:extLst>
       <p:ext uri="{BB962C8B-B14F-4D97-AF65-F5344CB8AC3E}">
-        <p14:creationId xmlns:p14="http://schemas.microsoft.com/office/powerpoint/2010/main" val="1477940003"/>
+        <p14:creationId xmlns:p14="http://schemas.microsoft.com/office/powerpoint/2010/main" val="165093541"/>
       </p:ext>
     </p:extLst>
   </p:cSld>
